--- a/miniproject/Hospital Management App.pptx
+++ b/miniproject/Hospital Management App.pptx
@@ -10,18 +10,19 @@
     <p:sldId id="259" r:id="rId4"/>
     <p:sldId id="260" r:id="rId5"/>
     <p:sldId id="261" r:id="rId6"/>
-    <p:sldId id="262" r:id="rId7"/>
-    <p:sldId id="263" r:id="rId8"/>
-    <p:sldId id="264" r:id="rId9"/>
-    <p:sldId id="265" r:id="rId10"/>
-    <p:sldId id="266" r:id="rId11"/>
-    <p:sldId id="267" r:id="rId12"/>
-    <p:sldId id="268" r:id="rId13"/>
-    <p:sldId id="269" r:id="rId14"/>
-    <p:sldId id="270" r:id="rId15"/>
-    <p:sldId id="271" r:id="rId16"/>
-    <p:sldId id="272" r:id="rId17"/>
-    <p:sldId id="273" r:id="rId18"/>
+    <p:sldId id="274" r:id="rId7"/>
+    <p:sldId id="262" r:id="rId8"/>
+    <p:sldId id="263" r:id="rId9"/>
+    <p:sldId id="264" r:id="rId10"/>
+    <p:sldId id="265" r:id="rId11"/>
+    <p:sldId id="266" r:id="rId12"/>
+    <p:sldId id="267" r:id="rId13"/>
+    <p:sldId id="268" r:id="rId14"/>
+    <p:sldId id="269" r:id="rId15"/>
+    <p:sldId id="270" r:id="rId16"/>
+    <p:sldId id="271" r:id="rId17"/>
+    <p:sldId id="272" r:id="rId18"/>
+    <p:sldId id="273" r:id="rId19"/>
   </p:sldIdLst>
   <p:sldSz cx="12192000" cy="6858000"/>
   <p:notesSz cx="6858000" cy="9144000"/>
@@ -2614,6 +2615,788 @@
 </file>
 
 <file path=ppt/diagrams/colors4.xml><?xml version="1.0" encoding="utf-8"?>
+<dgm:colorsDef xmlns:dgm="http://schemas.openxmlformats.org/drawingml/2006/diagram" xmlns:a="http://schemas.openxmlformats.org/drawingml/2006/main" uniqueId="urn:microsoft.com/office/officeart/2005/8/colors/colorful2">
+  <dgm:title val=""/>
+  <dgm:desc val=""/>
+  <dgm:catLst>
+    <dgm:cat type="colorful" pri="10200"/>
+  </dgm:catLst>
+  <dgm:styleLbl name="node0">
+    <dgm:fillClrLst meth="repeat">
+      <a:schemeClr val="accent1"/>
+    </dgm:fillClrLst>
+    <dgm:linClrLst meth="repeat">
+      <a:schemeClr val="lt1"/>
+    </dgm:linClrLst>
+    <dgm:effectClrLst/>
+    <dgm:txLinClrLst/>
+    <dgm:txFillClrLst/>
+    <dgm:txEffectClrLst/>
+  </dgm:styleLbl>
+  <dgm:styleLbl name="node1">
+    <dgm:fillClrLst>
+      <a:schemeClr val="accent2"/>
+      <a:schemeClr val="accent3"/>
+    </dgm:fillClrLst>
+    <dgm:linClrLst meth="repeat">
+      <a:schemeClr val="lt1"/>
+    </dgm:linClrLst>
+    <dgm:effectClrLst/>
+    <dgm:txLinClrLst/>
+    <dgm:txFillClrLst/>
+    <dgm:txEffectClrLst/>
+  </dgm:styleLbl>
+  <dgm:styleLbl name="alignNode1">
+    <dgm:fillClrLst>
+      <a:schemeClr val="accent2"/>
+      <a:schemeClr val="accent3"/>
+    </dgm:fillClrLst>
+    <dgm:linClrLst>
+      <a:schemeClr val="accent2"/>
+      <a:schemeClr val="accent3"/>
+    </dgm:linClrLst>
+    <dgm:effectClrLst/>
+    <dgm:txLinClrLst/>
+    <dgm:txFillClrLst/>
+    <dgm:txEffectClrLst/>
+  </dgm:styleLbl>
+  <dgm:styleLbl name="lnNode1">
+    <dgm:fillClrLst>
+      <a:schemeClr val="accent2"/>
+      <a:schemeClr val="accent3"/>
+    </dgm:fillClrLst>
+    <dgm:linClrLst meth="repeat">
+      <a:schemeClr val="lt1"/>
+    </dgm:linClrLst>
+    <dgm:effectClrLst/>
+    <dgm:txLinClrLst/>
+    <dgm:txFillClrLst/>
+    <dgm:txEffectClrLst/>
+  </dgm:styleLbl>
+  <dgm:styleLbl name="vennNode1">
+    <dgm:fillClrLst>
+      <a:schemeClr val="accent2">
+        <a:alpha val="50000"/>
+      </a:schemeClr>
+      <a:schemeClr val="accent3">
+        <a:alpha val="50000"/>
+      </a:schemeClr>
+    </dgm:fillClrLst>
+    <dgm:linClrLst meth="repeat">
+      <a:schemeClr val="lt1"/>
+    </dgm:linClrLst>
+    <dgm:effectClrLst/>
+    <dgm:txLinClrLst/>
+    <dgm:txFillClrLst/>
+    <dgm:txEffectClrLst/>
+  </dgm:styleLbl>
+  <dgm:styleLbl name="node2">
+    <dgm:fillClrLst>
+      <a:schemeClr val="accent3"/>
+    </dgm:fillClrLst>
+    <dgm:linClrLst meth="repeat">
+      <a:schemeClr val="lt1"/>
+    </dgm:linClrLst>
+    <dgm:effectClrLst/>
+    <dgm:txLinClrLst/>
+    <dgm:txFillClrLst/>
+    <dgm:txEffectClrLst/>
+  </dgm:styleLbl>
+  <dgm:styleLbl name="node3">
+    <dgm:fillClrLst>
+      <a:schemeClr val="accent4"/>
+    </dgm:fillClrLst>
+    <dgm:linClrLst meth="repeat">
+      <a:schemeClr val="lt1"/>
+    </dgm:linClrLst>
+    <dgm:effectClrLst/>
+    <dgm:txLinClrLst/>
+    <dgm:txFillClrLst/>
+    <dgm:txEffectClrLst/>
+  </dgm:styleLbl>
+  <dgm:styleLbl name="node4">
+    <dgm:fillClrLst>
+      <a:schemeClr val="accent5"/>
+    </dgm:fillClrLst>
+    <dgm:linClrLst meth="repeat">
+      <a:schemeClr val="lt1"/>
+    </dgm:linClrLst>
+    <dgm:effectClrLst/>
+    <dgm:txLinClrLst/>
+    <dgm:txFillClrLst/>
+    <dgm:txEffectClrLst/>
+  </dgm:styleLbl>
+  <dgm:styleLbl name="fgImgPlace1">
+    <dgm:fillClrLst>
+      <a:schemeClr val="accent2">
+        <a:tint val="50000"/>
+      </a:schemeClr>
+      <a:schemeClr val="accent3">
+        <a:tint val="50000"/>
+      </a:schemeClr>
+    </dgm:fillClrLst>
+    <dgm:linClrLst meth="repeat">
+      <a:schemeClr val="lt1"/>
+    </dgm:linClrLst>
+    <dgm:effectClrLst/>
+    <dgm:txLinClrLst/>
+    <dgm:txFillClrLst meth="repeat">
+      <a:schemeClr val="lt1"/>
+    </dgm:txFillClrLst>
+    <dgm:txEffectClrLst/>
+  </dgm:styleLbl>
+  <dgm:styleLbl name="alignImgPlace1">
+    <dgm:fillClrLst>
+      <a:schemeClr val="accent2">
+        <a:tint val="50000"/>
+      </a:schemeClr>
+      <a:schemeClr val="accent3">
+        <a:tint val="20000"/>
+      </a:schemeClr>
+    </dgm:fillClrLst>
+    <dgm:linClrLst meth="repeat">
+      <a:schemeClr val="lt1"/>
+    </dgm:linClrLst>
+    <dgm:effectClrLst/>
+    <dgm:txLinClrLst/>
+    <dgm:txFillClrLst meth="repeat">
+      <a:schemeClr val="lt1"/>
+    </dgm:txFillClrLst>
+    <dgm:txEffectClrLst/>
+  </dgm:styleLbl>
+  <dgm:styleLbl name="bgImgPlace1">
+    <dgm:fillClrLst>
+      <a:schemeClr val="accent2">
+        <a:tint val="50000"/>
+      </a:schemeClr>
+      <a:schemeClr val="accent3">
+        <a:tint val="20000"/>
+      </a:schemeClr>
+    </dgm:fillClrLst>
+    <dgm:linClrLst meth="repeat">
+      <a:schemeClr val="lt1"/>
+    </dgm:linClrLst>
+    <dgm:effectClrLst/>
+    <dgm:txLinClrLst/>
+    <dgm:txFillClrLst meth="repeat">
+      <a:schemeClr val="lt1"/>
+    </dgm:txFillClrLst>
+    <dgm:txEffectClrLst/>
+  </dgm:styleLbl>
+  <dgm:styleLbl name="sibTrans2D1">
+    <dgm:fillClrLst>
+      <a:schemeClr val="accent2"/>
+      <a:schemeClr val="accent3"/>
+    </dgm:fillClrLst>
+    <dgm:linClrLst meth="repeat">
+      <a:schemeClr val="lt1"/>
+    </dgm:linClrLst>
+    <dgm:effectClrLst/>
+    <dgm:txLinClrLst/>
+    <dgm:txFillClrLst/>
+    <dgm:txEffectClrLst/>
+  </dgm:styleLbl>
+  <dgm:styleLbl name="fgSibTrans2D1">
+    <dgm:fillClrLst>
+      <a:schemeClr val="accent2"/>
+      <a:schemeClr val="accent3"/>
+    </dgm:fillClrLst>
+    <dgm:linClrLst meth="repeat">
+      <a:schemeClr val="lt1"/>
+    </dgm:linClrLst>
+    <dgm:effectClrLst/>
+    <dgm:txLinClrLst/>
+    <dgm:txFillClrLst meth="repeat">
+      <a:schemeClr val="lt1"/>
+    </dgm:txFillClrLst>
+    <dgm:txEffectClrLst/>
+  </dgm:styleLbl>
+  <dgm:styleLbl name="bgSibTrans2D1">
+    <dgm:fillClrLst>
+      <a:schemeClr val="accent2"/>
+      <a:schemeClr val="accent3"/>
+    </dgm:fillClrLst>
+    <dgm:linClrLst meth="repeat">
+      <a:schemeClr val="lt1"/>
+    </dgm:linClrLst>
+    <dgm:effectClrLst/>
+    <dgm:txLinClrLst/>
+    <dgm:txFillClrLst meth="repeat">
+      <a:schemeClr val="lt1"/>
+    </dgm:txFillClrLst>
+    <dgm:txEffectClrLst/>
+  </dgm:styleLbl>
+  <dgm:styleLbl name="sibTrans1D1">
+    <dgm:fillClrLst/>
+    <dgm:linClrLst>
+      <a:schemeClr val="accent2"/>
+      <a:schemeClr val="accent3"/>
+    </dgm:linClrLst>
+    <dgm:effectClrLst/>
+    <dgm:txLinClrLst/>
+    <dgm:txFillClrLst meth="repeat">
+      <a:schemeClr val="tx1"/>
+    </dgm:txFillClrLst>
+    <dgm:txEffectClrLst/>
+  </dgm:styleLbl>
+  <dgm:styleLbl name="callout">
+    <dgm:fillClrLst meth="repeat">
+      <a:schemeClr val="accent2"/>
+    </dgm:fillClrLst>
+    <dgm:linClrLst meth="repeat">
+      <a:schemeClr val="accent2">
+        <a:tint val="50000"/>
+      </a:schemeClr>
+    </dgm:linClrLst>
+    <dgm:effectClrLst/>
+    <dgm:txLinClrLst/>
+    <dgm:txFillClrLst meth="repeat">
+      <a:schemeClr val="tx1"/>
+    </dgm:txFillClrLst>
+    <dgm:txEffectClrLst/>
+  </dgm:styleLbl>
+  <dgm:styleLbl name="asst0">
+    <dgm:fillClrLst meth="repeat">
+      <a:schemeClr val="accent2"/>
+    </dgm:fillClrLst>
+    <dgm:linClrLst meth="repeat">
+      <a:schemeClr val="lt1">
+        <a:shade val="80000"/>
+      </a:schemeClr>
+    </dgm:linClrLst>
+    <dgm:effectClrLst/>
+    <dgm:txLinClrLst/>
+    <dgm:txFillClrLst/>
+    <dgm:txEffectClrLst/>
+  </dgm:styleLbl>
+  <dgm:styleLbl name="asst1">
+    <dgm:fillClrLst meth="repeat">
+      <a:schemeClr val="accent3"/>
+    </dgm:fillClrLst>
+    <dgm:linClrLst meth="repeat">
+      <a:schemeClr val="lt1">
+        <a:shade val="80000"/>
+      </a:schemeClr>
+    </dgm:linClrLst>
+    <dgm:effectClrLst/>
+    <dgm:txLinClrLst/>
+    <dgm:txFillClrLst/>
+    <dgm:txEffectClrLst/>
+  </dgm:styleLbl>
+  <dgm:styleLbl name="asst2">
+    <dgm:fillClrLst>
+      <a:schemeClr val="accent4"/>
+    </dgm:fillClrLst>
+    <dgm:linClrLst meth="repeat">
+      <a:schemeClr val="lt1"/>
+    </dgm:linClrLst>
+    <dgm:effectClrLst/>
+    <dgm:txLinClrLst/>
+    <dgm:txFillClrLst/>
+    <dgm:txEffectClrLst/>
+  </dgm:styleLbl>
+  <dgm:styleLbl name="asst3">
+    <dgm:fillClrLst>
+      <a:schemeClr val="accent5"/>
+    </dgm:fillClrLst>
+    <dgm:linClrLst meth="repeat">
+      <a:schemeClr val="lt1"/>
+    </dgm:linClrLst>
+    <dgm:effectClrLst/>
+    <dgm:txLinClrLst/>
+    <dgm:txFillClrLst/>
+    <dgm:txEffectClrLst/>
+  </dgm:styleLbl>
+  <dgm:styleLbl name="asst4">
+    <dgm:fillClrLst>
+      <a:schemeClr val="accent6"/>
+    </dgm:fillClrLst>
+    <dgm:linClrLst meth="repeat">
+      <a:schemeClr val="lt1"/>
+    </dgm:linClrLst>
+    <dgm:effectClrLst/>
+    <dgm:txLinClrLst/>
+    <dgm:txFillClrLst/>
+    <dgm:txEffectClrLst/>
+  </dgm:styleLbl>
+  <dgm:styleLbl name="parChTrans2D1">
+    <dgm:fillClrLst meth="repeat">
+      <a:schemeClr val="accent2"/>
+    </dgm:fillClrLst>
+    <dgm:linClrLst meth="repeat">
+      <a:schemeClr val="lt1"/>
+    </dgm:linClrLst>
+    <dgm:effectClrLst/>
+    <dgm:txLinClrLst/>
+    <dgm:txFillClrLst meth="repeat">
+      <a:schemeClr val="lt1"/>
+    </dgm:txFillClrLst>
+    <dgm:txEffectClrLst/>
+  </dgm:styleLbl>
+  <dgm:styleLbl name="parChTrans2D2">
+    <dgm:fillClrLst meth="repeat">
+      <a:schemeClr val="accent3"/>
+    </dgm:fillClrLst>
+    <dgm:linClrLst meth="repeat">
+      <a:schemeClr val="lt1"/>
+    </dgm:linClrLst>
+    <dgm:effectClrLst/>
+    <dgm:txLinClrLst/>
+    <dgm:txFillClrLst/>
+    <dgm:txEffectClrLst/>
+  </dgm:styleLbl>
+  <dgm:styleLbl name="parChTrans2D3">
+    <dgm:fillClrLst meth="repeat">
+      <a:schemeClr val="accent4"/>
+    </dgm:fillClrLst>
+    <dgm:linClrLst meth="repeat">
+      <a:schemeClr val="lt1"/>
+    </dgm:linClrLst>
+    <dgm:effectClrLst/>
+    <dgm:txLinClrLst/>
+    <dgm:txFillClrLst/>
+    <dgm:txEffectClrLst/>
+  </dgm:styleLbl>
+  <dgm:styleLbl name="parChTrans2D4">
+    <dgm:fillClrLst meth="repeat">
+      <a:schemeClr val="accent5"/>
+    </dgm:fillClrLst>
+    <dgm:linClrLst meth="repeat">
+      <a:schemeClr val="lt1"/>
+    </dgm:linClrLst>
+    <dgm:effectClrLst/>
+    <dgm:txLinClrLst/>
+    <dgm:txFillClrLst meth="repeat">
+      <a:schemeClr val="lt1"/>
+    </dgm:txFillClrLst>
+    <dgm:txEffectClrLst/>
+  </dgm:styleLbl>
+  <dgm:styleLbl name="parChTrans1D1">
+    <dgm:fillClrLst meth="repeat">
+      <a:schemeClr val="accent2"/>
+    </dgm:fillClrLst>
+    <dgm:linClrLst meth="repeat">
+      <a:schemeClr val="accent2"/>
+    </dgm:linClrLst>
+    <dgm:effectClrLst/>
+    <dgm:txLinClrLst/>
+    <dgm:txFillClrLst meth="repeat">
+      <a:schemeClr val="tx1"/>
+    </dgm:txFillClrLst>
+    <dgm:txEffectClrLst/>
+  </dgm:styleLbl>
+  <dgm:styleLbl name="parChTrans1D2">
+    <dgm:fillClrLst meth="repeat">
+      <a:schemeClr val="accent2">
+        <a:tint val="90000"/>
+      </a:schemeClr>
+    </dgm:fillClrLst>
+    <dgm:linClrLst meth="repeat">
+      <a:schemeClr val="accent3"/>
+    </dgm:linClrLst>
+    <dgm:effectClrLst/>
+    <dgm:txLinClrLst/>
+    <dgm:txFillClrLst meth="repeat">
+      <a:schemeClr val="tx1"/>
+    </dgm:txFillClrLst>
+    <dgm:txEffectClrLst/>
+  </dgm:styleLbl>
+  <dgm:styleLbl name="parChTrans1D3">
+    <dgm:fillClrLst meth="repeat">
+      <a:schemeClr val="accent2">
+        <a:tint val="70000"/>
+      </a:schemeClr>
+    </dgm:fillClrLst>
+    <dgm:linClrLst meth="repeat">
+      <a:schemeClr val="accent4"/>
+    </dgm:linClrLst>
+    <dgm:effectClrLst/>
+    <dgm:txLinClrLst/>
+    <dgm:txFillClrLst meth="repeat">
+      <a:schemeClr val="tx1"/>
+    </dgm:txFillClrLst>
+    <dgm:txEffectClrLst/>
+  </dgm:styleLbl>
+  <dgm:styleLbl name="parChTrans1D4">
+    <dgm:fillClrLst meth="repeat">
+      <a:schemeClr val="accent2">
+        <a:tint val="50000"/>
+      </a:schemeClr>
+    </dgm:fillClrLst>
+    <dgm:linClrLst meth="repeat">
+      <a:schemeClr val="accent5"/>
+    </dgm:linClrLst>
+    <dgm:effectClrLst/>
+    <dgm:txLinClrLst/>
+    <dgm:txFillClrLst meth="repeat">
+      <a:schemeClr val="tx1"/>
+    </dgm:txFillClrLst>
+    <dgm:txEffectClrLst/>
+  </dgm:styleLbl>
+  <dgm:styleLbl name="fgAcc1">
+    <dgm:fillClrLst meth="repeat">
+      <a:schemeClr val="lt1">
+        <a:alpha val="90000"/>
+      </a:schemeClr>
+    </dgm:fillClrLst>
+    <dgm:linClrLst>
+      <a:schemeClr val="accent2"/>
+      <a:schemeClr val="accent3"/>
+    </dgm:linClrLst>
+    <dgm:effectClrLst/>
+    <dgm:txLinClrLst/>
+    <dgm:txFillClrLst meth="repeat">
+      <a:schemeClr val="dk1"/>
+    </dgm:txFillClrLst>
+    <dgm:txEffectClrLst/>
+  </dgm:styleLbl>
+  <dgm:styleLbl name="conFgAcc1">
+    <dgm:fillClrLst meth="repeat">
+      <a:schemeClr val="lt1">
+        <a:alpha val="90000"/>
+      </a:schemeClr>
+    </dgm:fillClrLst>
+    <dgm:linClrLst>
+      <a:schemeClr val="accent2"/>
+      <a:schemeClr val="accent3"/>
+    </dgm:linClrLst>
+    <dgm:effectClrLst/>
+    <dgm:txLinClrLst/>
+    <dgm:txFillClrLst meth="repeat">
+      <a:schemeClr val="dk1"/>
+    </dgm:txFillClrLst>
+    <dgm:txEffectClrLst/>
+  </dgm:styleLbl>
+  <dgm:styleLbl name="alignAcc1">
+    <dgm:fillClrLst meth="repeat">
+      <a:schemeClr val="lt1">
+        <a:alpha val="90000"/>
+      </a:schemeClr>
+    </dgm:fillClrLst>
+    <dgm:linClrLst>
+      <a:schemeClr val="accent2"/>
+      <a:schemeClr val="accent3"/>
+    </dgm:linClrLst>
+    <dgm:effectClrLst/>
+    <dgm:txLinClrLst/>
+    <dgm:txFillClrLst meth="repeat">
+      <a:schemeClr val="dk1"/>
+    </dgm:txFillClrLst>
+    <dgm:txEffectClrLst/>
+  </dgm:styleLbl>
+  <dgm:styleLbl name="trAlignAcc1">
+    <dgm:fillClrLst meth="repeat">
+      <a:schemeClr val="lt1">
+        <a:alpha val="40000"/>
+      </a:schemeClr>
+    </dgm:fillClrLst>
+    <dgm:linClrLst meth="repeat">
+      <a:schemeClr val="accent2"/>
+    </dgm:linClrLst>
+    <dgm:effectClrLst/>
+    <dgm:txLinClrLst/>
+    <dgm:txFillClrLst meth="repeat">
+      <a:schemeClr val="dk1"/>
+    </dgm:txFillClrLst>
+    <dgm:txEffectClrLst/>
+  </dgm:styleLbl>
+  <dgm:styleLbl name="bgAcc1">
+    <dgm:fillClrLst meth="repeat">
+      <a:schemeClr val="lt1">
+        <a:alpha val="90000"/>
+      </a:schemeClr>
+    </dgm:fillClrLst>
+    <dgm:linClrLst>
+      <a:schemeClr val="accent2"/>
+      <a:schemeClr val="accent3"/>
+    </dgm:linClrLst>
+    <dgm:effectClrLst/>
+    <dgm:txLinClrLst/>
+    <dgm:txFillClrLst meth="repeat">
+      <a:schemeClr val="dk1"/>
+    </dgm:txFillClrLst>
+    <dgm:txEffectClrLst/>
+  </dgm:styleLbl>
+  <dgm:styleLbl name="solidFgAcc1">
+    <dgm:fillClrLst meth="repeat">
+      <a:schemeClr val="lt1"/>
+    </dgm:fillClrLst>
+    <dgm:linClrLst>
+      <a:schemeClr val="accent2"/>
+      <a:schemeClr val="accent3"/>
+    </dgm:linClrLst>
+    <dgm:effectClrLst/>
+    <dgm:txLinClrLst/>
+    <dgm:txFillClrLst meth="repeat">
+      <a:schemeClr val="dk1"/>
+    </dgm:txFillClrLst>
+    <dgm:txEffectClrLst/>
+  </dgm:styleLbl>
+  <dgm:styleLbl name="solidAlignAcc1">
+    <dgm:fillClrLst meth="repeat">
+      <a:schemeClr val="lt1"/>
+    </dgm:fillClrLst>
+    <dgm:linClrLst>
+      <a:schemeClr val="accent2"/>
+      <a:schemeClr val="accent3"/>
+    </dgm:linClrLst>
+    <dgm:effectClrLst/>
+    <dgm:txLinClrLst/>
+    <dgm:txFillClrLst meth="repeat">
+      <a:schemeClr val="dk1"/>
+    </dgm:txFillClrLst>
+    <dgm:txEffectClrLst/>
+  </dgm:styleLbl>
+  <dgm:styleLbl name="solidBgAcc1">
+    <dgm:fillClrLst meth="repeat">
+      <a:schemeClr val="lt1"/>
+    </dgm:fillClrLst>
+    <dgm:linClrLst>
+      <a:schemeClr val="accent2"/>
+      <a:schemeClr val="accent3"/>
+    </dgm:linClrLst>
+    <dgm:effectClrLst/>
+    <dgm:txLinClrLst/>
+    <dgm:txFillClrLst meth="repeat">
+      <a:schemeClr val="dk1"/>
+    </dgm:txFillClrLst>
+    <dgm:txEffectClrLst/>
+  </dgm:styleLbl>
+  <dgm:styleLbl name="fgAccFollowNode1">
+    <dgm:fillClrLst>
+      <a:schemeClr val="accent2">
+        <a:tint val="40000"/>
+        <a:alpha val="90000"/>
+      </a:schemeClr>
+      <a:schemeClr val="accent3">
+        <a:tint val="40000"/>
+        <a:alpha val="90000"/>
+      </a:schemeClr>
+    </dgm:fillClrLst>
+    <dgm:linClrLst>
+      <a:schemeClr val="accent2">
+        <a:tint val="40000"/>
+        <a:alpha val="90000"/>
+      </a:schemeClr>
+      <a:schemeClr val="accent3">
+        <a:tint val="40000"/>
+        <a:alpha val="90000"/>
+      </a:schemeClr>
+    </dgm:linClrLst>
+    <dgm:effectClrLst/>
+    <dgm:txLinClrLst/>
+    <dgm:txFillClrLst meth="repeat">
+      <a:schemeClr val="dk1"/>
+    </dgm:txFillClrLst>
+    <dgm:txEffectClrLst/>
+  </dgm:styleLbl>
+  <dgm:styleLbl name="alignAccFollowNode1">
+    <dgm:fillClrLst>
+      <a:schemeClr val="accent2">
+        <a:tint val="40000"/>
+        <a:alpha val="90000"/>
+      </a:schemeClr>
+      <a:schemeClr val="accent3">
+        <a:tint val="40000"/>
+        <a:alpha val="90000"/>
+      </a:schemeClr>
+    </dgm:fillClrLst>
+    <dgm:linClrLst>
+      <a:schemeClr val="accent2">
+        <a:tint val="40000"/>
+        <a:alpha val="90000"/>
+      </a:schemeClr>
+      <a:schemeClr val="accent3">
+        <a:tint val="40000"/>
+        <a:alpha val="90000"/>
+      </a:schemeClr>
+    </dgm:linClrLst>
+    <dgm:effectClrLst/>
+    <dgm:txLinClrLst/>
+    <dgm:txFillClrLst meth="repeat">
+      <a:schemeClr val="dk1"/>
+    </dgm:txFillClrLst>
+    <dgm:txEffectClrLst/>
+  </dgm:styleLbl>
+  <dgm:styleLbl name="bgAccFollowNode1">
+    <dgm:fillClrLst>
+      <a:schemeClr val="accent2">
+        <a:tint val="40000"/>
+        <a:alpha val="90000"/>
+      </a:schemeClr>
+      <a:schemeClr val="accent3">
+        <a:tint val="40000"/>
+        <a:alpha val="90000"/>
+      </a:schemeClr>
+    </dgm:fillClrLst>
+    <dgm:linClrLst>
+      <a:schemeClr val="accent2">
+        <a:tint val="40000"/>
+        <a:alpha val="90000"/>
+      </a:schemeClr>
+      <a:schemeClr val="accent3">
+        <a:tint val="40000"/>
+        <a:alpha val="90000"/>
+      </a:schemeClr>
+    </dgm:linClrLst>
+    <dgm:effectClrLst/>
+    <dgm:txLinClrLst/>
+    <dgm:txFillClrLst meth="repeat">
+      <a:schemeClr val="dk1"/>
+    </dgm:txFillClrLst>
+    <dgm:txEffectClrLst/>
+  </dgm:styleLbl>
+  <dgm:styleLbl name="fgAcc0">
+    <dgm:fillClrLst meth="repeat">
+      <a:schemeClr val="lt1">
+        <a:alpha val="90000"/>
+      </a:schemeClr>
+    </dgm:fillClrLst>
+    <dgm:linClrLst>
+      <a:schemeClr val="accent1"/>
+    </dgm:linClrLst>
+    <dgm:effectClrLst/>
+    <dgm:txLinClrLst/>
+    <dgm:txFillClrLst meth="repeat">
+      <a:schemeClr val="dk1"/>
+    </dgm:txFillClrLst>
+    <dgm:txEffectClrLst/>
+  </dgm:styleLbl>
+  <dgm:styleLbl name="fgAcc2">
+    <dgm:fillClrLst meth="repeat">
+      <a:schemeClr val="lt1">
+        <a:alpha val="90000"/>
+      </a:schemeClr>
+    </dgm:fillClrLst>
+    <dgm:linClrLst>
+      <a:schemeClr val="accent3"/>
+    </dgm:linClrLst>
+    <dgm:effectClrLst/>
+    <dgm:txLinClrLst/>
+    <dgm:txFillClrLst meth="repeat">
+      <a:schemeClr val="dk1"/>
+    </dgm:txFillClrLst>
+    <dgm:txEffectClrLst/>
+  </dgm:styleLbl>
+  <dgm:styleLbl name="fgAcc3">
+    <dgm:fillClrLst meth="repeat">
+      <a:schemeClr val="lt1">
+        <a:alpha val="90000"/>
+      </a:schemeClr>
+    </dgm:fillClrLst>
+    <dgm:linClrLst>
+      <a:schemeClr val="accent4"/>
+    </dgm:linClrLst>
+    <dgm:effectClrLst/>
+    <dgm:txLinClrLst/>
+    <dgm:txFillClrLst meth="repeat">
+      <a:schemeClr val="dk1"/>
+    </dgm:txFillClrLst>
+    <dgm:txEffectClrLst/>
+  </dgm:styleLbl>
+  <dgm:styleLbl name="fgAcc4">
+    <dgm:fillClrLst meth="repeat">
+      <a:schemeClr val="lt1">
+        <a:alpha val="90000"/>
+      </a:schemeClr>
+    </dgm:fillClrLst>
+    <dgm:linClrLst>
+      <a:schemeClr val="accent5"/>
+    </dgm:linClrLst>
+    <dgm:effectClrLst/>
+    <dgm:txLinClrLst/>
+    <dgm:txFillClrLst meth="repeat">
+      <a:schemeClr val="dk1"/>
+    </dgm:txFillClrLst>
+    <dgm:txEffectClrLst/>
+  </dgm:styleLbl>
+  <dgm:styleLbl name="bgShp">
+    <dgm:fillClrLst meth="repeat">
+      <a:schemeClr val="accent2">
+        <a:tint val="40000"/>
+      </a:schemeClr>
+    </dgm:fillClrLst>
+    <dgm:linClrLst meth="repeat">
+      <a:schemeClr val="dk1"/>
+    </dgm:linClrLst>
+    <dgm:effectClrLst/>
+    <dgm:txLinClrLst/>
+    <dgm:txFillClrLst meth="repeat">
+      <a:schemeClr val="dk1"/>
+    </dgm:txFillClrLst>
+    <dgm:txEffectClrLst/>
+  </dgm:styleLbl>
+  <dgm:styleLbl name="dkBgShp">
+    <dgm:fillClrLst meth="repeat">
+      <a:schemeClr val="accent2">
+        <a:shade val="90000"/>
+      </a:schemeClr>
+    </dgm:fillClrLst>
+    <dgm:linClrLst meth="repeat">
+      <a:schemeClr val="dk1"/>
+    </dgm:linClrLst>
+    <dgm:effectClrLst/>
+    <dgm:txLinClrLst/>
+    <dgm:txFillClrLst meth="repeat">
+      <a:schemeClr val="lt1"/>
+    </dgm:txFillClrLst>
+    <dgm:txEffectClrLst/>
+  </dgm:styleLbl>
+  <dgm:styleLbl name="trBgShp">
+    <dgm:fillClrLst meth="repeat">
+      <a:schemeClr val="accent2">
+        <a:tint val="50000"/>
+        <a:alpha val="40000"/>
+      </a:schemeClr>
+    </dgm:fillClrLst>
+    <dgm:linClrLst meth="repeat">
+      <a:schemeClr val="accent2"/>
+    </dgm:linClrLst>
+    <dgm:effectClrLst/>
+    <dgm:txLinClrLst/>
+    <dgm:txFillClrLst meth="repeat">
+      <a:schemeClr val="lt1"/>
+    </dgm:txFillClrLst>
+    <dgm:txEffectClrLst/>
+  </dgm:styleLbl>
+  <dgm:styleLbl name="fgShp">
+    <dgm:fillClrLst meth="repeat">
+      <a:schemeClr val="accent2">
+        <a:tint val="40000"/>
+      </a:schemeClr>
+    </dgm:fillClrLst>
+    <dgm:linClrLst meth="repeat">
+      <a:schemeClr val="lt1"/>
+    </dgm:linClrLst>
+    <dgm:effectClrLst/>
+    <dgm:txLinClrLst/>
+    <dgm:txFillClrLst meth="repeat">
+      <a:schemeClr val="dk1"/>
+    </dgm:txFillClrLst>
+    <dgm:txEffectClrLst/>
+  </dgm:styleLbl>
+  <dgm:styleLbl name="revTx">
+    <dgm:fillClrLst meth="repeat">
+      <a:schemeClr val="lt1">
+        <a:alpha val="0"/>
+      </a:schemeClr>
+    </dgm:fillClrLst>
+    <dgm:linClrLst meth="repeat">
+      <a:schemeClr val="dk1">
+        <a:alpha val="0"/>
+      </a:schemeClr>
+    </dgm:linClrLst>
+    <dgm:effectClrLst/>
+    <dgm:txLinClrLst/>
+    <dgm:txFillClrLst meth="repeat">
+      <a:schemeClr val="tx1"/>
+    </dgm:txFillClrLst>
+    <dgm:txEffectClrLst/>
+  </dgm:styleLbl>
+</dgm:colorsDef>
+</file>
+
+<file path=ppt/diagrams/colors5.xml><?xml version="1.0" encoding="utf-8"?>
 <dgm:colorsDef xmlns:dgm="http://schemas.openxmlformats.org/drawingml/2006/diagram" xmlns:a="http://schemas.openxmlformats.org/drawingml/2006/main" uniqueId="urn:microsoft.com/office/officeart/2005/8/colors/accent1_2">
   <dgm:title val=""/>
   <dgm:desc val=""/>
@@ -3534,7 +4317,7 @@
                 <a14:useLocalDpi xmlns:a14="http://schemas.microsoft.com/office/drawing/2010/main" val="0"/>
               </a:ext>
               <a:ext uri="{96DAC541-7B7A-43D3-8B79-37D633B846F1}">
-                <asvg:svgBlip xmlns="" xmlns:asvg="http://schemas.microsoft.com/office/drawing/2016/SVG/main" r:embed="rId2"/>
+                <asvg:svgBlip xmlns:asvg="http://schemas.microsoft.com/office/drawing/2016/SVG/main" xmlns="" r:embed="rId2"/>
               </a:ext>
             </a:extLst>
           </a:blip>
@@ -3601,7 +4384,7 @@
                 <a14:useLocalDpi xmlns:a14="http://schemas.microsoft.com/office/drawing/2010/main" val="0"/>
               </a:ext>
               <a:ext uri="{96DAC541-7B7A-43D3-8B79-37D633B846F1}">
-                <asvg:svgBlip xmlns="" xmlns:asvg="http://schemas.microsoft.com/office/drawing/2016/SVG/main" r:embed="rId4"/>
+                <asvg:svgBlip xmlns:asvg="http://schemas.microsoft.com/office/drawing/2016/SVG/main" xmlns="" r:embed="rId4"/>
               </a:ext>
             </a:extLst>
           </a:blip>
@@ -4206,6 +4989,267 @@
 <file path=ppt/diagrams/data4.xml><?xml version="1.0" encoding="utf-8"?>
 <dgm:dataModel xmlns:dgm="http://schemas.openxmlformats.org/drawingml/2006/diagram" xmlns:a="http://schemas.openxmlformats.org/drawingml/2006/main">
   <dgm:ptLst>
+    <dgm:pt modelId="{3BB33329-3FD9-44C2-BCA6-B16448A916BB}" type="doc">
+      <dgm:prSet loTypeId="urn:microsoft.com/office/officeart/2005/8/layout/vList2" loCatId="list" qsTypeId="urn:microsoft.com/office/officeart/2005/8/quickstyle/simple4" qsCatId="simple" csTypeId="urn:microsoft.com/office/officeart/2005/8/colors/colorful2" csCatId="colorful" phldr="1"/>
+      <dgm:spPr/>
+      <dgm:t>
+        <a:bodyPr/>
+        <a:lstStyle/>
+        <a:p>
+          <a:endParaRPr lang="en-US"/>
+        </a:p>
+      </dgm:t>
+    </dgm:pt>
+    <dgm:pt modelId="{6AD3161D-0D0B-4A6F-BFAC-045CF49964CF}">
+      <dgm:prSet/>
+      <dgm:spPr/>
+      <dgm:t>
+        <a:bodyPr/>
+        <a:lstStyle/>
+        <a:p>
+          <a:r>
+            <a:rPr lang="en-US" dirty="0"/>
+            <a:t>This microservice allows the </a:t>
+          </a:r>
+          <a:r>
+            <a:rPr lang="en-US" dirty="0" smtClean="0"/>
+            <a:t>doctor </a:t>
+          </a:r>
+          <a:r>
+            <a:rPr lang="en-US" dirty="0" smtClean="0"/>
+            <a:t>to </a:t>
+          </a:r>
+          <a:r>
+            <a:rPr lang="en-US" dirty="0"/>
+            <a:t>post, update and delete </a:t>
+          </a:r>
+          <a:r>
+            <a:rPr lang="en-US" dirty="0" smtClean="0"/>
+            <a:t>data regarding </a:t>
+          </a:r>
+          <a:r>
+            <a:rPr lang="en-US" dirty="0" smtClean="0"/>
+            <a:t>prescription.</a:t>
+          </a:r>
+          <a:endParaRPr lang="en-US" dirty="0"/>
+        </a:p>
+      </dgm:t>
+    </dgm:pt>
+    <dgm:pt modelId="{E274F71A-16BD-4DE5-9B19-960DB0349325}" type="parTrans" cxnId="{65E9209C-B1B2-4CD2-B71F-37A2FDE4AC1A}">
+      <dgm:prSet/>
+      <dgm:spPr/>
+      <dgm:t>
+        <a:bodyPr/>
+        <a:lstStyle/>
+        <a:p>
+          <a:endParaRPr lang="en-US"/>
+        </a:p>
+      </dgm:t>
+    </dgm:pt>
+    <dgm:pt modelId="{1B18C66C-3F12-4A6E-B431-00AAE1EAA804}" type="sibTrans" cxnId="{65E9209C-B1B2-4CD2-B71F-37A2FDE4AC1A}">
+      <dgm:prSet/>
+      <dgm:spPr/>
+      <dgm:t>
+        <a:bodyPr/>
+        <a:lstStyle/>
+        <a:p>
+          <a:endParaRPr lang="en-US"/>
+        </a:p>
+      </dgm:t>
+    </dgm:pt>
+    <dgm:pt modelId="{AA7DB4EA-9C0A-46DE-89A1-F1E18AA3FD8F}">
+      <dgm:prSet/>
+      <dgm:spPr/>
+      <dgm:t>
+        <a:bodyPr/>
+        <a:lstStyle/>
+        <a:p>
+          <a:r>
+            <a:rPr lang="en-US" dirty="0"/>
+            <a:t>This microservice can manage data </a:t>
+          </a:r>
+          <a:r>
+            <a:rPr lang="en-US" dirty="0" smtClean="0"/>
+            <a:t>of prescription credentials by doctor.</a:t>
+          </a:r>
+          <a:endParaRPr lang="en-US" dirty="0"/>
+        </a:p>
+      </dgm:t>
+    </dgm:pt>
+    <dgm:pt modelId="{DFAB6AC0-943A-4D32-B557-C8389A563488}" type="parTrans" cxnId="{34743D48-9FCD-4A92-B317-E2A908DB3634}">
+      <dgm:prSet/>
+      <dgm:spPr/>
+      <dgm:t>
+        <a:bodyPr/>
+        <a:lstStyle/>
+        <a:p>
+          <a:endParaRPr lang="en-US"/>
+        </a:p>
+      </dgm:t>
+    </dgm:pt>
+    <dgm:pt modelId="{D573BEC5-C40F-41B6-A364-40DC6CC2EC92}" type="sibTrans" cxnId="{34743D48-9FCD-4A92-B317-E2A908DB3634}">
+      <dgm:prSet/>
+      <dgm:spPr/>
+      <dgm:t>
+        <a:bodyPr/>
+        <a:lstStyle/>
+        <a:p>
+          <a:endParaRPr lang="en-US"/>
+        </a:p>
+      </dgm:t>
+    </dgm:pt>
+    <dgm:pt modelId="{59516966-D8A2-4800-B511-F84D906ED631}">
+      <dgm:prSet/>
+      <dgm:spPr/>
+      <dgm:t>
+        <a:bodyPr/>
+        <a:lstStyle/>
+        <a:p>
+          <a:r>
+            <a:rPr lang="en-US" dirty="0"/>
+            <a:t>For example- </a:t>
+          </a:r>
+          <a:r>
+            <a:rPr lang="en-US" dirty="0" smtClean="0"/>
+            <a:t>If doctor/patient </a:t>
+          </a:r>
+          <a:r>
+            <a:rPr lang="en-US" dirty="0" smtClean="0"/>
+            <a:t>wants </a:t>
+          </a:r>
+          <a:r>
+            <a:rPr lang="en-US" dirty="0" smtClean="0"/>
+            <a:t>to access their prescription then doctor/patient can access using their login </a:t>
+          </a:r>
+          <a:r>
+            <a:rPr lang="en-US" dirty="0"/>
+            <a:t>credentials.</a:t>
+          </a:r>
+        </a:p>
+      </dgm:t>
+    </dgm:pt>
+    <dgm:pt modelId="{0A504762-6726-4E56-82F0-FC22B28B604D}" type="parTrans" cxnId="{C9EA8386-1246-458E-90A8-6E38167F0AFB}">
+      <dgm:prSet/>
+      <dgm:spPr/>
+      <dgm:t>
+        <a:bodyPr/>
+        <a:lstStyle/>
+        <a:p>
+          <a:endParaRPr lang="en-US"/>
+        </a:p>
+      </dgm:t>
+    </dgm:pt>
+    <dgm:pt modelId="{7F248C9E-8CB8-4F8A-85E2-AE2C43E4C047}" type="sibTrans" cxnId="{C9EA8386-1246-458E-90A8-6E38167F0AFB}">
+      <dgm:prSet/>
+      <dgm:spPr/>
+      <dgm:t>
+        <a:bodyPr/>
+        <a:lstStyle/>
+        <a:p>
+          <a:endParaRPr lang="en-US"/>
+        </a:p>
+      </dgm:t>
+    </dgm:pt>
+    <dgm:pt modelId="{D1EDB0DD-F0A8-4332-BE65-1401A743E8B9}" type="pres">
+      <dgm:prSet presAssocID="{3BB33329-3FD9-44C2-BCA6-B16448A916BB}" presName="linear" presStyleCnt="0">
+        <dgm:presLayoutVars>
+          <dgm:animLvl val="lvl"/>
+          <dgm:resizeHandles val="exact"/>
+        </dgm:presLayoutVars>
+      </dgm:prSet>
+      <dgm:spPr/>
+      <dgm:t>
+        <a:bodyPr/>
+        <a:lstStyle/>
+        <a:p>
+          <a:endParaRPr lang="en-US"/>
+        </a:p>
+      </dgm:t>
+    </dgm:pt>
+    <dgm:pt modelId="{162245EF-5716-4037-B815-9526B87F766A}" type="pres">
+      <dgm:prSet presAssocID="{6AD3161D-0D0B-4A6F-BFAC-045CF49964CF}" presName="parentText" presStyleLbl="node1" presStyleIdx="0" presStyleCnt="3">
+        <dgm:presLayoutVars>
+          <dgm:chMax val="0"/>
+          <dgm:bulletEnabled val="1"/>
+        </dgm:presLayoutVars>
+      </dgm:prSet>
+      <dgm:spPr/>
+      <dgm:t>
+        <a:bodyPr/>
+        <a:lstStyle/>
+        <a:p>
+          <a:endParaRPr lang="en-US"/>
+        </a:p>
+      </dgm:t>
+    </dgm:pt>
+    <dgm:pt modelId="{560C28DC-61E6-4FD1-9AB9-1E57779E482D}" type="pres">
+      <dgm:prSet presAssocID="{1B18C66C-3F12-4A6E-B431-00AAE1EAA804}" presName="spacer" presStyleCnt="0"/>
+      <dgm:spPr/>
+    </dgm:pt>
+    <dgm:pt modelId="{E0D9EF37-BF88-466B-B2C3-4C8DF6481C56}" type="pres">
+      <dgm:prSet presAssocID="{AA7DB4EA-9C0A-46DE-89A1-F1E18AA3FD8F}" presName="parentText" presStyleLbl="node1" presStyleIdx="1" presStyleCnt="3">
+        <dgm:presLayoutVars>
+          <dgm:chMax val="0"/>
+          <dgm:bulletEnabled val="1"/>
+        </dgm:presLayoutVars>
+      </dgm:prSet>
+      <dgm:spPr/>
+      <dgm:t>
+        <a:bodyPr/>
+        <a:lstStyle/>
+        <a:p>
+          <a:endParaRPr lang="en-US"/>
+        </a:p>
+      </dgm:t>
+    </dgm:pt>
+    <dgm:pt modelId="{A68C4338-7724-4290-8177-AAEED4611B64}" type="pres">
+      <dgm:prSet presAssocID="{D573BEC5-C40F-41B6-A364-40DC6CC2EC92}" presName="spacer" presStyleCnt="0"/>
+      <dgm:spPr/>
+    </dgm:pt>
+    <dgm:pt modelId="{D4DE0B89-07FC-4EB6-97C4-C925F12EF0C4}" type="pres">
+      <dgm:prSet presAssocID="{59516966-D8A2-4800-B511-F84D906ED631}" presName="parentText" presStyleLbl="node1" presStyleIdx="2" presStyleCnt="3">
+        <dgm:presLayoutVars>
+          <dgm:chMax val="0"/>
+          <dgm:bulletEnabled val="1"/>
+        </dgm:presLayoutVars>
+      </dgm:prSet>
+      <dgm:spPr/>
+      <dgm:t>
+        <a:bodyPr/>
+        <a:lstStyle/>
+        <a:p>
+          <a:endParaRPr lang="en-US"/>
+        </a:p>
+      </dgm:t>
+    </dgm:pt>
+  </dgm:ptLst>
+  <dgm:cxnLst>
+    <dgm:cxn modelId="{82096B95-B1B4-467A-A2AB-139292E767ED}" type="presOf" srcId="{59516966-D8A2-4800-B511-F84D906ED631}" destId="{D4DE0B89-07FC-4EB6-97C4-C925F12EF0C4}" srcOrd="0" destOrd="0" presId="urn:microsoft.com/office/officeart/2005/8/layout/vList2"/>
+    <dgm:cxn modelId="{7A78500B-04A7-4DBF-B4D3-7EE8A65CE5E9}" type="presOf" srcId="{3BB33329-3FD9-44C2-BCA6-B16448A916BB}" destId="{D1EDB0DD-F0A8-4332-BE65-1401A743E8B9}" srcOrd="0" destOrd="0" presId="urn:microsoft.com/office/officeart/2005/8/layout/vList2"/>
+    <dgm:cxn modelId="{C9EA8386-1246-458E-90A8-6E38167F0AFB}" srcId="{3BB33329-3FD9-44C2-BCA6-B16448A916BB}" destId="{59516966-D8A2-4800-B511-F84D906ED631}" srcOrd="2" destOrd="0" parTransId="{0A504762-6726-4E56-82F0-FC22B28B604D}" sibTransId="{7F248C9E-8CB8-4F8A-85E2-AE2C43E4C047}"/>
+    <dgm:cxn modelId="{65E9209C-B1B2-4CD2-B71F-37A2FDE4AC1A}" srcId="{3BB33329-3FD9-44C2-BCA6-B16448A916BB}" destId="{6AD3161D-0D0B-4A6F-BFAC-045CF49964CF}" srcOrd="0" destOrd="0" parTransId="{E274F71A-16BD-4DE5-9B19-960DB0349325}" sibTransId="{1B18C66C-3F12-4A6E-B431-00AAE1EAA804}"/>
+    <dgm:cxn modelId="{3CD43876-FC44-4F01-B3C0-E019E6DA6324}" type="presOf" srcId="{AA7DB4EA-9C0A-46DE-89A1-F1E18AA3FD8F}" destId="{E0D9EF37-BF88-466B-B2C3-4C8DF6481C56}" srcOrd="0" destOrd="0" presId="urn:microsoft.com/office/officeart/2005/8/layout/vList2"/>
+    <dgm:cxn modelId="{1076F768-8222-49B0-9053-C0550A3A9492}" type="presOf" srcId="{6AD3161D-0D0B-4A6F-BFAC-045CF49964CF}" destId="{162245EF-5716-4037-B815-9526B87F766A}" srcOrd="0" destOrd="0" presId="urn:microsoft.com/office/officeart/2005/8/layout/vList2"/>
+    <dgm:cxn modelId="{34743D48-9FCD-4A92-B317-E2A908DB3634}" srcId="{3BB33329-3FD9-44C2-BCA6-B16448A916BB}" destId="{AA7DB4EA-9C0A-46DE-89A1-F1E18AA3FD8F}" srcOrd="1" destOrd="0" parTransId="{DFAB6AC0-943A-4D32-B557-C8389A563488}" sibTransId="{D573BEC5-C40F-41B6-A364-40DC6CC2EC92}"/>
+    <dgm:cxn modelId="{1A243953-2F35-4BF0-949F-51D4AF04FF68}" type="presParOf" srcId="{D1EDB0DD-F0A8-4332-BE65-1401A743E8B9}" destId="{162245EF-5716-4037-B815-9526B87F766A}" srcOrd="0" destOrd="0" presId="urn:microsoft.com/office/officeart/2005/8/layout/vList2"/>
+    <dgm:cxn modelId="{2522321B-79BF-460A-9A10-6FB935A4CBDE}" type="presParOf" srcId="{D1EDB0DD-F0A8-4332-BE65-1401A743E8B9}" destId="{560C28DC-61E6-4FD1-9AB9-1E57779E482D}" srcOrd="1" destOrd="0" presId="urn:microsoft.com/office/officeart/2005/8/layout/vList2"/>
+    <dgm:cxn modelId="{21F40D9C-1BD3-48BF-B66A-791BC2553127}" type="presParOf" srcId="{D1EDB0DD-F0A8-4332-BE65-1401A743E8B9}" destId="{E0D9EF37-BF88-466B-B2C3-4C8DF6481C56}" srcOrd="2" destOrd="0" presId="urn:microsoft.com/office/officeart/2005/8/layout/vList2"/>
+    <dgm:cxn modelId="{2B8E8D9B-7329-4F6E-9A8C-81D1833B091E}" type="presParOf" srcId="{D1EDB0DD-F0A8-4332-BE65-1401A743E8B9}" destId="{A68C4338-7724-4290-8177-AAEED4611B64}" srcOrd="3" destOrd="0" presId="urn:microsoft.com/office/officeart/2005/8/layout/vList2"/>
+    <dgm:cxn modelId="{AFD2F837-5551-4D96-946F-2F132F34C496}" type="presParOf" srcId="{D1EDB0DD-F0A8-4332-BE65-1401A743E8B9}" destId="{D4DE0B89-07FC-4EB6-97C4-C925F12EF0C4}" srcOrd="4" destOrd="0" presId="urn:microsoft.com/office/officeart/2005/8/layout/vList2"/>
+  </dgm:cxnLst>
+  <dgm:bg/>
+  <dgm:whole/>
+  <dgm:extLst>
+    <a:ext uri="http://schemas.microsoft.com/office/drawing/2008/diagram">
+      <dsp:dataModelExt xmlns:dsp="http://schemas.microsoft.com/office/drawing/2008/diagram" relId="rId6" minVer="http://schemas.openxmlformats.org/drawingml/2006/diagram"/>
+    </a:ext>
+  </dgm:extLst>
+</dgm:dataModel>
+</file>
+
+<file path=ppt/diagrams/data5.xml><?xml version="1.0" encoding="utf-8"?>
+<dgm:dataModel xmlns:dgm="http://schemas.openxmlformats.org/drawingml/2006/diagram" xmlns:a="http://schemas.openxmlformats.org/drawingml/2006/main">
+  <dgm:ptLst>
     <dgm:pt modelId="{A89EC067-8F92-403F-8F50-1FB4739AAC9B}" type="doc">
       <dgm:prSet loTypeId="urn:microsoft.com/office/officeart/2018/2/layout/IconVerticalSolidList" loCatId="icon" qsTypeId="urn:microsoft.com/office/officeart/2005/8/quickstyle/simple1" qsCatId="simple" csTypeId="urn:microsoft.com/office/officeart/2005/8/colors/accent1_2" csCatId="accent1" phldr="1"/>
       <dgm:spPr/>
@@ -4333,7 +5377,7 @@
                 <a14:useLocalDpi xmlns:a14="http://schemas.microsoft.com/office/drawing/2010/main" val="0"/>
               </a:ext>
               <a:ext uri="{96DAC541-7B7A-43D3-8B79-37D633B846F1}">
-                <asvg:svgBlip xmlns="" xmlns:asvg="http://schemas.microsoft.com/office/drawing/2016/SVG/main" r:embed="rId2"/>
+                <asvg:svgBlip xmlns:asvg="http://schemas.microsoft.com/office/drawing/2016/SVG/main" xmlns="" r:embed="rId2"/>
               </a:ext>
             </a:extLst>
           </a:blip>
@@ -4397,7 +5441,7 @@
                 <a14:useLocalDpi xmlns:a14="http://schemas.microsoft.com/office/drawing/2010/main" val="0"/>
               </a:ext>
               <a:ext uri="{96DAC541-7B7A-43D3-8B79-37D633B846F1}">
-                <asvg:svgBlip xmlns="" xmlns:asvg="http://schemas.microsoft.com/office/drawing/2016/SVG/main" r:embed="rId4"/>
+                <asvg:svgBlip xmlns:asvg="http://schemas.microsoft.com/office/drawing/2016/SVG/main" xmlns="" r:embed="rId4"/>
               </a:ext>
             </a:extLst>
           </a:blip>
@@ -4537,7 +5581,7 @@
                 <a14:useLocalDpi xmlns:a14="http://schemas.microsoft.com/office/drawing/2010/main" val="0"/>
               </a:ext>
               <a:ext uri="{96DAC541-7B7A-43D3-8B79-37D633B846F1}">
-                <asvg:svgBlip xmlns="" xmlns:asvg="http://schemas.microsoft.com/office/drawing/2016/SVG/main" r:embed="rId2"/>
+                <asvg:svgBlip xmlns:asvg="http://schemas.microsoft.com/office/drawing/2016/SVG/main" xmlns="" r:embed="rId2"/>
               </a:ext>
             </a:extLst>
           </a:blip>
@@ -4715,7 +5759,7 @@
                 <a14:useLocalDpi xmlns:a14="http://schemas.microsoft.com/office/drawing/2010/main" val="0"/>
               </a:ext>
               <a:ext uri="{96DAC541-7B7A-43D3-8B79-37D633B846F1}">
-                <asvg:svgBlip xmlns="" xmlns:asvg="http://schemas.microsoft.com/office/drawing/2016/SVG/main" r:embed="rId4"/>
+                <asvg:svgBlip xmlns:asvg="http://schemas.microsoft.com/office/drawing/2016/SVG/main" xmlns="" r:embed="rId4"/>
               </a:ext>
             </a:extLst>
           </a:blip>
@@ -5500,6 +6544,333 @@
       <dsp:cNvGrpSpPr/>
     </dsp:nvGrpSpPr>
     <dsp:grpSpPr/>
+    <dsp:sp modelId="{162245EF-5716-4037-B815-9526B87F766A}">
+      <dsp:nvSpPr>
+        <dsp:cNvPr id="0" name=""/>
+        <dsp:cNvSpPr/>
+      </dsp:nvSpPr>
+      <dsp:spPr>
+        <a:xfrm>
+          <a:off x="0" y="525270"/>
+          <a:ext cx="6628804" cy="1263599"/>
+        </a:xfrm>
+        <a:prstGeom prst="roundRect">
+          <a:avLst/>
+        </a:prstGeom>
+        <a:gradFill rotWithShape="0">
+          <a:gsLst>
+            <a:gs pos="0">
+              <a:schemeClr val="accent2">
+                <a:hueOff val="0"/>
+                <a:satOff val="0"/>
+                <a:lumOff val="0"/>
+                <a:alphaOff val="0"/>
+                <a:tint val="96000"/>
+                <a:lumMod val="100000"/>
+              </a:schemeClr>
+            </a:gs>
+            <a:gs pos="78000">
+              <a:schemeClr val="accent2">
+                <a:hueOff val="0"/>
+                <a:satOff val="0"/>
+                <a:lumOff val="0"/>
+                <a:alphaOff val="0"/>
+                <a:shade val="94000"/>
+                <a:lumMod val="94000"/>
+              </a:schemeClr>
+            </a:gs>
+          </a:gsLst>
+          <a:lin ang="5400000" scaled="0"/>
+        </a:gradFill>
+        <a:ln>
+          <a:noFill/>
+        </a:ln>
+        <a:effectLst>
+          <a:outerShdw blurRad="38100" dist="25400" dir="5400000" rotWithShape="0">
+            <a:srgbClr val="000000">
+              <a:alpha val="35000"/>
+            </a:srgbClr>
+          </a:outerShdw>
+        </a:effectLst>
+      </dsp:spPr>
+      <dsp:style>
+        <a:lnRef idx="0">
+          <a:scrgbClr r="0" g="0" b="0"/>
+        </a:lnRef>
+        <a:fillRef idx="3">
+          <a:scrgbClr r="0" g="0" b="0"/>
+        </a:fillRef>
+        <a:effectRef idx="2">
+          <a:scrgbClr r="0" g="0" b="0"/>
+        </a:effectRef>
+        <a:fontRef idx="minor">
+          <a:schemeClr val="lt1"/>
+        </a:fontRef>
+      </dsp:style>
+      <dsp:txBody>
+        <a:bodyPr spcFirstLastPara="0" vert="horz" wrap="square" lIns="91440" tIns="91440" rIns="91440" bIns="91440" numCol="1" spcCol="1270" anchor="ctr" anchorCtr="0">
+          <a:noAutofit/>
+        </a:bodyPr>
+        <a:lstStyle/>
+        <a:p>
+          <a:pPr lvl="0" algn="l" defTabSz="1066800">
+            <a:lnSpc>
+              <a:spcPct val="90000"/>
+            </a:lnSpc>
+            <a:spcBef>
+              <a:spcPct val="0"/>
+            </a:spcBef>
+            <a:spcAft>
+              <a:spcPct val="35000"/>
+            </a:spcAft>
+          </a:pPr>
+          <a:r>
+            <a:rPr lang="en-US" sz="2400" kern="1200" dirty="0"/>
+            <a:t>This microservice allows the </a:t>
+          </a:r>
+          <a:r>
+            <a:rPr lang="en-US" sz="2400" kern="1200" dirty="0" smtClean="0"/>
+            <a:t>doctor </a:t>
+          </a:r>
+          <a:r>
+            <a:rPr lang="en-US" sz="2400" kern="1200" dirty="0" smtClean="0"/>
+            <a:t>to </a:t>
+          </a:r>
+          <a:r>
+            <a:rPr lang="en-US" sz="2400" kern="1200" dirty="0"/>
+            <a:t>post, update and delete </a:t>
+          </a:r>
+          <a:r>
+            <a:rPr lang="en-US" sz="2400" kern="1200" dirty="0" smtClean="0"/>
+            <a:t>data regarding </a:t>
+          </a:r>
+          <a:r>
+            <a:rPr lang="en-US" sz="2400" kern="1200" dirty="0" smtClean="0"/>
+            <a:t>prescription.</a:t>
+          </a:r>
+          <a:endParaRPr lang="en-US" sz="2400" kern="1200" dirty="0"/>
+        </a:p>
+      </dsp:txBody>
+      <dsp:txXfrm>
+        <a:off x="61684" y="586954"/>
+        <a:ext cx="6505436" cy="1140231"/>
+      </dsp:txXfrm>
+    </dsp:sp>
+    <dsp:sp modelId="{E0D9EF37-BF88-466B-B2C3-4C8DF6481C56}">
+      <dsp:nvSpPr>
+        <dsp:cNvPr id="0" name=""/>
+        <dsp:cNvSpPr/>
+      </dsp:nvSpPr>
+      <dsp:spPr>
+        <a:xfrm>
+          <a:off x="0" y="1857990"/>
+          <a:ext cx="6628804" cy="1263599"/>
+        </a:xfrm>
+        <a:prstGeom prst="roundRect">
+          <a:avLst/>
+        </a:prstGeom>
+        <a:gradFill rotWithShape="0">
+          <a:gsLst>
+            <a:gs pos="0">
+              <a:schemeClr val="accent2">
+                <a:hueOff val="-1482143"/>
+                <a:satOff val="7100"/>
+                <a:lumOff val="6569"/>
+                <a:alphaOff val="0"/>
+                <a:tint val="96000"/>
+                <a:lumMod val="100000"/>
+              </a:schemeClr>
+            </a:gs>
+            <a:gs pos="78000">
+              <a:schemeClr val="accent2">
+                <a:hueOff val="-1482143"/>
+                <a:satOff val="7100"/>
+                <a:lumOff val="6569"/>
+                <a:alphaOff val="0"/>
+                <a:shade val="94000"/>
+                <a:lumMod val="94000"/>
+              </a:schemeClr>
+            </a:gs>
+          </a:gsLst>
+          <a:lin ang="5400000" scaled="0"/>
+        </a:gradFill>
+        <a:ln>
+          <a:noFill/>
+        </a:ln>
+        <a:effectLst>
+          <a:outerShdw blurRad="38100" dist="25400" dir="5400000" rotWithShape="0">
+            <a:srgbClr val="000000">
+              <a:alpha val="35000"/>
+            </a:srgbClr>
+          </a:outerShdw>
+        </a:effectLst>
+      </dsp:spPr>
+      <dsp:style>
+        <a:lnRef idx="0">
+          <a:scrgbClr r="0" g="0" b="0"/>
+        </a:lnRef>
+        <a:fillRef idx="3">
+          <a:scrgbClr r="0" g="0" b="0"/>
+        </a:fillRef>
+        <a:effectRef idx="2">
+          <a:scrgbClr r="0" g="0" b="0"/>
+        </a:effectRef>
+        <a:fontRef idx="minor">
+          <a:schemeClr val="lt1"/>
+        </a:fontRef>
+      </dsp:style>
+      <dsp:txBody>
+        <a:bodyPr spcFirstLastPara="0" vert="horz" wrap="square" lIns="91440" tIns="91440" rIns="91440" bIns="91440" numCol="1" spcCol="1270" anchor="ctr" anchorCtr="0">
+          <a:noAutofit/>
+        </a:bodyPr>
+        <a:lstStyle/>
+        <a:p>
+          <a:pPr lvl="0" algn="l" defTabSz="1066800">
+            <a:lnSpc>
+              <a:spcPct val="90000"/>
+            </a:lnSpc>
+            <a:spcBef>
+              <a:spcPct val="0"/>
+            </a:spcBef>
+            <a:spcAft>
+              <a:spcPct val="35000"/>
+            </a:spcAft>
+          </a:pPr>
+          <a:r>
+            <a:rPr lang="en-US" sz="2400" kern="1200" dirty="0"/>
+            <a:t>This microservice can manage data </a:t>
+          </a:r>
+          <a:r>
+            <a:rPr lang="en-US" sz="2400" kern="1200" dirty="0" smtClean="0"/>
+            <a:t>of prescription credentials by doctor.</a:t>
+          </a:r>
+          <a:endParaRPr lang="en-US" sz="2400" kern="1200" dirty="0"/>
+        </a:p>
+      </dsp:txBody>
+      <dsp:txXfrm>
+        <a:off x="61684" y="1919674"/>
+        <a:ext cx="6505436" cy="1140231"/>
+      </dsp:txXfrm>
+    </dsp:sp>
+    <dsp:sp modelId="{D4DE0B89-07FC-4EB6-97C4-C925F12EF0C4}">
+      <dsp:nvSpPr>
+        <dsp:cNvPr id="0" name=""/>
+        <dsp:cNvSpPr/>
+      </dsp:nvSpPr>
+      <dsp:spPr>
+        <a:xfrm>
+          <a:off x="0" y="3190710"/>
+          <a:ext cx="6628804" cy="1263599"/>
+        </a:xfrm>
+        <a:prstGeom prst="roundRect">
+          <a:avLst/>
+        </a:prstGeom>
+        <a:gradFill rotWithShape="0">
+          <a:gsLst>
+            <a:gs pos="0">
+              <a:schemeClr val="accent2">
+                <a:hueOff val="-2964286"/>
+                <a:satOff val="14200"/>
+                <a:lumOff val="13137"/>
+                <a:alphaOff val="0"/>
+                <a:tint val="96000"/>
+                <a:lumMod val="100000"/>
+              </a:schemeClr>
+            </a:gs>
+            <a:gs pos="78000">
+              <a:schemeClr val="accent2">
+                <a:hueOff val="-2964286"/>
+                <a:satOff val="14200"/>
+                <a:lumOff val="13137"/>
+                <a:alphaOff val="0"/>
+                <a:shade val="94000"/>
+                <a:lumMod val="94000"/>
+              </a:schemeClr>
+            </a:gs>
+          </a:gsLst>
+          <a:lin ang="5400000" scaled="0"/>
+        </a:gradFill>
+        <a:ln>
+          <a:noFill/>
+        </a:ln>
+        <a:effectLst>
+          <a:outerShdw blurRad="38100" dist="25400" dir="5400000" rotWithShape="0">
+            <a:srgbClr val="000000">
+              <a:alpha val="35000"/>
+            </a:srgbClr>
+          </a:outerShdw>
+        </a:effectLst>
+      </dsp:spPr>
+      <dsp:style>
+        <a:lnRef idx="0">
+          <a:scrgbClr r="0" g="0" b="0"/>
+        </a:lnRef>
+        <a:fillRef idx="3">
+          <a:scrgbClr r="0" g="0" b="0"/>
+        </a:fillRef>
+        <a:effectRef idx="2">
+          <a:scrgbClr r="0" g="0" b="0"/>
+        </a:effectRef>
+        <a:fontRef idx="minor">
+          <a:schemeClr val="lt1"/>
+        </a:fontRef>
+      </dsp:style>
+      <dsp:txBody>
+        <a:bodyPr spcFirstLastPara="0" vert="horz" wrap="square" lIns="91440" tIns="91440" rIns="91440" bIns="91440" numCol="1" spcCol="1270" anchor="ctr" anchorCtr="0">
+          <a:noAutofit/>
+        </a:bodyPr>
+        <a:lstStyle/>
+        <a:p>
+          <a:pPr lvl="0" algn="l" defTabSz="1066800">
+            <a:lnSpc>
+              <a:spcPct val="90000"/>
+            </a:lnSpc>
+            <a:spcBef>
+              <a:spcPct val="0"/>
+            </a:spcBef>
+            <a:spcAft>
+              <a:spcPct val="35000"/>
+            </a:spcAft>
+          </a:pPr>
+          <a:r>
+            <a:rPr lang="en-US" sz="2400" kern="1200" dirty="0"/>
+            <a:t>For example- </a:t>
+          </a:r>
+          <a:r>
+            <a:rPr lang="en-US" sz="2400" kern="1200" dirty="0" smtClean="0"/>
+            <a:t>If doctor/patient </a:t>
+          </a:r>
+          <a:r>
+            <a:rPr lang="en-US" sz="2400" kern="1200" dirty="0" smtClean="0"/>
+            <a:t>wants </a:t>
+          </a:r>
+          <a:r>
+            <a:rPr lang="en-US" sz="2400" kern="1200" dirty="0" smtClean="0"/>
+            <a:t>to access their prescription then doctor/patient can access using their login </a:t>
+          </a:r>
+          <a:r>
+            <a:rPr lang="en-US" sz="2400" kern="1200" dirty="0"/>
+            <a:t>credentials.</a:t>
+          </a:r>
+        </a:p>
+      </dsp:txBody>
+      <dsp:txXfrm>
+        <a:off x="61684" y="3252394"/>
+        <a:ext cx="6505436" cy="1140231"/>
+      </dsp:txXfrm>
+    </dsp:sp>
+  </dsp:spTree>
+</dsp:drawing>
+</file>
+
+<file path=ppt/diagrams/drawing5.xml><?xml version="1.0" encoding="utf-8"?>
+<dsp:drawing xmlns:dgm="http://schemas.openxmlformats.org/drawingml/2006/diagram" xmlns:dsp="http://schemas.microsoft.com/office/drawing/2008/diagram" xmlns:a="http://schemas.openxmlformats.org/drawingml/2006/main">
+  <dsp:spTree>
+    <dsp:nvGrpSpPr>
+      <dsp:cNvPr id="0" name=""/>
+      <dsp:cNvGrpSpPr/>
+    </dsp:nvGrpSpPr>
+    <dsp:grpSpPr/>
   </dsp:spTree>
 </dsp:drawing>
 </file>
@@ -5781,7 +7152,7 @@
   </dgm:layoutNode>
   <dgm:extLst>
     <a:ext uri="{68A01E43-0DF5-4B5B-8FA6-DAF915123BFB}">
-      <dgm1612:lstStyle xmlns="" xmlns:dgm1612="http://schemas.microsoft.com/office/drawing/2016/12/diagram">
+      <dgm1612:lstStyle xmlns:dgm1612="http://schemas.microsoft.com/office/drawing/2016/12/diagram" xmlns="">
         <a:lvl1pPr>
           <a:lnSpc>
             <a:spcPct val="100000"/>
@@ -6133,6 +7504,173 @@
 </file>
 
 <file path=ppt/diagrams/layout4.xml><?xml version="1.0" encoding="utf-8"?>
+<dgm:layoutDef xmlns:dgm="http://schemas.openxmlformats.org/drawingml/2006/diagram" xmlns:a="http://schemas.openxmlformats.org/drawingml/2006/main" uniqueId="urn:microsoft.com/office/officeart/2005/8/layout/vList2">
+  <dgm:title val=""/>
+  <dgm:desc val=""/>
+  <dgm:catLst>
+    <dgm:cat type="list" pri="3000"/>
+    <dgm:cat type="convert" pri="1000"/>
+  </dgm:catLst>
+  <dgm:sampData>
+    <dgm:dataModel>
+      <dgm:ptLst>
+        <dgm:pt modelId="0" type="doc"/>
+        <dgm:pt modelId="1">
+          <dgm:prSet phldr="1"/>
+        </dgm:pt>
+        <dgm:pt modelId="11">
+          <dgm:prSet phldr="1"/>
+        </dgm:pt>
+        <dgm:pt modelId="2">
+          <dgm:prSet phldr="1"/>
+        </dgm:pt>
+        <dgm:pt modelId="21">
+          <dgm:prSet phldr="1"/>
+        </dgm:pt>
+      </dgm:ptLst>
+      <dgm:cxnLst>
+        <dgm:cxn modelId="4" srcId="0" destId="1" srcOrd="0" destOrd="0"/>
+        <dgm:cxn modelId="5" srcId="0" destId="2" srcOrd="1" destOrd="0"/>
+        <dgm:cxn modelId="12" srcId="1" destId="11" srcOrd="0" destOrd="0"/>
+        <dgm:cxn modelId="23" srcId="2" destId="21" srcOrd="0" destOrd="0"/>
+      </dgm:cxnLst>
+      <dgm:bg/>
+      <dgm:whole/>
+    </dgm:dataModel>
+  </dgm:sampData>
+  <dgm:styleData>
+    <dgm:dataModel>
+      <dgm:ptLst>
+        <dgm:pt modelId="0" type="doc"/>
+        <dgm:pt modelId="1"/>
+        <dgm:pt modelId="2"/>
+      </dgm:ptLst>
+      <dgm:cxnLst>
+        <dgm:cxn modelId="3" srcId="0" destId="1" srcOrd="0" destOrd="0"/>
+        <dgm:cxn modelId="4" srcId="0" destId="2" srcOrd="1" destOrd="0"/>
+      </dgm:cxnLst>
+      <dgm:bg/>
+      <dgm:whole/>
+    </dgm:dataModel>
+  </dgm:styleData>
+  <dgm:clrData>
+    <dgm:dataModel>
+      <dgm:ptLst>
+        <dgm:pt modelId="0" type="doc"/>
+        <dgm:pt modelId="1"/>
+        <dgm:pt modelId="2"/>
+        <dgm:pt modelId="3"/>
+        <dgm:pt modelId="4"/>
+      </dgm:ptLst>
+      <dgm:cxnLst>
+        <dgm:cxn modelId="5" srcId="0" destId="1" srcOrd="0" destOrd="0"/>
+        <dgm:cxn modelId="6" srcId="0" destId="2" srcOrd="1" destOrd="0"/>
+        <dgm:cxn modelId="7" srcId="0" destId="3" srcOrd="2" destOrd="0"/>
+        <dgm:cxn modelId="8" srcId="0" destId="4" srcOrd="3" destOrd="0"/>
+      </dgm:cxnLst>
+      <dgm:bg/>
+      <dgm:whole/>
+    </dgm:dataModel>
+  </dgm:clrData>
+  <dgm:layoutNode name="linear">
+    <dgm:varLst>
+      <dgm:animLvl val="lvl"/>
+      <dgm:resizeHandles val="exact"/>
+    </dgm:varLst>
+    <dgm:alg type="lin">
+      <dgm:param type="linDir" val="fromT"/>
+      <dgm:param type="vertAlign" val="mid"/>
+    </dgm:alg>
+    <dgm:shape xmlns:r="http://schemas.openxmlformats.org/officeDocument/2006/relationships" r:blip="">
+      <dgm:adjLst/>
+    </dgm:shape>
+    <dgm:presOf/>
+    <dgm:constrLst>
+      <dgm:constr type="w" for="ch" forName="parentText" refType="w"/>
+      <dgm:constr type="h" for="ch" forName="parentText" refType="primFontSz" refFor="ch" refForName="parentText" fact="0.52"/>
+      <dgm:constr type="w" for="ch" forName="childText" refType="w"/>
+      <dgm:constr type="h" for="ch" forName="childText" refType="primFontSz" refFor="ch" refForName="parentText" fact="0.46"/>
+      <dgm:constr type="h" for="ch" forName="parentText" op="equ"/>
+      <dgm:constr type="primFontSz" for="ch" forName="parentText" op="equ" val="65"/>
+      <dgm:constr type="primFontSz" for="ch" forName="childText" refType="primFontSz" refFor="ch" refForName="parentText" op="equ"/>
+      <dgm:constr type="h" for="ch" forName="spacer" refType="primFontSz" refFor="ch" refForName="parentText" fact="0.08"/>
+    </dgm:constrLst>
+    <dgm:ruleLst>
+      <dgm:rule type="primFontSz" for="ch" forName="parentText" val="5" fact="NaN" max="NaN"/>
+    </dgm:ruleLst>
+    <dgm:forEach name="Name0" axis="ch" ptType="node">
+      <dgm:layoutNode name="parentText" styleLbl="node1">
+        <dgm:varLst>
+          <dgm:chMax val="0"/>
+          <dgm:bulletEnabled val="1"/>
+        </dgm:varLst>
+        <dgm:alg type="tx">
+          <dgm:param type="parTxLTRAlign" val="l"/>
+          <dgm:param type="parTxRTLAlign" val="r"/>
+        </dgm:alg>
+        <dgm:shape xmlns:r="http://schemas.openxmlformats.org/officeDocument/2006/relationships" type="roundRect" r:blip="">
+          <dgm:adjLst/>
+        </dgm:shape>
+        <dgm:presOf axis="self"/>
+        <dgm:constrLst>
+          <dgm:constr type="tMarg" refType="primFontSz" fact="0.3"/>
+          <dgm:constr type="bMarg" refType="primFontSz" fact="0.3"/>
+          <dgm:constr type="lMarg" refType="primFontSz" fact="0.3"/>
+          <dgm:constr type="rMarg" refType="primFontSz" fact="0.3"/>
+        </dgm:constrLst>
+        <dgm:ruleLst>
+          <dgm:rule type="h" val="INF" fact="NaN" max="NaN"/>
+        </dgm:ruleLst>
+      </dgm:layoutNode>
+      <dgm:choose name="Name1">
+        <dgm:if name="Name2" axis="ch" ptType="node" func="cnt" op="gte" val="1">
+          <dgm:layoutNode name="childText" styleLbl="revTx">
+            <dgm:varLst>
+              <dgm:bulletEnabled val="1"/>
+            </dgm:varLst>
+            <dgm:alg type="tx">
+              <dgm:param type="stBulletLvl" val="1"/>
+              <dgm:param type="lnSpAfChP" val="20"/>
+            </dgm:alg>
+            <dgm:shape xmlns:r="http://schemas.openxmlformats.org/officeDocument/2006/relationships" type="rect" r:blip="">
+              <dgm:adjLst/>
+            </dgm:shape>
+            <dgm:presOf axis="des" ptType="node"/>
+            <dgm:constrLst>
+              <dgm:constr type="tMarg" refType="primFontSz" fact="0.1"/>
+              <dgm:constr type="bMarg" refType="primFontSz" fact="0.1"/>
+              <dgm:constr type="lMarg" refType="w" fact="0.09"/>
+            </dgm:constrLst>
+            <dgm:ruleLst>
+              <dgm:rule type="h" val="INF" fact="NaN" max="NaN"/>
+            </dgm:ruleLst>
+          </dgm:layoutNode>
+        </dgm:if>
+        <dgm:else name="Name3">
+          <dgm:choose name="Name4">
+            <dgm:if name="Name5" axis="par ch" ptType="doc node" func="cnt" op="gte" val="2">
+              <dgm:forEach name="Name6" axis="followSib" ptType="sibTrans" cnt="1">
+                <dgm:layoutNode name="spacer">
+                  <dgm:alg type="sp"/>
+                  <dgm:shape xmlns:r="http://schemas.openxmlformats.org/officeDocument/2006/relationships" r:blip="">
+                    <dgm:adjLst/>
+                  </dgm:shape>
+                  <dgm:presOf/>
+                  <dgm:constrLst/>
+                  <dgm:ruleLst/>
+                </dgm:layoutNode>
+              </dgm:forEach>
+            </dgm:if>
+            <dgm:else name="Name7"/>
+          </dgm:choose>
+        </dgm:else>
+      </dgm:choose>
+    </dgm:forEach>
+  </dgm:layoutNode>
+</dgm:layoutDef>
+</file>
+
+<file path=ppt/diagrams/layout5.xml><?xml version="1.0" encoding="utf-8"?>
 <dgm:layoutDef xmlns:dgm="http://schemas.openxmlformats.org/drawingml/2006/diagram" xmlns:a="http://schemas.openxmlformats.org/drawingml/2006/main" uniqueId="urn:microsoft.com/office/officeart/2018/2/layout/IconVerticalSolidList">
   <dgm:title val="Icon Vertical Solid List"/>
   <dgm:desc val="Use to show a series of visuals from top to bottom with Level 1 or Level 1 and Level 2 text grouped in a shape. Works best with icons or small pictures with lengthier descriptions."/>
@@ -6409,7 +7947,7 @@
   </dgm:layoutNode>
   <dgm:extLst>
     <a:ext uri="{68A01E43-0DF5-4B5B-8FA6-DAF915123BFB}">
-      <dgm1612:lstStyle xmlns="" xmlns:dgm1612="http://schemas.microsoft.com/office/drawing/2016/12/diagram">
+      <dgm1612:lstStyle xmlns:dgm1612="http://schemas.microsoft.com/office/drawing/2016/12/diagram" xmlns="">
         <a:lvl1pPr>
           <a:lnSpc>
             <a:spcPct val="100000"/>
@@ -9529,6 +11067,1040 @@
 </file>
 
 <file path=ppt/diagrams/quickStyle4.xml><?xml version="1.0" encoding="utf-8"?>
+<dgm:styleDef xmlns:dgm="http://schemas.openxmlformats.org/drawingml/2006/diagram" xmlns:a="http://schemas.openxmlformats.org/drawingml/2006/main" uniqueId="urn:microsoft.com/office/officeart/2005/8/quickstyle/simple4">
+  <dgm:title val=""/>
+  <dgm:desc val=""/>
+  <dgm:catLst>
+    <dgm:cat type="simple" pri="10400"/>
+  </dgm:catLst>
+  <dgm:scene3d>
+    <a:camera prst="orthographicFront"/>
+    <a:lightRig rig="threePt" dir="t"/>
+  </dgm:scene3d>
+  <dgm:styleLbl name="node0">
+    <dgm:scene3d>
+      <a:camera prst="orthographicFront"/>
+      <a:lightRig rig="threePt" dir="t"/>
+    </dgm:scene3d>
+    <dgm:sp3d/>
+    <dgm:txPr/>
+    <dgm:style>
+      <a:lnRef idx="0">
+        <a:scrgbClr r="0" g="0" b="0"/>
+      </a:lnRef>
+      <a:fillRef idx="3">
+        <a:scrgbClr r="0" g="0" b="0"/>
+      </a:fillRef>
+      <a:effectRef idx="2">
+        <a:scrgbClr r="0" g="0" b="0"/>
+      </a:effectRef>
+      <a:fontRef idx="minor">
+        <a:schemeClr val="lt1"/>
+      </a:fontRef>
+    </dgm:style>
+  </dgm:styleLbl>
+  <dgm:styleLbl name="lnNode1">
+    <dgm:scene3d>
+      <a:camera prst="orthographicFront"/>
+      <a:lightRig rig="threePt" dir="t"/>
+    </dgm:scene3d>
+    <dgm:sp3d/>
+    <dgm:txPr/>
+    <dgm:style>
+      <a:lnRef idx="1">
+        <a:scrgbClr r="0" g="0" b="0"/>
+      </a:lnRef>
+      <a:fillRef idx="3">
+        <a:scrgbClr r="0" g="0" b="0"/>
+      </a:fillRef>
+      <a:effectRef idx="2">
+        <a:scrgbClr r="0" g="0" b="0"/>
+      </a:effectRef>
+      <a:fontRef idx="minor">
+        <a:schemeClr val="lt1"/>
+      </a:fontRef>
+    </dgm:style>
+  </dgm:styleLbl>
+  <dgm:styleLbl name="vennNode1">
+    <dgm:scene3d>
+      <a:camera prst="orthographicFront"/>
+      <a:lightRig rig="threePt" dir="t"/>
+    </dgm:scene3d>
+    <dgm:sp3d/>
+    <dgm:txPr/>
+    <dgm:style>
+      <a:lnRef idx="0">
+        <a:scrgbClr r="0" g="0" b="0"/>
+      </a:lnRef>
+      <a:fillRef idx="3">
+        <a:scrgbClr r="0" g="0" b="0"/>
+      </a:fillRef>
+      <a:effectRef idx="0">
+        <a:scrgbClr r="0" g="0" b="0"/>
+      </a:effectRef>
+      <a:fontRef idx="minor">
+        <a:schemeClr val="tx1"/>
+      </a:fontRef>
+    </dgm:style>
+  </dgm:styleLbl>
+  <dgm:styleLbl name="alignNode1">
+    <dgm:scene3d>
+      <a:camera prst="orthographicFront"/>
+      <a:lightRig rig="threePt" dir="t"/>
+    </dgm:scene3d>
+    <dgm:sp3d/>
+    <dgm:txPr/>
+    <dgm:style>
+      <a:lnRef idx="1">
+        <a:scrgbClr r="0" g="0" b="0"/>
+      </a:lnRef>
+      <a:fillRef idx="3">
+        <a:scrgbClr r="0" g="0" b="0"/>
+      </a:fillRef>
+      <a:effectRef idx="2">
+        <a:scrgbClr r="0" g="0" b="0"/>
+      </a:effectRef>
+      <a:fontRef idx="minor">
+        <a:schemeClr val="lt1"/>
+      </a:fontRef>
+    </dgm:style>
+  </dgm:styleLbl>
+  <dgm:styleLbl name="node1">
+    <dgm:scene3d>
+      <a:camera prst="orthographicFront"/>
+      <a:lightRig rig="threePt" dir="t"/>
+    </dgm:scene3d>
+    <dgm:sp3d/>
+    <dgm:txPr/>
+    <dgm:style>
+      <a:lnRef idx="0">
+        <a:scrgbClr r="0" g="0" b="0"/>
+      </a:lnRef>
+      <a:fillRef idx="3">
+        <a:scrgbClr r="0" g="0" b="0"/>
+      </a:fillRef>
+      <a:effectRef idx="2">
+        <a:scrgbClr r="0" g="0" b="0"/>
+      </a:effectRef>
+      <a:fontRef idx="minor">
+        <a:schemeClr val="lt1"/>
+      </a:fontRef>
+    </dgm:style>
+  </dgm:styleLbl>
+  <dgm:styleLbl name="node2">
+    <dgm:scene3d>
+      <a:camera prst="orthographicFront"/>
+      <a:lightRig rig="threePt" dir="t"/>
+    </dgm:scene3d>
+    <dgm:sp3d/>
+    <dgm:txPr/>
+    <dgm:style>
+      <a:lnRef idx="0">
+        <a:scrgbClr r="0" g="0" b="0"/>
+      </a:lnRef>
+      <a:fillRef idx="3">
+        <a:scrgbClr r="0" g="0" b="0"/>
+      </a:fillRef>
+      <a:effectRef idx="2">
+        <a:scrgbClr r="0" g="0" b="0"/>
+      </a:effectRef>
+      <a:fontRef idx="minor">
+        <a:schemeClr val="lt1"/>
+      </a:fontRef>
+    </dgm:style>
+  </dgm:styleLbl>
+  <dgm:styleLbl name="node3">
+    <dgm:scene3d>
+      <a:camera prst="orthographicFront"/>
+      <a:lightRig rig="threePt" dir="t"/>
+    </dgm:scene3d>
+    <dgm:sp3d/>
+    <dgm:txPr/>
+    <dgm:style>
+      <a:lnRef idx="0">
+        <a:scrgbClr r="0" g="0" b="0"/>
+      </a:lnRef>
+      <a:fillRef idx="3">
+        <a:scrgbClr r="0" g="0" b="0"/>
+      </a:fillRef>
+      <a:effectRef idx="2">
+        <a:scrgbClr r="0" g="0" b="0"/>
+      </a:effectRef>
+      <a:fontRef idx="minor">
+        <a:schemeClr val="lt1"/>
+      </a:fontRef>
+    </dgm:style>
+  </dgm:styleLbl>
+  <dgm:styleLbl name="node4">
+    <dgm:scene3d>
+      <a:camera prst="orthographicFront"/>
+      <a:lightRig rig="threePt" dir="t"/>
+    </dgm:scene3d>
+    <dgm:sp3d/>
+    <dgm:txPr/>
+    <dgm:style>
+      <a:lnRef idx="0">
+        <a:scrgbClr r="0" g="0" b="0"/>
+      </a:lnRef>
+      <a:fillRef idx="3">
+        <a:scrgbClr r="0" g="0" b="0"/>
+      </a:fillRef>
+      <a:effectRef idx="2">
+        <a:scrgbClr r="0" g="0" b="0"/>
+      </a:effectRef>
+      <a:fontRef idx="minor">
+        <a:schemeClr val="lt1"/>
+      </a:fontRef>
+    </dgm:style>
+  </dgm:styleLbl>
+  <dgm:styleLbl name="fgImgPlace1">
+    <dgm:scene3d>
+      <a:camera prst="orthographicFront"/>
+      <a:lightRig rig="threePt" dir="t"/>
+    </dgm:scene3d>
+    <dgm:sp3d/>
+    <dgm:txPr/>
+    <dgm:style>
+      <a:lnRef idx="0">
+        <a:scrgbClr r="0" g="0" b="0"/>
+      </a:lnRef>
+      <a:fillRef idx="1">
+        <a:scrgbClr r="0" g="0" b="0"/>
+      </a:fillRef>
+      <a:effectRef idx="2">
+        <a:scrgbClr r="0" g="0" b="0"/>
+      </a:effectRef>
+      <a:fontRef idx="minor"/>
+    </dgm:style>
+  </dgm:styleLbl>
+  <dgm:styleLbl name="alignImgPlace1">
+    <dgm:scene3d>
+      <a:camera prst="orthographicFront"/>
+      <a:lightRig rig="threePt" dir="t"/>
+    </dgm:scene3d>
+    <dgm:sp3d/>
+    <dgm:txPr/>
+    <dgm:style>
+      <a:lnRef idx="0">
+        <a:scrgbClr r="0" g="0" b="0"/>
+      </a:lnRef>
+      <a:fillRef idx="1">
+        <a:scrgbClr r="0" g="0" b="0"/>
+      </a:fillRef>
+      <a:effectRef idx="2">
+        <a:scrgbClr r="0" g="0" b="0"/>
+      </a:effectRef>
+      <a:fontRef idx="minor"/>
+    </dgm:style>
+  </dgm:styleLbl>
+  <dgm:styleLbl name="bgImgPlace1">
+    <dgm:scene3d>
+      <a:camera prst="orthographicFront"/>
+      <a:lightRig rig="threePt" dir="t"/>
+    </dgm:scene3d>
+    <dgm:sp3d/>
+    <dgm:txPr/>
+    <dgm:style>
+      <a:lnRef idx="0">
+        <a:scrgbClr r="0" g="0" b="0"/>
+      </a:lnRef>
+      <a:fillRef idx="1">
+        <a:scrgbClr r="0" g="0" b="0"/>
+      </a:fillRef>
+      <a:effectRef idx="2">
+        <a:scrgbClr r="0" g="0" b="0"/>
+      </a:effectRef>
+      <a:fontRef idx="minor"/>
+    </dgm:style>
+  </dgm:styleLbl>
+  <dgm:styleLbl name="sibTrans2D1">
+    <dgm:scene3d>
+      <a:camera prst="orthographicFront"/>
+      <a:lightRig rig="threePt" dir="t"/>
+    </dgm:scene3d>
+    <dgm:sp3d/>
+    <dgm:txPr/>
+    <dgm:style>
+      <a:lnRef idx="0">
+        <a:scrgbClr r="0" g="0" b="0"/>
+      </a:lnRef>
+      <a:fillRef idx="3">
+        <a:scrgbClr r="0" g="0" b="0"/>
+      </a:fillRef>
+      <a:effectRef idx="2">
+        <a:scrgbClr r="0" g="0" b="0"/>
+      </a:effectRef>
+      <a:fontRef idx="minor">
+        <a:schemeClr val="lt1"/>
+      </a:fontRef>
+    </dgm:style>
+  </dgm:styleLbl>
+  <dgm:styleLbl name="fgSibTrans2D1">
+    <dgm:scene3d>
+      <a:camera prst="orthographicFront"/>
+      <a:lightRig rig="threePt" dir="t"/>
+    </dgm:scene3d>
+    <dgm:sp3d/>
+    <dgm:txPr/>
+    <dgm:style>
+      <a:lnRef idx="0">
+        <a:scrgbClr r="0" g="0" b="0"/>
+      </a:lnRef>
+      <a:fillRef idx="3">
+        <a:scrgbClr r="0" g="0" b="0"/>
+      </a:fillRef>
+      <a:effectRef idx="2">
+        <a:scrgbClr r="0" g="0" b="0"/>
+      </a:effectRef>
+      <a:fontRef idx="minor">
+        <a:schemeClr val="lt1"/>
+      </a:fontRef>
+    </dgm:style>
+  </dgm:styleLbl>
+  <dgm:styleLbl name="bgSibTrans2D1">
+    <dgm:scene3d>
+      <a:camera prst="orthographicFront"/>
+      <a:lightRig rig="threePt" dir="t"/>
+    </dgm:scene3d>
+    <dgm:sp3d/>
+    <dgm:txPr/>
+    <dgm:style>
+      <a:lnRef idx="0">
+        <a:scrgbClr r="0" g="0" b="0"/>
+      </a:lnRef>
+      <a:fillRef idx="3">
+        <a:scrgbClr r="0" g="0" b="0"/>
+      </a:fillRef>
+      <a:effectRef idx="2">
+        <a:scrgbClr r="0" g="0" b="0"/>
+      </a:effectRef>
+      <a:fontRef idx="minor">
+        <a:schemeClr val="lt1"/>
+      </a:fontRef>
+    </dgm:style>
+  </dgm:styleLbl>
+  <dgm:styleLbl name="sibTrans1D1">
+    <dgm:scene3d>
+      <a:camera prst="orthographicFront"/>
+      <a:lightRig rig="threePt" dir="t"/>
+    </dgm:scene3d>
+    <dgm:sp3d/>
+    <dgm:txPr/>
+    <dgm:style>
+      <a:lnRef idx="1">
+        <a:scrgbClr r="0" g="0" b="0"/>
+      </a:lnRef>
+      <a:fillRef idx="0">
+        <a:scrgbClr r="0" g="0" b="0"/>
+      </a:fillRef>
+      <a:effectRef idx="0">
+        <a:scrgbClr r="0" g="0" b="0"/>
+      </a:effectRef>
+      <a:fontRef idx="minor"/>
+    </dgm:style>
+  </dgm:styleLbl>
+  <dgm:styleLbl name="callout">
+    <dgm:scene3d>
+      <a:camera prst="orthographicFront"/>
+      <a:lightRig rig="threePt" dir="t"/>
+    </dgm:scene3d>
+    <dgm:sp3d/>
+    <dgm:txPr/>
+    <dgm:style>
+      <a:lnRef idx="2">
+        <a:scrgbClr r="0" g="0" b="0"/>
+      </a:lnRef>
+      <a:fillRef idx="1">
+        <a:scrgbClr r="0" g="0" b="0"/>
+      </a:fillRef>
+      <a:effectRef idx="1">
+        <a:scrgbClr r="0" g="0" b="0"/>
+      </a:effectRef>
+      <a:fontRef idx="minor"/>
+    </dgm:style>
+  </dgm:styleLbl>
+  <dgm:styleLbl name="asst0">
+    <dgm:scene3d>
+      <a:camera prst="orthographicFront"/>
+      <a:lightRig rig="threePt" dir="t"/>
+    </dgm:scene3d>
+    <dgm:sp3d/>
+    <dgm:txPr/>
+    <dgm:style>
+      <a:lnRef idx="0">
+        <a:scrgbClr r="0" g="0" b="0"/>
+      </a:lnRef>
+      <a:fillRef idx="3">
+        <a:scrgbClr r="0" g="0" b="0"/>
+      </a:fillRef>
+      <a:effectRef idx="2">
+        <a:scrgbClr r="0" g="0" b="0"/>
+      </a:effectRef>
+      <a:fontRef idx="minor">
+        <a:schemeClr val="lt1"/>
+      </a:fontRef>
+    </dgm:style>
+  </dgm:styleLbl>
+  <dgm:styleLbl name="asst1">
+    <dgm:scene3d>
+      <a:camera prst="orthographicFront"/>
+      <a:lightRig rig="threePt" dir="t"/>
+    </dgm:scene3d>
+    <dgm:sp3d/>
+    <dgm:txPr/>
+    <dgm:style>
+      <a:lnRef idx="0">
+        <a:scrgbClr r="0" g="0" b="0"/>
+      </a:lnRef>
+      <a:fillRef idx="3">
+        <a:scrgbClr r="0" g="0" b="0"/>
+      </a:fillRef>
+      <a:effectRef idx="2">
+        <a:scrgbClr r="0" g="0" b="0"/>
+      </a:effectRef>
+      <a:fontRef idx="minor">
+        <a:schemeClr val="lt1"/>
+      </a:fontRef>
+    </dgm:style>
+  </dgm:styleLbl>
+  <dgm:styleLbl name="asst2">
+    <dgm:scene3d>
+      <a:camera prst="orthographicFront"/>
+      <a:lightRig rig="threePt" dir="t"/>
+    </dgm:scene3d>
+    <dgm:sp3d/>
+    <dgm:txPr/>
+    <dgm:style>
+      <a:lnRef idx="0">
+        <a:scrgbClr r="0" g="0" b="0"/>
+      </a:lnRef>
+      <a:fillRef idx="3">
+        <a:scrgbClr r="0" g="0" b="0"/>
+      </a:fillRef>
+      <a:effectRef idx="2">
+        <a:scrgbClr r="0" g="0" b="0"/>
+      </a:effectRef>
+      <a:fontRef idx="minor">
+        <a:schemeClr val="lt1"/>
+      </a:fontRef>
+    </dgm:style>
+  </dgm:styleLbl>
+  <dgm:styleLbl name="asst3">
+    <dgm:scene3d>
+      <a:camera prst="orthographicFront"/>
+      <a:lightRig rig="threePt" dir="t"/>
+    </dgm:scene3d>
+    <dgm:sp3d/>
+    <dgm:txPr/>
+    <dgm:style>
+      <a:lnRef idx="0">
+        <a:scrgbClr r="0" g="0" b="0"/>
+      </a:lnRef>
+      <a:fillRef idx="3">
+        <a:scrgbClr r="0" g="0" b="0"/>
+      </a:fillRef>
+      <a:effectRef idx="2">
+        <a:scrgbClr r="0" g="0" b="0"/>
+      </a:effectRef>
+      <a:fontRef idx="minor">
+        <a:schemeClr val="lt1"/>
+      </a:fontRef>
+    </dgm:style>
+  </dgm:styleLbl>
+  <dgm:styleLbl name="asst4">
+    <dgm:scene3d>
+      <a:camera prst="orthographicFront"/>
+      <a:lightRig rig="threePt" dir="t"/>
+    </dgm:scene3d>
+    <dgm:sp3d/>
+    <dgm:txPr/>
+    <dgm:style>
+      <a:lnRef idx="0">
+        <a:scrgbClr r="0" g="0" b="0"/>
+      </a:lnRef>
+      <a:fillRef idx="3">
+        <a:scrgbClr r="0" g="0" b="0"/>
+      </a:fillRef>
+      <a:effectRef idx="2">
+        <a:scrgbClr r="0" g="0" b="0"/>
+      </a:effectRef>
+      <a:fontRef idx="minor">
+        <a:schemeClr val="lt1"/>
+      </a:fontRef>
+    </dgm:style>
+  </dgm:styleLbl>
+  <dgm:styleLbl name="parChTrans2D1">
+    <dgm:scene3d>
+      <a:camera prst="orthographicFront"/>
+      <a:lightRig rig="threePt" dir="t"/>
+    </dgm:scene3d>
+    <dgm:sp3d/>
+    <dgm:txPr/>
+    <dgm:style>
+      <a:lnRef idx="0">
+        <a:scrgbClr r="0" g="0" b="0"/>
+      </a:lnRef>
+      <a:fillRef idx="3">
+        <a:scrgbClr r="0" g="0" b="0"/>
+      </a:fillRef>
+      <a:effectRef idx="2">
+        <a:scrgbClr r="0" g="0" b="0"/>
+      </a:effectRef>
+      <a:fontRef idx="minor">
+        <a:schemeClr val="lt1"/>
+      </a:fontRef>
+    </dgm:style>
+  </dgm:styleLbl>
+  <dgm:styleLbl name="parChTrans2D2">
+    <dgm:scene3d>
+      <a:camera prst="orthographicFront"/>
+      <a:lightRig rig="threePt" dir="t"/>
+    </dgm:scene3d>
+    <dgm:sp3d/>
+    <dgm:txPr/>
+    <dgm:style>
+      <a:lnRef idx="0">
+        <a:scrgbClr r="0" g="0" b="0"/>
+      </a:lnRef>
+      <a:fillRef idx="3">
+        <a:scrgbClr r="0" g="0" b="0"/>
+      </a:fillRef>
+      <a:effectRef idx="2">
+        <a:scrgbClr r="0" g="0" b="0"/>
+      </a:effectRef>
+      <a:fontRef idx="minor">
+        <a:schemeClr val="lt1"/>
+      </a:fontRef>
+    </dgm:style>
+  </dgm:styleLbl>
+  <dgm:styleLbl name="parChTrans2D3">
+    <dgm:scene3d>
+      <a:camera prst="orthographicFront"/>
+      <a:lightRig rig="threePt" dir="t"/>
+    </dgm:scene3d>
+    <dgm:sp3d/>
+    <dgm:txPr/>
+    <dgm:style>
+      <a:lnRef idx="1">
+        <a:scrgbClr r="0" g="0" b="0"/>
+      </a:lnRef>
+      <a:fillRef idx="3">
+        <a:scrgbClr r="0" g="0" b="0"/>
+      </a:fillRef>
+      <a:effectRef idx="2">
+        <a:scrgbClr r="0" g="0" b="0"/>
+      </a:effectRef>
+      <a:fontRef idx="minor">
+        <a:schemeClr val="lt1"/>
+      </a:fontRef>
+    </dgm:style>
+  </dgm:styleLbl>
+  <dgm:styleLbl name="parChTrans2D4">
+    <dgm:scene3d>
+      <a:camera prst="orthographicFront"/>
+      <a:lightRig rig="threePt" dir="t"/>
+    </dgm:scene3d>
+    <dgm:sp3d/>
+    <dgm:txPr/>
+    <dgm:style>
+      <a:lnRef idx="1">
+        <a:scrgbClr r="0" g="0" b="0"/>
+      </a:lnRef>
+      <a:fillRef idx="3">
+        <a:scrgbClr r="0" g="0" b="0"/>
+      </a:fillRef>
+      <a:effectRef idx="2">
+        <a:scrgbClr r="0" g="0" b="0"/>
+      </a:effectRef>
+      <a:fontRef idx="minor">
+        <a:schemeClr val="lt1"/>
+      </a:fontRef>
+    </dgm:style>
+  </dgm:styleLbl>
+  <dgm:styleLbl name="parChTrans1D1">
+    <dgm:scene3d>
+      <a:camera prst="orthographicFront"/>
+      <a:lightRig rig="threePt" dir="t"/>
+    </dgm:scene3d>
+    <dgm:sp3d/>
+    <dgm:txPr/>
+    <dgm:style>
+      <a:lnRef idx="1">
+        <a:scrgbClr r="0" g="0" b="0"/>
+      </a:lnRef>
+      <a:fillRef idx="0">
+        <a:scrgbClr r="0" g="0" b="0"/>
+      </a:fillRef>
+      <a:effectRef idx="0">
+        <a:scrgbClr r="0" g="0" b="0"/>
+      </a:effectRef>
+      <a:fontRef idx="minor"/>
+    </dgm:style>
+  </dgm:styleLbl>
+  <dgm:styleLbl name="parChTrans1D2">
+    <dgm:scene3d>
+      <a:camera prst="orthographicFront"/>
+      <a:lightRig rig="threePt" dir="t"/>
+    </dgm:scene3d>
+    <dgm:sp3d/>
+    <dgm:txPr/>
+    <dgm:style>
+      <a:lnRef idx="1">
+        <a:scrgbClr r="0" g="0" b="0"/>
+      </a:lnRef>
+      <a:fillRef idx="0">
+        <a:scrgbClr r="0" g="0" b="0"/>
+      </a:fillRef>
+      <a:effectRef idx="0">
+        <a:scrgbClr r="0" g="0" b="0"/>
+      </a:effectRef>
+      <a:fontRef idx="minor"/>
+    </dgm:style>
+  </dgm:styleLbl>
+  <dgm:styleLbl name="parChTrans1D3">
+    <dgm:scene3d>
+      <a:camera prst="orthographicFront"/>
+      <a:lightRig rig="threePt" dir="t"/>
+    </dgm:scene3d>
+    <dgm:sp3d/>
+    <dgm:txPr/>
+    <dgm:style>
+      <a:lnRef idx="1">
+        <a:scrgbClr r="0" g="0" b="0"/>
+      </a:lnRef>
+      <a:fillRef idx="0">
+        <a:scrgbClr r="0" g="0" b="0"/>
+      </a:fillRef>
+      <a:effectRef idx="0">
+        <a:scrgbClr r="0" g="0" b="0"/>
+      </a:effectRef>
+      <a:fontRef idx="minor"/>
+    </dgm:style>
+  </dgm:styleLbl>
+  <dgm:styleLbl name="parChTrans1D4">
+    <dgm:scene3d>
+      <a:camera prst="orthographicFront"/>
+      <a:lightRig rig="threePt" dir="t"/>
+    </dgm:scene3d>
+    <dgm:sp3d/>
+    <dgm:txPr/>
+    <dgm:style>
+      <a:lnRef idx="1">
+        <a:scrgbClr r="0" g="0" b="0"/>
+      </a:lnRef>
+      <a:fillRef idx="0">
+        <a:scrgbClr r="0" g="0" b="0"/>
+      </a:fillRef>
+      <a:effectRef idx="0">
+        <a:scrgbClr r="0" g="0" b="0"/>
+      </a:effectRef>
+      <a:fontRef idx="minor"/>
+    </dgm:style>
+  </dgm:styleLbl>
+  <dgm:styleLbl name="fgAcc1">
+    <dgm:scene3d>
+      <a:camera prst="orthographicFront"/>
+      <a:lightRig rig="threePt" dir="t"/>
+    </dgm:scene3d>
+    <dgm:sp3d/>
+    <dgm:txPr/>
+    <dgm:style>
+      <a:lnRef idx="1">
+        <a:scrgbClr r="0" g="0" b="0"/>
+      </a:lnRef>
+      <a:fillRef idx="1">
+        <a:scrgbClr r="0" g="0" b="0"/>
+      </a:fillRef>
+      <a:effectRef idx="0">
+        <a:scrgbClr r="0" g="0" b="0"/>
+      </a:effectRef>
+      <a:fontRef idx="minor"/>
+    </dgm:style>
+  </dgm:styleLbl>
+  <dgm:styleLbl name="conFgAcc1">
+    <dgm:scene3d>
+      <a:camera prst="orthographicFront"/>
+      <a:lightRig rig="threePt" dir="t"/>
+    </dgm:scene3d>
+    <dgm:sp3d/>
+    <dgm:txPr/>
+    <dgm:style>
+      <a:lnRef idx="1">
+        <a:scrgbClr r="0" g="0" b="0"/>
+      </a:lnRef>
+      <a:fillRef idx="1">
+        <a:scrgbClr r="0" g="0" b="0"/>
+      </a:fillRef>
+      <a:effectRef idx="0">
+        <a:scrgbClr r="0" g="0" b="0"/>
+      </a:effectRef>
+      <a:fontRef idx="minor"/>
+    </dgm:style>
+  </dgm:styleLbl>
+  <dgm:styleLbl name="alignAcc1">
+    <dgm:scene3d>
+      <a:camera prst="orthographicFront"/>
+      <a:lightRig rig="threePt" dir="t"/>
+    </dgm:scene3d>
+    <dgm:sp3d/>
+    <dgm:txPr/>
+    <dgm:style>
+      <a:lnRef idx="1">
+        <a:scrgbClr r="0" g="0" b="0"/>
+      </a:lnRef>
+      <a:fillRef idx="1">
+        <a:scrgbClr r="0" g="0" b="0"/>
+      </a:fillRef>
+      <a:effectRef idx="0">
+        <a:scrgbClr r="0" g="0" b="0"/>
+      </a:effectRef>
+      <a:fontRef idx="minor"/>
+    </dgm:style>
+  </dgm:styleLbl>
+  <dgm:styleLbl name="trAlignAcc1">
+    <dgm:scene3d>
+      <a:camera prst="orthographicFront"/>
+      <a:lightRig rig="threePt" dir="t"/>
+    </dgm:scene3d>
+    <dgm:sp3d/>
+    <dgm:txPr/>
+    <dgm:style>
+      <a:lnRef idx="1">
+        <a:scrgbClr r="0" g="0" b="0"/>
+      </a:lnRef>
+      <a:fillRef idx="1">
+        <a:scrgbClr r="0" g="0" b="0"/>
+      </a:fillRef>
+      <a:effectRef idx="0">
+        <a:scrgbClr r="0" g="0" b="0"/>
+      </a:effectRef>
+      <a:fontRef idx="minor"/>
+    </dgm:style>
+  </dgm:styleLbl>
+  <dgm:styleLbl name="bgAcc1">
+    <dgm:scene3d>
+      <a:camera prst="orthographicFront"/>
+      <a:lightRig rig="threePt" dir="t"/>
+    </dgm:scene3d>
+    <dgm:sp3d/>
+    <dgm:txPr/>
+    <dgm:style>
+      <a:lnRef idx="1">
+        <a:scrgbClr r="0" g="0" b="0"/>
+      </a:lnRef>
+      <a:fillRef idx="1">
+        <a:scrgbClr r="0" g="0" b="0"/>
+      </a:fillRef>
+      <a:effectRef idx="0">
+        <a:scrgbClr r="0" g="0" b="0"/>
+      </a:effectRef>
+      <a:fontRef idx="minor"/>
+    </dgm:style>
+  </dgm:styleLbl>
+  <dgm:styleLbl name="solidFgAcc1">
+    <dgm:scene3d>
+      <a:camera prst="orthographicFront"/>
+      <a:lightRig rig="threePt" dir="t"/>
+    </dgm:scene3d>
+    <dgm:sp3d/>
+    <dgm:txPr/>
+    <dgm:style>
+      <a:lnRef idx="1">
+        <a:scrgbClr r="0" g="0" b="0"/>
+      </a:lnRef>
+      <a:fillRef idx="1">
+        <a:scrgbClr r="0" g="0" b="0"/>
+      </a:fillRef>
+      <a:effectRef idx="0">
+        <a:scrgbClr r="0" g="0" b="0"/>
+      </a:effectRef>
+      <a:fontRef idx="minor"/>
+    </dgm:style>
+  </dgm:styleLbl>
+  <dgm:styleLbl name="solidAlignAcc1">
+    <dgm:scene3d>
+      <a:camera prst="orthographicFront"/>
+      <a:lightRig rig="threePt" dir="t"/>
+    </dgm:scene3d>
+    <dgm:sp3d/>
+    <dgm:txPr/>
+    <dgm:style>
+      <a:lnRef idx="1">
+        <a:scrgbClr r="0" g="0" b="0"/>
+      </a:lnRef>
+      <a:fillRef idx="1">
+        <a:scrgbClr r="0" g="0" b="0"/>
+      </a:fillRef>
+      <a:effectRef idx="0">
+        <a:scrgbClr r="0" g="0" b="0"/>
+      </a:effectRef>
+      <a:fontRef idx="minor"/>
+    </dgm:style>
+  </dgm:styleLbl>
+  <dgm:styleLbl name="solidBgAcc1">
+    <dgm:scene3d>
+      <a:camera prst="orthographicFront"/>
+      <a:lightRig rig="threePt" dir="t"/>
+    </dgm:scene3d>
+    <dgm:sp3d/>
+    <dgm:txPr/>
+    <dgm:style>
+      <a:lnRef idx="1">
+        <a:scrgbClr r="0" g="0" b="0"/>
+      </a:lnRef>
+      <a:fillRef idx="1">
+        <a:scrgbClr r="0" g="0" b="0"/>
+      </a:fillRef>
+      <a:effectRef idx="0">
+        <a:scrgbClr r="0" g="0" b="0"/>
+      </a:effectRef>
+      <a:fontRef idx="minor"/>
+    </dgm:style>
+  </dgm:styleLbl>
+  <dgm:styleLbl name="fgAccFollowNode1">
+    <dgm:scene3d>
+      <a:camera prst="orthographicFront"/>
+      <a:lightRig rig="threePt" dir="t"/>
+    </dgm:scene3d>
+    <dgm:sp3d/>
+    <dgm:txPr/>
+    <dgm:style>
+      <a:lnRef idx="1">
+        <a:scrgbClr r="0" g="0" b="0"/>
+      </a:lnRef>
+      <a:fillRef idx="1">
+        <a:scrgbClr r="0" g="0" b="0"/>
+      </a:fillRef>
+      <a:effectRef idx="0">
+        <a:scrgbClr r="0" g="0" b="0"/>
+      </a:effectRef>
+      <a:fontRef idx="minor"/>
+    </dgm:style>
+  </dgm:styleLbl>
+  <dgm:styleLbl name="alignAccFollowNode1">
+    <dgm:scene3d>
+      <a:camera prst="orthographicFront"/>
+      <a:lightRig rig="threePt" dir="t"/>
+    </dgm:scene3d>
+    <dgm:sp3d/>
+    <dgm:txPr/>
+    <dgm:style>
+      <a:lnRef idx="1">
+        <a:scrgbClr r="0" g="0" b="0"/>
+      </a:lnRef>
+      <a:fillRef idx="1">
+        <a:scrgbClr r="0" g="0" b="0"/>
+      </a:fillRef>
+      <a:effectRef idx="0">
+        <a:scrgbClr r="0" g="0" b="0"/>
+      </a:effectRef>
+      <a:fontRef idx="minor"/>
+    </dgm:style>
+  </dgm:styleLbl>
+  <dgm:styleLbl name="bgAccFollowNode1">
+    <dgm:scene3d>
+      <a:camera prst="orthographicFront"/>
+      <a:lightRig rig="threePt" dir="t"/>
+    </dgm:scene3d>
+    <dgm:sp3d/>
+    <dgm:txPr/>
+    <dgm:style>
+      <a:lnRef idx="1">
+        <a:scrgbClr r="0" g="0" b="0"/>
+      </a:lnRef>
+      <a:fillRef idx="1">
+        <a:scrgbClr r="0" g="0" b="0"/>
+      </a:fillRef>
+      <a:effectRef idx="0">
+        <a:scrgbClr r="0" g="0" b="0"/>
+      </a:effectRef>
+      <a:fontRef idx="minor"/>
+    </dgm:style>
+  </dgm:styleLbl>
+  <dgm:styleLbl name="fgAcc0">
+    <dgm:scene3d>
+      <a:camera prst="orthographicFront"/>
+      <a:lightRig rig="threePt" dir="t"/>
+    </dgm:scene3d>
+    <dgm:sp3d/>
+    <dgm:txPr/>
+    <dgm:style>
+      <a:lnRef idx="1">
+        <a:scrgbClr r="0" g="0" b="0"/>
+      </a:lnRef>
+      <a:fillRef idx="1">
+        <a:scrgbClr r="0" g="0" b="0"/>
+      </a:fillRef>
+      <a:effectRef idx="0">
+        <a:scrgbClr r="0" g="0" b="0"/>
+      </a:effectRef>
+      <a:fontRef idx="minor"/>
+    </dgm:style>
+  </dgm:styleLbl>
+  <dgm:styleLbl name="fgAcc2">
+    <dgm:scene3d>
+      <a:camera prst="orthographicFront"/>
+      <a:lightRig rig="threePt" dir="t"/>
+    </dgm:scene3d>
+    <dgm:sp3d/>
+    <dgm:txPr/>
+    <dgm:style>
+      <a:lnRef idx="1">
+        <a:scrgbClr r="0" g="0" b="0"/>
+      </a:lnRef>
+      <a:fillRef idx="1">
+        <a:scrgbClr r="0" g="0" b="0"/>
+      </a:fillRef>
+      <a:effectRef idx="0">
+        <a:scrgbClr r="0" g="0" b="0"/>
+      </a:effectRef>
+      <a:fontRef idx="minor"/>
+    </dgm:style>
+  </dgm:styleLbl>
+  <dgm:styleLbl name="fgAcc3">
+    <dgm:scene3d>
+      <a:camera prst="orthographicFront"/>
+      <a:lightRig rig="threePt" dir="t"/>
+    </dgm:scene3d>
+    <dgm:sp3d/>
+    <dgm:txPr/>
+    <dgm:style>
+      <a:lnRef idx="1">
+        <a:scrgbClr r="0" g="0" b="0"/>
+      </a:lnRef>
+      <a:fillRef idx="1">
+        <a:scrgbClr r="0" g="0" b="0"/>
+      </a:fillRef>
+      <a:effectRef idx="0">
+        <a:scrgbClr r="0" g="0" b="0"/>
+      </a:effectRef>
+      <a:fontRef idx="minor"/>
+    </dgm:style>
+  </dgm:styleLbl>
+  <dgm:styleLbl name="fgAcc4">
+    <dgm:scene3d>
+      <a:camera prst="orthographicFront"/>
+      <a:lightRig rig="threePt" dir="t"/>
+    </dgm:scene3d>
+    <dgm:sp3d/>
+    <dgm:txPr/>
+    <dgm:style>
+      <a:lnRef idx="1">
+        <a:scrgbClr r="0" g="0" b="0"/>
+      </a:lnRef>
+      <a:fillRef idx="1">
+        <a:scrgbClr r="0" g="0" b="0"/>
+      </a:fillRef>
+      <a:effectRef idx="0">
+        <a:scrgbClr r="0" g="0" b="0"/>
+      </a:effectRef>
+      <a:fontRef idx="minor"/>
+    </dgm:style>
+  </dgm:styleLbl>
+  <dgm:styleLbl name="bgShp">
+    <dgm:scene3d>
+      <a:camera prst="orthographicFront"/>
+      <a:lightRig rig="threePt" dir="t"/>
+    </dgm:scene3d>
+    <dgm:sp3d/>
+    <dgm:txPr/>
+    <dgm:style>
+      <a:lnRef idx="0">
+        <a:scrgbClr r="0" g="0" b="0"/>
+      </a:lnRef>
+      <a:fillRef idx="1">
+        <a:scrgbClr r="0" g="0" b="0"/>
+      </a:fillRef>
+      <a:effectRef idx="2">
+        <a:scrgbClr r="0" g="0" b="0"/>
+      </a:effectRef>
+      <a:fontRef idx="minor"/>
+    </dgm:style>
+  </dgm:styleLbl>
+  <dgm:styleLbl name="dkBgShp">
+    <dgm:scene3d>
+      <a:camera prst="orthographicFront"/>
+      <a:lightRig rig="threePt" dir="t"/>
+    </dgm:scene3d>
+    <dgm:sp3d/>
+    <dgm:txPr/>
+    <dgm:style>
+      <a:lnRef idx="0">
+        <a:scrgbClr r="0" g="0" b="0"/>
+      </a:lnRef>
+      <a:fillRef idx="1">
+        <a:scrgbClr r="0" g="0" b="0"/>
+      </a:fillRef>
+      <a:effectRef idx="2">
+        <a:scrgbClr r="0" g="0" b="0"/>
+      </a:effectRef>
+      <a:fontRef idx="minor"/>
+    </dgm:style>
+  </dgm:styleLbl>
+  <dgm:styleLbl name="trBgShp">
+    <dgm:scene3d>
+      <a:camera prst="orthographicFront"/>
+      <a:lightRig rig="threePt" dir="t"/>
+    </dgm:scene3d>
+    <dgm:sp3d/>
+    <dgm:txPr/>
+    <dgm:style>
+      <a:lnRef idx="0">
+        <a:scrgbClr r="0" g="0" b="0"/>
+      </a:lnRef>
+      <a:fillRef idx="1">
+        <a:scrgbClr r="0" g="0" b="0"/>
+      </a:fillRef>
+      <a:effectRef idx="0">
+        <a:scrgbClr r="0" g="0" b="0"/>
+      </a:effectRef>
+      <a:fontRef idx="minor"/>
+    </dgm:style>
+  </dgm:styleLbl>
+  <dgm:styleLbl name="fgShp">
+    <dgm:scene3d>
+      <a:camera prst="orthographicFront"/>
+      <a:lightRig rig="threePt" dir="t"/>
+    </dgm:scene3d>
+    <dgm:sp3d/>
+    <dgm:txPr/>
+    <dgm:style>
+      <a:lnRef idx="0">
+        <a:scrgbClr r="0" g="0" b="0"/>
+      </a:lnRef>
+      <a:fillRef idx="3">
+        <a:scrgbClr r="0" g="0" b="0"/>
+      </a:fillRef>
+      <a:effectRef idx="2">
+        <a:scrgbClr r="0" g="0" b="0"/>
+      </a:effectRef>
+      <a:fontRef idx="minor"/>
+    </dgm:style>
+  </dgm:styleLbl>
+  <dgm:styleLbl name="revTx">
+    <dgm:scene3d>
+      <a:camera prst="orthographicFront"/>
+      <a:lightRig rig="threePt" dir="t"/>
+    </dgm:scene3d>
+    <dgm:sp3d/>
+    <dgm:txPr/>
+    <dgm:style>
+      <a:lnRef idx="0">
+        <a:scrgbClr r="0" g="0" b="0"/>
+      </a:lnRef>
+      <a:fillRef idx="0">
+        <a:scrgbClr r="0" g="0" b="0"/>
+      </a:fillRef>
+      <a:effectRef idx="0">
+        <a:scrgbClr r="0" g="0" b="0"/>
+      </a:effectRef>
+      <a:fontRef idx="minor"/>
+    </dgm:style>
+  </dgm:styleLbl>
+</dgm:styleDef>
+</file>
+
+<file path=ppt/diagrams/quickStyle5.xml><?xml version="1.0" encoding="utf-8"?>
 <dgm:styleDef xmlns:dgm="http://schemas.openxmlformats.org/drawingml/2006/diagram" xmlns:a="http://schemas.openxmlformats.org/drawingml/2006/main" uniqueId="urn:microsoft.com/office/officeart/2005/8/quickstyle/simple1">
   <dgm:title val=""/>
   <dgm:desc val=""/>
@@ -11284,7 +13856,7 @@
           <a:p>
             <a:fld id="{7878E77B-0AF8-465B-B9A5-C5DED9E44AD3}" type="datetimeFigureOut">
               <a:rPr lang="en-US" smtClean="0"/>
-              <a:t>2/9/2023</a:t>
+              <a:t>2/10/2023</a:t>
             </a:fld>
             <a:endParaRPr lang="en-US" dirty="0"/>
           </a:p>
@@ -11535,7 +14107,7 @@
           <a:p>
             <a:fld id="{7878E77B-0AF8-465B-B9A5-C5DED9E44AD3}" type="datetimeFigureOut">
               <a:rPr lang="en-US" smtClean="0"/>
-              <a:t>2/9/2023</a:t>
+              <a:t>2/10/2023</a:t>
             </a:fld>
             <a:endParaRPr lang="en-US" dirty="0"/>
           </a:p>
@@ -11849,7 +14421,7 @@
           <a:p>
             <a:fld id="{7878E77B-0AF8-465B-B9A5-C5DED9E44AD3}" type="datetimeFigureOut">
               <a:rPr lang="en-US" smtClean="0"/>
-              <a:t>2/9/2023</a:t>
+              <a:t>2/10/2023</a:t>
             </a:fld>
             <a:endParaRPr lang="en-US" dirty="0"/>
           </a:p>
@@ -12190,7 +14762,7 @@
           <a:p>
             <a:fld id="{7878E77B-0AF8-465B-B9A5-C5DED9E44AD3}" type="datetimeFigureOut">
               <a:rPr lang="en-US" smtClean="0"/>
-              <a:t>2/9/2023</a:t>
+              <a:t>2/10/2023</a:t>
             </a:fld>
             <a:endParaRPr lang="en-US" dirty="0"/>
           </a:p>
@@ -12504,7 +15076,7 @@
           <a:p>
             <a:fld id="{7878E77B-0AF8-465B-B9A5-C5DED9E44AD3}" type="datetimeFigureOut">
               <a:rPr lang="en-US" smtClean="0"/>
-              <a:t>2/9/2023</a:t>
+              <a:t>2/10/2023</a:t>
             </a:fld>
             <a:endParaRPr lang="en-US" dirty="0"/>
           </a:p>
@@ -12897,7 +15469,7 @@
           <a:p>
             <a:fld id="{7878E77B-0AF8-465B-B9A5-C5DED9E44AD3}" type="datetimeFigureOut">
               <a:rPr lang="en-US" smtClean="0"/>
-              <a:t>2/9/2023</a:t>
+              <a:t>2/10/2023</a:t>
             </a:fld>
             <a:endParaRPr lang="en-US" dirty="0"/>
           </a:p>
@@ -13067,7 +15639,7 @@
           <a:p>
             <a:fld id="{7878E77B-0AF8-465B-B9A5-C5DED9E44AD3}" type="datetimeFigureOut">
               <a:rPr lang="en-US" smtClean="0"/>
-              <a:t>2/9/2023</a:t>
+              <a:t>2/10/2023</a:t>
             </a:fld>
             <a:endParaRPr lang="en-US" dirty="0"/>
           </a:p>
@@ -13247,7 +15819,7 @@
           <a:p>
             <a:fld id="{7878E77B-0AF8-465B-B9A5-C5DED9E44AD3}" type="datetimeFigureOut">
               <a:rPr lang="en-US" smtClean="0"/>
-              <a:t>2/9/2023</a:t>
+              <a:t>2/10/2023</a:t>
             </a:fld>
             <a:endParaRPr lang="en-US" dirty="0"/>
           </a:p>
@@ -13423,7 +15995,7 @@
           <a:p>
             <a:fld id="{7878E77B-0AF8-465B-B9A5-C5DED9E44AD3}" type="datetimeFigureOut">
               <a:rPr lang="en-US" smtClean="0"/>
-              <a:t>2/9/2023</a:t>
+              <a:t>2/10/2023</a:t>
             </a:fld>
             <a:endParaRPr lang="en-US" dirty="0"/>
           </a:p>
@@ -13670,7 +16242,7 @@
           <a:p>
             <a:fld id="{7878E77B-0AF8-465B-B9A5-C5DED9E44AD3}" type="datetimeFigureOut">
               <a:rPr lang="en-US" smtClean="0"/>
-              <a:t>2/9/2023</a:t>
+              <a:t>2/10/2023</a:t>
             </a:fld>
             <a:endParaRPr lang="en-US" dirty="0"/>
           </a:p>
@@ -13902,7 +16474,7 @@
           <a:p>
             <a:fld id="{7878E77B-0AF8-465B-B9A5-C5DED9E44AD3}" type="datetimeFigureOut">
               <a:rPr lang="en-US" smtClean="0"/>
-              <a:t>2/9/2023</a:t>
+              <a:t>2/10/2023</a:t>
             </a:fld>
             <a:endParaRPr lang="en-US" dirty="0"/>
           </a:p>
@@ -14276,7 +16848,7 @@
           <a:p>
             <a:fld id="{7878E77B-0AF8-465B-B9A5-C5DED9E44AD3}" type="datetimeFigureOut">
               <a:rPr lang="en-US" smtClean="0"/>
-              <a:t>2/9/2023</a:t>
+              <a:t>2/10/2023</a:t>
             </a:fld>
             <a:endParaRPr lang="en-US" dirty="0"/>
           </a:p>
@@ -14399,7 +16971,7 @@
           <a:p>
             <a:fld id="{7878E77B-0AF8-465B-B9A5-C5DED9E44AD3}" type="datetimeFigureOut">
               <a:rPr lang="en-US" smtClean="0"/>
-              <a:t>2/9/2023</a:t>
+              <a:t>2/10/2023</a:t>
             </a:fld>
             <a:endParaRPr lang="en-US" dirty="0"/>
           </a:p>
@@ -14494,7 +17066,7 @@
           <a:p>
             <a:fld id="{7878E77B-0AF8-465B-B9A5-C5DED9E44AD3}" type="datetimeFigureOut">
               <a:rPr lang="en-US" smtClean="0"/>
-              <a:t>2/9/2023</a:t>
+              <a:t>2/10/2023</a:t>
             </a:fld>
             <a:endParaRPr lang="en-US" dirty="0"/>
           </a:p>
@@ -14749,7 +17321,7 @@
           <a:p>
             <a:fld id="{7878E77B-0AF8-465B-B9A5-C5DED9E44AD3}" type="datetimeFigureOut">
               <a:rPr lang="en-US" smtClean="0"/>
-              <a:t>2/9/2023</a:t>
+              <a:t>2/10/2023</a:t>
             </a:fld>
             <a:endParaRPr lang="en-US" dirty="0"/>
           </a:p>
@@ -15012,7 +17584,7 @@
           <a:p>
             <a:fld id="{7878E77B-0AF8-465B-B9A5-C5DED9E44AD3}" type="datetimeFigureOut">
               <a:rPr lang="en-US" smtClean="0"/>
-              <a:t>2/9/2023</a:t>
+              <a:t>2/10/2023</a:t>
             </a:fld>
             <a:endParaRPr lang="en-US" dirty="0"/>
           </a:p>
@@ -15755,7 +18327,7 @@
           <a:p>
             <a:fld id="{7878E77B-0AF8-465B-B9A5-C5DED9E44AD3}" type="datetimeFigureOut">
               <a:rPr lang="en-US" smtClean="0"/>
-              <a:t>2/9/2023</a:t>
+              <a:t>2/10/2023</a:t>
             </a:fld>
             <a:endParaRPr lang="en-US" dirty="0"/>
           </a:p>
@@ -16337,6 +18909,904 @@
           <a:chExt cx="0" cy="0"/>
         </a:xfrm>
       </p:grpSpPr>
+      <p:sp useBgFill="1">
+        <p:nvSpPr>
+          <p:cNvPr id="10" name="Rectangle 9">
+            <a:extLst>
+              <a:ext uri="{FF2B5EF4-FFF2-40B4-BE49-F238E27FC236}">
+                <a16:creationId xmlns:a16="http://schemas.microsoft.com/office/drawing/2014/main" xmlns="" id="{A65AC7D1-EAA9-48F5-B509-60A7F50BF703}"/>
+              </a:ext>
+              <a:ext uri="{C183D7F6-B498-43B3-948B-1728B52AA6E4}">
+                <adec:decorative xmlns:adec="http://schemas.microsoft.com/office/drawing/2017/decorative" xmlns="" val="1"/>
+              </a:ext>
+            </a:extLst>
+          </p:cNvPr>
+          <p:cNvSpPr>
+            <a:spLocks noGrp="1" noRot="1" noChangeAspect="1" noMove="1" noResize="1" noEditPoints="1" noAdjustHandles="1" noChangeArrowheads="1" noChangeShapeType="1" noTextEdit="1"/>
+          </p:cNvSpPr>
+          <p:nvPr>
+            <p:extLst>
+              <p:ext uri="{386F3935-93C4-4BCD-93E2-E3B085C9AB24}">
+                <p16:designElem xmlns:p16="http://schemas.microsoft.com/office/powerpoint/2015/main" xmlns="" val="1"/>
+              </p:ext>
+            </p:extLst>
+          </p:nvPr>
+        </p:nvSpPr>
+        <p:spPr>
+          <a:xfrm>
+            <a:off x="0" y="0"/>
+            <a:ext cx="12192000" cy="6858000"/>
+          </a:xfrm>
+          <a:prstGeom prst="rect">
+            <a:avLst/>
+          </a:prstGeom>
+          <a:ln>
+            <a:noFill/>
+          </a:ln>
+        </p:spPr>
+        <p:style>
+          <a:lnRef idx="2">
+            <a:schemeClr val="accent1">
+              <a:shade val="50000"/>
+            </a:schemeClr>
+          </a:lnRef>
+          <a:fillRef idx="1">
+            <a:schemeClr val="accent1"/>
+          </a:fillRef>
+          <a:effectRef idx="0">
+            <a:schemeClr val="accent1"/>
+          </a:effectRef>
+          <a:fontRef idx="minor">
+            <a:schemeClr val="lt1"/>
+          </a:fontRef>
+        </p:style>
+        <p:txBody>
+          <a:bodyPr rtlCol="0" anchor="ctr"/>
+          <a:lstStyle/>
+          <a:p>
+            <a:pPr algn="ctr"/>
+            <a:endParaRPr lang="en-US" dirty="0"/>
+          </a:p>
+        </p:txBody>
+      </p:sp>
+      <p:sp useBgFill="1">
+        <p:nvSpPr>
+          <p:cNvPr id="12" name="Rectangle 11">
+            <a:extLst>
+              <a:ext uri="{FF2B5EF4-FFF2-40B4-BE49-F238E27FC236}">
+                <a16:creationId xmlns:a16="http://schemas.microsoft.com/office/drawing/2014/main" xmlns="" id="{D6320AF9-619A-4175-865B-5663E1AEF4C5}"/>
+              </a:ext>
+              <a:ext uri="{C183D7F6-B498-43B3-948B-1728B52AA6E4}">
+                <adec:decorative xmlns:adec="http://schemas.microsoft.com/office/drawing/2017/decorative" xmlns="" val="1"/>
+              </a:ext>
+            </a:extLst>
+          </p:cNvPr>
+          <p:cNvSpPr>
+            <a:spLocks noGrp="1" noRot="1" noChangeAspect="1" noMove="1" noResize="1" noEditPoints="1" noAdjustHandles="1" noChangeArrowheads="1" noChangeShapeType="1" noTextEdit="1"/>
+          </p:cNvSpPr>
+          <p:nvPr>
+            <p:extLst>
+              <p:ext uri="{386F3935-93C4-4BCD-93E2-E3B085C9AB24}">
+                <p16:designElem xmlns:p16="http://schemas.microsoft.com/office/powerpoint/2015/main" xmlns="" val="1"/>
+              </p:ext>
+            </p:extLst>
+          </p:nvPr>
+        </p:nvSpPr>
+        <p:spPr>
+          <a:xfrm>
+            <a:off x="0" y="0"/>
+            <a:ext cx="12192000" cy="6858000"/>
+          </a:xfrm>
+          <a:prstGeom prst="rect">
+            <a:avLst/>
+          </a:prstGeom>
+          <a:ln>
+            <a:noFill/>
+          </a:ln>
+        </p:spPr>
+        <p:style>
+          <a:lnRef idx="2">
+            <a:schemeClr val="accent1">
+              <a:shade val="50000"/>
+            </a:schemeClr>
+          </a:lnRef>
+          <a:fillRef idx="1">
+            <a:schemeClr val="accent1"/>
+          </a:fillRef>
+          <a:effectRef idx="0">
+            <a:schemeClr val="accent1"/>
+          </a:effectRef>
+          <a:fontRef idx="minor">
+            <a:schemeClr val="lt1"/>
+          </a:fontRef>
+        </p:style>
+        <p:txBody>
+          <a:bodyPr rtlCol="0" anchor="ctr"/>
+          <a:lstStyle/>
+          <a:p>
+            <a:pPr algn="ctr"/>
+            <a:endParaRPr lang="en-US" dirty="0"/>
+          </a:p>
+        </p:txBody>
+      </p:sp>
+      <p:cxnSp>
+        <p:nvCxnSpPr>
+          <p:cNvPr id="14" name="Straight Connector 13">
+            <a:extLst>
+              <a:ext uri="{FF2B5EF4-FFF2-40B4-BE49-F238E27FC236}">
+                <a16:creationId xmlns:a16="http://schemas.microsoft.com/office/drawing/2014/main" xmlns="" id="{063B6EC6-D752-4EE7-908B-F8F19E8C7FEA}"/>
+              </a:ext>
+              <a:ext uri="{C183D7F6-B498-43B3-948B-1728B52AA6E4}">
+                <adec:decorative xmlns:adec="http://schemas.microsoft.com/office/drawing/2017/decorative" xmlns="" val="1"/>
+              </a:ext>
+            </a:extLst>
+          </p:cNvPr>
+          <p:cNvCxnSpPr>
+            <a:cxnSpLocks noGrp="1" noRot="1" noChangeAspect="1" noMove="1" noResize="1" noEditPoints="1" noAdjustHandles="1" noChangeArrowheads="1" noChangeShapeType="1"/>
+          </p:cNvCxnSpPr>
+          <p:nvPr>
+            <p:extLst>
+              <p:ext uri="{386F3935-93C4-4BCD-93E2-E3B085C9AB24}">
+                <p16:designElem xmlns:p16="http://schemas.microsoft.com/office/powerpoint/2015/main" xmlns="" val="1"/>
+              </p:ext>
+            </p:extLst>
+          </p:nvPr>
+        </p:nvCxnSpPr>
+        <p:spPr>
+          <a:xfrm>
+            <a:off x="5111313" y="0"/>
+            <a:ext cx="1219200" cy="6858000"/>
+          </a:xfrm>
+          <a:prstGeom prst="line">
+            <a:avLst/>
+          </a:prstGeom>
+          <a:ln w="9525">
+            <a:solidFill>
+              <a:schemeClr val="accent1">
+                <a:lumMod val="75000"/>
+              </a:schemeClr>
+            </a:solidFill>
+          </a:ln>
+        </p:spPr>
+        <p:style>
+          <a:lnRef idx="2">
+            <a:schemeClr val="accent1"/>
+          </a:lnRef>
+          <a:fillRef idx="0">
+            <a:schemeClr val="accent1"/>
+          </a:fillRef>
+          <a:effectRef idx="1">
+            <a:schemeClr val="accent1"/>
+          </a:effectRef>
+          <a:fontRef idx="minor">
+            <a:schemeClr val="tx1"/>
+          </a:fontRef>
+        </p:style>
+      </p:cxnSp>
+      <p:cxnSp>
+        <p:nvCxnSpPr>
+          <p:cNvPr id="16" name="Straight Connector 15">
+            <a:extLst>
+              <a:ext uri="{FF2B5EF4-FFF2-40B4-BE49-F238E27FC236}">
+                <a16:creationId xmlns:a16="http://schemas.microsoft.com/office/drawing/2014/main" xmlns="" id="{EFECD4E8-AD3E-4228-82A2-9461958EA94D}"/>
+              </a:ext>
+              <a:ext uri="{C183D7F6-B498-43B3-948B-1728B52AA6E4}">
+                <adec:decorative xmlns:adec="http://schemas.microsoft.com/office/drawing/2017/decorative" xmlns="" val="1"/>
+              </a:ext>
+            </a:extLst>
+          </p:cNvPr>
+          <p:cNvCxnSpPr>
+            <a:cxnSpLocks noGrp="1" noRot="1" noChangeAspect="1" noMove="1" noResize="1" noEditPoints="1" noAdjustHandles="1" noChangeArrowheads="1" noChangeShapeType="1"/>
+          </p:cNvCxnSpPr>
+          <p:nvPr>
+            <p:extLst>
+              <p:ext uri="{386F3935-93C4-4BCD-93E2-E3B085C9AB24}">
+                <p16:designElem xmlns:p16="http://schemas.microsoft.com/office/powerpoint/2015/main" xmlns="" val="1"/>
+              </p:ext>
+            </p:extLst>
+          </p:nvPr>
+        </p:nvCxnSpPr>
+        <p:spPr>
+          <a:xfrm flipH="1">
+            <a:off x="3290979" y="3681413"/>
+            <a:ext cx="4763558" cy="3176587"/>
+          </a:xfrm>
+          <a:prstGeom prst="line">
+            <a:avLst/>
+          </a:prstGeom>
+          <a:ln w="9525">
+            <a:solidFill>
+              <a:schemeClr val="tx1">
+                <a:lumMod val="50000"/>
+                <a:lumOff val="50000"/>
+                <a:alpha val="80000"/>
+              </a:schemeClr>
+            </a:solidFill>
+          </a:ln>
+        </p:spPr>
+        <p:style>
+          <a:lnRef idx="2">
+            <a:schemeClr val="accent1"/>
+          </a:lnRef>
+          <a:fillRef idx="0">
+            <a:schemeClr val="accent1"/>
+          </a:fillRef>
+          <a:effectRef idx="1">
+            <a:schemeClr val="accent1"/>
+          </a:effectRef>
+          <a:fontRef idx="minor">
+            <a:schemeClr val="tx1"/>
+          </a:fontRef>
+        </p:style>
+      </p:cxnSp>
+      <p:sp>
+        <p:nvSpPr>
+          <p:cNvPr id="18" name="Rectangle 23">
+            <a:extLst>
+              <a:ext uri="{FF2B5EF4-FFF2-40B4-BE49-F238E27FC236}">
+                <a16:creationId xmlns:a16="http://schemas.microsoft.com/office/drawing/2014/main" xmlns="" id="{7E018740-5C2B-4A41-AC1A-7E68D1EC1954}"/>
+              </a:ext>
+              <a:ext uri="{C183D7F6-B498-43B3-948B-1728B52AA6E4}">
+                <adec:decorative xmlns:adec="http://schemas.microsoft.com/office/drawing/2017/decorative" xmlns="" val="1"/>
+              </a:ext>
+            </a:extLst>
+          </p:cNvPr>
+          <p:cNvSpPr>
+            <a:spLocks noGrp="1" noRot="1" noChangeAspect="1" noMove="1" noResize="1" noEditPoints="1" noAdjustHandles="1" noChangeArrowheads="1" noChangeShapeType="1" noTextEdit="1"/>
+          </p:cNvSpPr>
+          <p:nvPr>
+            <p:extLst>
+              <p:ext uri="{386F3935-93C4-4BCD-93E2-E3B085C9AB24}">
+                <p16:designElem xmlns:p16="http://schemas.microsoft.com/office/powerpoint/2015/main" xmlns="" val="1"/>
+              </p:ext>
+            </p:extLst>
+          </p:nvPr>
+        </p:nvSpPr>
+        <p:spPr>
+          <a:xfrm>
+            <a:off x="4482568" y="-8467"/>
+            <a:ext cx="3007349" cy="6866467"/>
+          </a:xfrm>
+          <a:custGeom>
+            <a:avLst/>
+            <a:gdLst/>
+            <a:ahLst/>
+            <a:cxnLst/>
+            <a:rect l="l" t="t" r="r" b="b"/>
+            <a:pathLst>
+              <a:path w="3007349" h="6866467">
+                <a:moveTo>
+                  <a:pt x="2045532" y="0"/>
+                </a:moveTo>
+                <a:lnTo>
+                  <a:pt x="3007349" y="0"/>
+                </a:lnTo>
+                <a:lnTo>
+                  <a:pt x="3007349" y="6866467"/>
+                </a:lnTo>
+                <a:lnTo>
+                  <a:pt x="0" y="6866467"/>
+                </a:lnTo>
+                <a:lnTo>
+                  <a:pt x="2045532" y="0"/>
+                </a:lnTo>
+                <a:close/>
+              </a:path>
+            </a:pathLst>
+          </a:custGeom>
+          <a:solidFill>
+            <a:schemeClr val="accent1">
+              <a:alpha val="30000"/>
+            </a:schemeClr>
+          </a:solidFill>
+          <a:ln>
+            <a:noFill/>
+          </a:ln>
+          <a:effectLst/>
+        </p:spPr>
+        <p:style>
+          <a:lnRef idx="1">
+            <a:schemeClr val="accent1"/>
+          </a:lnRef>
+          <a:fillRef idx="3">
+            <a:schemeClr val="accent1"/>
+          </a:fillRef>
+          <a:effectRef idx="2">
+            <a:schemeClr val="accent1"/>
+          </a:effectRef>
+          <a:fontRef idx="minor">
+            <a:schemeClr val="lt1"/>
+          </a:fontRef>
+        </p:style>
+      </p:sp>
+      <p:sp>
+        <p:nvSpPr>
+          <p:cNvPr id="20" name="Rectangle 25">
+            <a:extLst>
+              <a:ext uri="{FF2B5EF4-FFF2-40B4-BE49-F238E27FC236}">
+                <a16:creationId xmlns:a16="http://schemas.microsoft.com/office/drawing/2014/main" xmlns="" id="{166F75A4-C475-4941-8EE2-B80A06A2C1BB}"/>
+              </a:ext>
+              <a:ext uri="{C183D7F6-B498-43B3-948B-1728B52AA6E4}">
+                <adec:decorative xmlns:adec="http://schemas.microsoft.com/office/drawing/2017/decorative" xmlns="" val="1"/>
+              </a:ext>
+            </a:extLst>
+          </p:cNvPr>
+          <p:cNvSpPr>
+            <a:spLocks noGrp="1" noRot="1" noChangeAspect="1" noMove="1" noResize="1" noEditPoints="1" noAdjustHandles="1" noChangeArrowheads="1" noChangeShapeType="1" noTextEdit="1"/>
+          </p:cNvSpPr>
+          <p:nvPr>
+            <p:extLst>
+              <p:ext uri="{386F3935-93C4-4BCD-93E2-E3B085C9AB24}">
+                <p16:designElem xmlns:p16="http://schemas.microsoft.com/office/powerpoint/2015/main" xmlns="" val="1"/>
+              </p:ext>
+            </p:extLst>
+          </p:nvPr>
+        </p:nvSpPr>
+        <p:spPr>
+          <a:xfrm>
+            <a:off x="4904534" y="-8467"/>
+            <a:ext cx="2588558" cy="6866467"/>
+          </a:xfrm>
+          <a:custGeom>
+            <a:avLst/>
+            <a:gdLst/>
+            <a:ahLst/>
+            <a:cxnLst/>
+            <a:rect l="l" t="t" r="r" b="b"/>
+            <a:pathLst>
+              <a:path w="2573311" h="6866467">
+                <a:moveTo>
+                  <a:pt x="0" y="0"/>
+                </a:moveTo>
+                <a:lnTo>
+                  <a:pt x="2573311" y="0"/>
+                </a:lnTo>
+                <a:lnTo>
+                  <a:pt x="2573311" y="6866467"/>
+                </a:lnTo>
+                <a:lnTo>
+                  <a:pt x="1202336" y="6866467"/>
+                </a:lnTo>
+                <a:lnTo>
+                  <a:pt x="0" y="0"/>
+                </a:lnTo>
+                <a:close/>
+              </a:path>
+            </a:pathLst>
+          </a:custGeom>
+          <a:solidFill>
+            <a:schemeClr val="accent1">
+              <a:alpha val="20000"/>
+            </a:schemeClr>
+          </a:solidFill>
+          <a:ln>
+            <a:noFill/>
+          </a:ln>
+          <a:effectLst/>
+        </p:spPr>
+        <p:style>
+          <a:lnRef idx="1">
+            <a:schemeClr val="accent1"/>
+          </a:lnRef>
+          <a:fillRef idx="3">
+            <a:schemeClr val="accent1"/>
+          </a:fillRef>
+          <a:effectRef idx="2">
+            <a:schemeClr val="accent1"/>
+          </a:effectRef>
+          <a:fontRef idx="minor">
+            <a:schemeClr val="lt1"/>
+          </a:fontRef>
+        </p:style>
+      </p:sp>
+      <p:sp>
+        <p:nvSpPr>
+          <p:cNvPr id="22" name="Isosceles Triangle 21">
+            <a:extLst>
+              <a:ext uri="{FF2B5EF4-FFF2-40B4-BE49-F238E27FC236}">
+                <a16:creationId xmlns:a16="http://schemas.microsoft.com/office/drawing/2014/main" xmlns="" id="{A032553A-72E8-4B0D-8405-FF9771C9AF05}"/>
+              </a:ext>
+              <a:ext uri="{C183D7F6-B498-43B3-948B-1728B52AA6E4}">
+                <adec:decorative xmlns:adec="http://schemas.microsoft.com/office/drawing/2017/decorative" xmlns="" val="1"/>
+              </a:ext>
+            </a:extLst>
+          </p:cNvPr>
+          <p:cNvSpPr>
+            <a:spLocks noGrp="1" noRot="1" noChangeAspect="1" noMove="1" noResize="1" noEditPoints="1" noAdjustHandles="1" noChangeArrowheads="1" noChangeShapeType="1" noTextEdit="1"/>
+          </p:cNvSpPr>
+          <p:nvPr>
+            <p:extLst>
+              <p:ext uri="{386F3935-93C4-4BCD-93E2-E3B085C9AB24}">
+                <p16:designElem xmlns:p16="http://schemas.microsoft.com/office/powerpoint/2015/main" xmlns="" val="1"/>
+              </p:ext>
+            </p:extLst>
+          </p:nvPr>
+        </p:nvSpPr>
+        <p:spPr>
+          <a:xfrm>
+            <a:off x="4233425" y="3048000"/>
+            <a:ext cx="3259667" cy="3810000"/>
+          </a:xfrm>
+          <a:prstGeom prst="triangle">
+            <a:avLst>
+              <a:gd name="adj" fmla="val 100000"/>
+            </a:avLst>
+          </a:prstGeom>
+          <a:solidFill>
+            <a:schemeClr val="accent2">
+              <a:alpha val="72000"/>
+            </a:schemeClr>
+          </a:solidFill>
+          <a:ln>
+            <a:noFill/>
+          </a:ln>
+          <a:effectLst/>
+        </p:spPr>
+        <p:style>
+          <a:lnRef idx="1">
+            <a:schemeClr val="accent1"/>
+          </a:lnRef>
+          <a:fillRef idx="3">
+            <a:schemeClr val="accent1"/>
+          </a:fillRef>
+          <a:effectRef idx="2">
+            <a:schemeClr val="accent1"/>
+          </a:effectRef>
+          <a:fontRef idx="minor">
+            <a:schemeClr val="lt1"/>
+          </a:fontRef>
+        </p:style>
+      </p:sp>
+      <p:sp>
+        <p:nvSpPr>
+          <p:cNvPr id="24" name="Rectangle 27">
+            <a:extLst>
+              <a:ext uri="{FF2B5EF4-FFF2-40B4-BE49-F238E27FC236}">
+                <a16:creationId xmlns:a16="http://schemas.microsoft.com/office/drawing/2014/main" xmlns="" id="{765800AC-C3B9-498E-87BC-29FAE4C76B21}"/>
+              </a:ext>
+              <a:ext uri="{C183D7F6-B498-43B3-948B-1728B52AA6E4}">
+                <adec:decorative xmlns:adec="http://schemas.microsoft.com/office/drawing/2017/decorative" xmlns="" val="1"/>
+              </a:ext>
+            </a:extLst>
+          </p:cNvPr>
+          <p:cNvSpPr>
+            <a:spLocks noGrp="1" noRot="1" noChangeAspect="1" noMove="1" noResize="1" noEditPoints="1" noAdjustHandles="1" noChangeArrowheads="1" noChangeShapeType="1" noTextEdit="1"/>
+          </p:cNvSpPr>
+          <p:nvPr>
+            <p:extLst>
+              <p:ext uri="{386F3935-93C4-4BCD-93E2-E3B085C9AB24}">
+                <p16:designElem xmlns:p16="http://schemas.microsoft.com/office/powerpoint/2015/main" xmlns="" val="1"/>
+              </p:ext>
+            </p:extLst>
+          </p:nvPr>
+        </p:nvSpPr>
+        <p:spPr>
+          <a:xfrm>
+            <a:off x="4635592" y="-8467"/>
+            <a:ext cx="2854326" cy="6866467"/>
+          </a:xfrm>
+          <a:custGeom>
+            <a:avLst/>
+            <a:gdLst/>
+            <a:ahLst/>
+            <a:cxnLst/>
+            <a:rect l="l" t="t" r="r" b="b"/>
+            <a:pathLst>
+              <a:path w="2858013" h="6866467">
+                <a:moveTo>
+                  <a:pt x="0" y="0"/>
+                </a:moveTo>
+                <a:lnTo>
+                  <a:pt x="2858013" y="0"/>
+                </a:lnTo>
+                <a:lnTo>
+                  <a:pt x="2858013" y="6866467"/>
+                </a:lnTo>
+                <a:lnTo>
+                  <a:pt x="2473942" y="6866467"/>
+                </a:lnTo>
+                <a:lnTo>
+                  <a:pt x="0" y="0"/>
+                </a:lnTo>
+                <a:close/>
+              </a:path>
+            </a:pathLst>
+          </a:custGeom>
+          <a:solidFill>
+            <a:schemeClr val="accent2">
+              <a:lumMod val="75000"/>
+              <a:alpha val="70000"/>
+            </a:schemeClr>
+          </a:solidFill>
+          <a:ln>
+            <a:noFill/>
+          </a:ln>
+          <a:effectLst/>
+        </p:spPr>
+        <p:style>
+          <a:lnRef idx="1">
+            <a:schemeClr val="accent1"/>
+          </a:lnRef>
+          <a:fillRef idx="3">
+            <a:schemeClr val="accent1"/>
+          </a:fillRef>
+          <a:effectRef idx="2">
+            <a:schemeClr val="accent1"/>
+          </a:effectRef>
+          <a:fontRef idx="minor">
+            <a:schemeClr val="lt1"/>
+          </a:fontRef>
+        </p:style>
+      </p:sp>
+      <p:sp>
+        <p:nvSpPr>
+          <p:cNvPr id="26" name="Isosceles Triangle 25">
+            <a:extLst>
+              <a:ext uri="{FF2B5EF4-FFF2-40B4-BE49-F238E27FC236}">
+                <a16:creationId xmlns:a16="http://schemas.microsoft.com/office/drawing/2014/main" xmlns="" id="{1F9D6ACB-2FF4-49F9-978A-E0D5327FC635}"/>
+              </a:ext>
+              <a:ext uri="{C183D7F6-B498-43B3-948B-1728B52AA6E4}">
+                <adec:decorative xmlns:adec="http://schemas.microsoft.com/office/drawing/2017/decorative" xmlns="" val="1"/>
+              </a:ext>
+            </a:extLst>
+          </p:cNvPr>
+          <p:cNvSpPr>
+            <a:spLocks noGrp="1" noRot="1" noChangeAspect="1" noMove="1" noResize="1" noEditPoints="1" noAdjustHandles="1" noChangeArrowheads="1" noChangeShapeType="1" noTextEdit="1"/>
+          </p:cNvSpPr>
+          <p:nvPr>
+            <p:extLst>
+              <p:ext uri="{386F3935-93C4-4BCD-93E2-E3B085C9AB24}">
+                <p16:designElem xmlns:p16="http://schemas.microsoft.com/office/powerpoint/2015/main" xmlns="" val="1"/>
+              </p:ext>
+            </p:extLst>
+          </p:nvPr>
+        </p:nvSpPr>
+        <p:spPr>
+          <a:xfrm>
+            <a:off x="5672758" y="3589867"/>
+            <a:ext cx="1817159" cy="3268133"/>
+          </a:xfrm>
+          <a:prstGeom prst="triangle">
+            <a:avLst>
+              <a:gd name="adj" fmla="val 100000"/>
+            </a:avLst>
+          </a:prstGeom>
+          <a:solidFill>
+            <a:schemeClr val="accent1">
+              <a:alpha val="80000"/>
+            </a:schemeClr>
+          </a:solidFill>
+          <a:ln>
+            <a:noFill/>
+          </a:ln>
+          <a:effectLst/>
+        </p:spPr>
+        <p:style>
+          <a:lnRef idx="1">
+            <a:schemeClr val="accent1"/>
+          </a:lnRef>
+          <a:fillRef idx="3">
+            <a:schemeClr val="accent1"/>
+          </a:fillRef>
+          <a:effectRef idx="2">
+            <a:schemeClr val="accent1"/>
+          </a:effectRef>
+          <a:fontRef idx="minor">
+            <a:schemeClr val="lt1"/>
+          </a:fontRef>
+        </p:style>
+      </p:sp>
+      <p:sp>
+        <p:nvSpPr>
+          <p:cNvPr id="28" name="Freeform: Shape 27">
+            <a:extLst>
+              <a:ext uri="{FF2B5EF4-FFF2-40B4-BE49-F238E27FC236}">
+                <a16:creationId xmlns:a16="http://schemas.microsoft.com/office/drawing/2014/main" xmlns="" id="{A5EC319D-0FEA-4B95-A3EA-01E35672C95B}"/>
+              </a:ext>
+              <a:ext uri="{C183D7F6-B498-43B3-948B-1728B52AA6E4}">
+                <adec:decorative xmlns:adec="http://schemas.microsoft.com/office/drawing/2017/decorative" xmlns="" val="1"/>
+              </a:ext>
+            </a:extLst>
+          </p:cNvPr>
+          <p:cNvSpPr>
+            <a:spLocks noGrp="1" noRot="1" noChangeAspect="1" noMove="1" noResize="1" noEditPoints="1" noAdjustHandles="1" noChangeArrowheads="1" noChangeShapeType="1" noTextEdit="1"/>
+          </p:cNvSpPr>
+          <p:nvPr>
+            <p:extLst>
+              <p:ext uri="{386F3935-93C4-4BCD-93E2-E3B085C9AB24}">
+                <p16:designElem xmlns:p16="http://schemas.microsoft.com/office/powerpoint/2015/main" xmlns="" val="1"/>
+              </p:ext>
+            </p:extLst>
+          </p:nvPr>
+        </p:nvSpPr>
+        <p:spPr>
+          <a:xfrm>
+            <a:off x="6197631" y="-8467"/>
+            <a:ext cx="5994369" cy="6866467"/>
+          </a:xfrm>
+          <a:custGeom>
+            <a:avLst/>
+            <a:gdLst>
+              <a:gd name="connsiteX0" fmla="*/ 0 w 5994369"/>
+              <a:gd name="connsiteY0" fmla="*/ 0 h 6866467"/>
+              <a:gd name="connsiteX1" fmla="*/ 1249825 w 5994369"/>
+              <a:gd name="connsiteY1" fmla="*/ 0 h 6866467"/>
+              <a:gd name="connsiteX2" fmla="*/ 1249825 w 5994369"/>
+              <a:gd name="connsiteY2" fmla="*/ 8467 h 6866467"/>
+              <a:gd name="connsiteX3" fmla="*/ 5994369 w 5994369"/>
+              <a:gd name="connsiteY3" fmla="*/ 8467 h 6866467"/>
+              <a:gd name="connsiteX4" fmla="*/ 5994369 w 5994369"/>
+              <a:gd name="connsiteY4" fmla="*/ 6866467 h 6866467"/>
+              <a:gd name="connsiteX5" fmla="*/ 1249825 w 5994369"/>
+              <a:gd name="connsiteY5" fmla="*/ 6866467 h 6866467"/>
+              <a:gd name="connsiteX6" fmla="*/ 1109382 w 5994369"/>
+              <a:gd name="connsiteY6" fmla="*/ 6866467 h 6866467"/>
+            </a:gdLst>
+            <a:ahLst/>
+            <a:cxnLst>
+              <a:cxn ang="0">
+                <a:pos x="connsiteX0" y="connsiteY0"/>
+              </a:cxn>
+              <a:cxn ang="0">
+                <a:pos x="connsiteX1" y="connsiteY1"/>
+              </a:cxn>
+              <a:cxn ang="0">
+                <a:pos x="connsiteX2" y="connsiteY2"/>
+              </a:cxn>
+              <a:cxn ang="0">
+                <a:pos x="connsiteX3" y="connsiteY3"/>
+              </a:cxn>
+              <a:cxn ang="0">
+                <a:pos x="connsiteX4" y="connsiteY4"/>
+              </a:cxn>
+              <a:cxn ang="0">
+                <a:pos x="connsiteX5" y="connsiteY5"/>
+              </a:cxn>
+              <a:cxn ang="0">
+                <a:pos x="connsiteX6" y="connsiteY6"/>
+              </a:cxn>
+            </a:cxnLst>
+            <a:rect l="l" t="t" r="r" b="b"/>
+            <a:pathLst>
+              <a:path w="5994369" h="6866467">
+                <a:moveTo>
+                  <a:pt x="0" y="0"/>
+                </a:moveTo>
+                <a:lnTo>
+                  <a:pt x="1249825" y="0"/>
+                </a:lnTo>
+                <a:lnTo>
+                  <a:pt x="1249825" y="8467"/>
+                </a:lnTo>
+                <a:lnTo>
+                  <a:pt x="5994369" y="8467"/>
+                </a:lnTo>
+                <a:lnTo>
+                  <a:pt x="5994369" y="6866467"/>
+                </a:lnTo>
+                <a:lnTo>
+                  <a:pt x="1249825" y="6866467"/>
+                </a:lnTo>
+                <a:lnTo>
+                  <a:pt x="1109382" y="6866467"/>
+                </a:lnTo>
+                <a:close/>
+              </a:path>
+            </a:pathLst>
+          </a:custGeom>
+          <a:solidFill>
+            <a:schemeClr val="accent2">
+              <a:lumMod val="75000"/>
+            </a:schemeClr>
+          </a:solidFill>
+          <a:ln>
+            <a:noFill/>
+          </a:ln>
+        </p:spPr>
+        <p:style>
+          <a:lnRef idx="2">
+            <a:schemeClr val="accent1">
+              <a:shade val="50000"/>
+            </a:schemeClr>
+          </a:lnRef>
+          <a:fillRef idx="1">
+            <a:schemeClr val="accent1"/>
+          </a:fillRef>
+          <a:effectRef idx="0">
+            <a:schemeClr val="accent1"/>
+          </a:effectRef>
+          <a:fontRef idx="minor">
+            <a:schemeClr val="lt1"/>
+          </a:fontRef>
+        </p:style>
+        <p:txBody>
+          <a:bodyPr wrap="square" rtlCol="0" anchor="ctr">
+            <a:noAutofit/>
+          </a:bodyPr>
+          <a:lstStyle/>
+          <a:p>
+            <a:pPr algn="ctr"/>
+            <a:endParaRPr lang="en-US" dirty="0"/>
+          </a:p>
+        </p:txBody>
+      </p:sp>
+      <p:sp>
+        <p:nvSpPr>
+          <p:cNvPr id="2" name="Title 1">
+            <a:extLst>
+              <a:ext uri="{FF2B5EF4-FFF2-40B4-BE49-F238E27FC236}">
+                <a16:creationId xmlns:a16="http://schemas.microsoft.com/office/drawing/2014/main" xmlns="" id="{4C0B267E-B809-543C-737C-5C92CA386D5F}"/>
+              </a:ext>
+            </a:extLst>
+          </p:cNvPr>
+          <p:cNvSpPr>
+            <a:spLocks noGrp="1"/>
+          </p:cNvSpPr>
+          <p:nvPr>
+            <p:ph type="title"/>
+          </p:nvPr>
+        </p:nvSpPr>
+        <p:spPr>
+          <a:xfrm>
+            <a:off x="7181723" y="163902"/>
+            <a:ext cx="2442650" cy="890636"/>
+          </a:xfrm>
+        </p:spPr>
+        <p:txBody>
+          <a:bodyPr vert="horz" lIns="91440" tIns="45720" rIns="91440" bIns="45720" rtlCol="0" anchor="ctr">
+            <a:normAutofit fontScale="90000"/>
+          </a:bodyPr>
+          <a:lstStyle/>
+          <a:p>
+            <a:r>
+              <a:rPr lang="en-US" sz="4000" dirty="0">
+                <a:solidFill>
+                  <a:srgbClr val="FFFFFF"/>
+                </a:solidFill>
+              </a:rPr>
+              <a:t>Docker </a:t>
+            </a:r>
+            <a:r>
+              <a:rPr lang="en-US" sz="2800" dirty="0">
+                <a:solidFill>
+                  <a:srgbClr val="FFFFFF"/>
+                </a:solidFill>
+              </a:rPr>
+              <a:t>                            </a:t>
+            </a:r>
+          </a:p>
+        </p:txBody>
+      </p:sp>
+      <p:pic>
+        <p:nvPicPr>
+          <p:cNvPr id="4" name="Picture 4">
+            <a:extLst>
+              <a:ext uri="{FF2B5EF4-FFF2-40B4-BE49-F238E27FC236}">
+                <a16:creationId xmlns:a16="http://schemas.microsoft.com/office/drawing/2014/main" xmlns="" id="{B7519BB8-E40F-6DAA-6387-C9E5FB68AB0D}"/>
+              </a:ext>
+            </a:extLst>
+          </p:cNvPr>
+          <p:cNvPicPr>
+            <a:picLocks noGrp="1" noChangeAspect="1"/>
+          </p:cNvPicPr>
+          <p:nvPr>
+            <p:ph idx="1"/>
+          </p:nvPr>
+        </p:nvPicPr>
+        <p:blipFill rotWithShape="1">
+          <a:blip r:embed="rId2"/>
+          <a:srcRect l="7793" r="13540"/>
+          <a:stretch/>
+        </p:blipFill>
+        <p:spPr>
+          <a:xfrm>
+            <a:off x="872324" y="1168399"/>
+            <a:ext cx="3626627" cy="4610101"/>
+          </a:xfrm>
+          <a:prstGeom prst="rect">
+            <a:avLst/>
+          </a:prstGeom>
+        </p:spPr>
+      </p:pic>
+      <p:sp>
+        <p:nvSpPr>
+          <p:cNvPr id="5" name="TextBox 4">
+            <a:extLst>
+              <a:ext uri="{FF2B5EF4-FFF2-40B4-BE49-F238E27FC236}">
+                <a16:creationId xmlns:a16="http://schemas.microsoft.com/office/drawing/2014/main" xmlns="" id="{A3BDF329-5B60-35F2-63BF-037E6CABD0D6}"/>
+              </a:ext>
+            </a:extLst>
+          </p:cNvPr>
+          <p:cNvSpPr txBox="1"/>
+          <p:nvPr/>
+        </p:nvSpPr>
+        <p:spPr>
+          <a:xfrm>
+            <a:off x="6517019" y="929080"/>
+            <a:ext cx="5476271" cy="5661447"/>
+          </a:xfrm>
+          <a:prstGeom prst="rect">
+            <a:avLst/>
+          </a:prstGeom>
+        </p:spPr>
+        <p:txBody>
+          <a:bodyPr rot="0" spcFirstLastPara="0" vertOverflow="overflow" horzOverflow="overflow" vert="horz" lIns="91440" tIns="45720" rIns="91440" bIns="45720" numCol="1" spcCol="0" rtlCol="0" fromWordArt="0" anchor="t" anchorCtr="0" forceAA="0" compatLnSpc="1">
+            <a:prstTxWarp prst="textNoShape">
+              <a:avLst/>
+            </a:prstTxWarp>
+            <a:noAutofit/>
+          </a:bodyPr>
+          <a:lstStyle/>
+          <a:p>
+            <a:pPr>
+              <a:spcBef>
+                <a:spcPts val="1000"/>
+              </a:spcBef>
+              <a:buClr>
+                <a:schemeClr val="accent1"/>
+              </a:buClr>
+              <a:buSzPct val="80000"/>
+              <a:buFont typeface="Wingdings 3" charset="2"/>
+              <a:buChar char=""/>
+            </a:pPr>
+            <a:r>
+              <a:rPr lang="en-US" sz="2800" dirty="0">
+                <a:solidFill>
+                  <a:srgbClr val="FFFFFF"/>
+                </a:solidFill>
+              </a:rPr>
+              <a:t>Docker is a software platform that allows you to build, test, and deploy applications quickly. Docker packages software into standardized units called </a:t>
+            </a:r>
+            <a:r>
+              <a:rPr lang="en-US" sz="2800" dirty="0">
+                <a:solidFill>
+                  <a:srgbClr val="FFFFFF"/>
+                </a:solidFill>
+                <a:hlinkClick r:id="rId3"/>
+              </a:rPr>
+              <a:t>containers</a:t>
+            </a:r>
+            <a:r>
+              <a:rPr lang="en-US" sz="2800" dirty="0">
+                <a:solidFill>
+                  <a:srgbClr val="FFFFFF"/>
+                </a:solidFill>
+              </a:rPr>
+              <a:t> that have everything the software needs to run including libraries, system tools, code, and runtime. Using Docker, you can quickly deploy and scale applications into any environment and know your code will run.</a:t>
+            </a:r>
+          </a:p>
+        </p:txBody>
+      </p:sp>
+    </p:spTree>
+    <p:extLst>
+      <p:ext uri="{BB962C8B-B14F-4D97-AF65-F5344CB8AC3E}">
+        <p14:creationId xmlns:p14="http://schemas.microsoft.com/office/powerpoint/2010/main" val="3726490816"/>
+      </p:ext>
+    </p:extLst>
+  </p:cSld>
+  <p:clrMapOvr>
+    <a:masterClrMapping/>
+  </p:clrMapOvr>
+</p:sld>
+</file>
+
+<file path=ppt/slides/slide11.xml><?xml version="1.0" encoding="utf-8"?>
+<p:sld xmlns:a="http://schemas.openxmlformats.org/drawingml/2006/main" xmlns:r="http://schemas.openxmlformats.org/officeDocument/2006/relationships" xmlns:p="http://schemas.openxmlformats.org/presentationml/2006/main">
+  <p:cSld>
+    <p:spTree>
+      <p:nvGrpSpPr>
+        <p:cNvPr id="1" name=""/>
+        <p:cNvGrpSpPr/>
+        <p:nvPr/>
+      </p:nvGrpSpPr>
+      <p:grpSpPr>
+        <a:xfrm>
+          <a:off x="0" y="0"/>
+          <a:ext cx="0" cy="0"/>
+          <a:chOff x="0" y="0"/>
+          <a:chExt cx="0" cy="0"/>
+        </a:xfrm>
+      </p:grpSpPr>
       <p:sp>
         <p:nvSpPr>
           <p:cNvPr id="2" name="Title 1"/>
@@ -16428,7 +19898,7 @@
           <p:cNvPr id="5" name="Picture 5">
             <a:extLst>
               <a:ext uri="{FF2B5EF4-FFF2-40B4-BE49-F238E27FC236}">
-                <a16:creationId xmlns="" xmlns:a16="http://schemas.microsoft.com/office/drawing/2014/main" id="{F4357B9B-F73B-329F-5683-549785646D04}"/>
+                <a16:creationId xmlns:a16="http://schemas.microsoft.com/office/drawing/2014/main" xmlns="" id="{F4357B9B-F73B-329F-5683-549785646D04}"/>
               </a:ext>
             </a:extLst>
           </p:cNvPr>
@@ -16441,7 +19911,7 @@
           <a:blip r:embed="rId2">
             <a:extLst>
               <a:ext uri="{837473B0-CC2E-450A-ABE3-18F120FF3D39}">
-                <a1611:picAttrSrcUrl xmlns="" xmlns:a1611="http://schemas.microsoft.com/office/drawing/2016/11/main" r:id="rId3"/>
+                <a1611:picAttrSrcUrl xmlns:a1611="http://schemas.microsoft.com/office/drawing/2016/11/main" xmlns="" r:id="rId3"/>
               </a:ext>
             </a:extLst>
           </a:blip>
@@ -16472,7 +19942,7 @@
 </p:sld>
 </file>
 
-<file path=ppt/slides/slide11.xml><?xml version="1.0" encoding="utf-8"?>
+<file path=ppt/slides/slide12.xml><?xml version="1.0" encoding="utf-8"?>
 <p:sld xmlns:a="http://schemas.openxmlformats.org/drawingml/2006/main" xmlns:r="http://schemas.openxmlformats.org/officeDocument/2006/relationships" xmlns:p="http://schemas.openxmlformats.org/presentationml/2006/main">
   <p:cSld>
     <p:spTree>
@@ -16494,7 +19964,7 @@
           <p:cNvPr id="2" name="Title 1">
             <a:extLst>
               <a:ext uri="{FF2B5EF4-FFF2-40B4-BE49-F238E27FC236}">
-                <a16:creationId xmlns="" xmlns:a16="http://schemas.microsoft.com/office/drawing/2014/main" id="{34E2B283-B481-BE24-CE17-4C3AF79B0980}"/>
+                <a16:creationId xmlns:a16="http://schemas.microsoft.com/office/drawing/2014/main" xmlns="" id="{34E2B283-B481-BE24-CE17-4C3AF79B0980}"/>
               </a:ext>
             </a:extLst>
           </p:cNvPr>
@@ -16527,7 +19997,7 @@
           <p:cNvPr id="3" name="Content Placeholder 2">
             <a:extLst>
               <a:ext uri="{FF2B5EF4-FFF2-40B4-BE49-F238E27FC236}">
-                <a16:creationId xmlns="" xmlns:a16="http://schemas.microsoft.com/office/drawing/2014/main" id="{ECEB6564-30C0-DDA5-5E35-603DCB916E73}"/>
+                <a16:creationId xmlns:a16="http://schemas.microsoft.com/office/drawing/2014/main" xmlns="" id="{ECEB6564-30C0-DDA5-5E35-603DCB916E73}"/>
               </a:ext>
             </a:extLst>
           </p:cNvPr>
@@ -16711,7 +20181,7 @@
 </p:sld>
 </file>
 
-<file path=ppt/slides/slide12.xml><?xml version="1.0" encoding="utf-8"?>
+<file path=ppt/slides/slide13.xml><?xml version="1.0" encoding="utf-8"?>
 <p:sld xmlns:a="http://schemas.openxmlformats.org/drawingml/2006/main" xmlns:r="http://schemas.openxmlformats.org/officeDocument/2006/relationships" xmlns:p="http://schemas.openxmlformats.org/presentationml/2006/main">
   <p:cSld>
     <p:spTree>
@@ -16733,7 +20203,7 @@
           <p:cNvPr id="5" name="Picture 5">
             <a:extLst>
               <a:ext uri="{FF2B5EF4-FFF2-40B4-BE49-F238E27FC236}">
-                <a16:creationId xmlns="" xmlns:a16="http://schemas.microsoft.com/office/drawing/2014/main" id="{14F9FE12-96D6-F2A1-4036-91D91C923D62}"/>
+                <a16:creationId xmlns:a16="http://schemas.microsoft.com/office/drawing/2014/main" xmlns="" id="{14F9FE12-96D6-F2A1-4036-91D91C923D62}"/>
               </a:ext>
             </a:extLst>
           </p:cNvPr>
@@ -16763,7 +20233,7 @@
           <p:cNvPr id="4" name="Picture 4">
             <a:extLst>
               <a:ext uri="{FF2B5EF4-FFF2-40B4-BE49-F238E27FC236}">
-                <a16:creationId xmlns="" xmlns:a16="http://schemas.microsoft.com/office/drawing/2014/main" id="{3813B309-E2F9-A4F3-C7AC-A54E2865995F}"/>
+                <a16:creationId xmlns:a16="http://schemas.microsoft.com/office/drawing/2014/main" xmlns="" id="{3813B309-E2F9-A4F3-C7AC-A54E2865995F}"/>
               </a:ext>
             </a:extLst>
           </p:cNvPr>
@@ -16801,7 +20271,7 @@
 </p:sld>
 </file>
 
-<file path=ppt/slides/slide13.xml><?xml version="1.0" encoding="utf-8"?>
+<file path=ppt/slides/slide14.xml><?xml version="1.0" encoding="utf-8"?>
 <p:sld xmlns:a="http://schemas.openxmlformats.org/drawingml/2006/main" xmlns:r="http://schemas.openxmlformats.org/officeDocument/2006/relationships" xmlns:p="http://schemas.openxmlformats.org/presentationml/2006/main">
   <p:cSld>
     <p:spTree>
@@ -16823,7 +20293,7 @@
           <p:cNvPr id="2" name="Title 1">
             <a:extLst>
               <a:ext uri="{FF2B5EF4-FFF2-40B4-BE49-F238E27FC236}">
-                <a16:creationId xmlns="" xmlns:a16="http://schemas.microsoft.com/office/drawing/2014/main" id="{B5DAFC85-E250-672F-F940-1FF61A8675C3}"/>
+                <a16:creationId xmlns:a16="http://schemas.microsoft.com/office/drawing/2014/main" xmlns="" id="{B5DAFC85-E250-672F-F940-1FF61A8675C3}"/>
               </a:ext>
             </a:extLst>
           </p:cNvPr>
@@ -16853,7 +20323,7 @@
           <p:cNvPr id="7" name="Picture 7">
             <a:extLst>
               <a:ext uri="{FF2B5EF4-FFF2-40B4-BE49-F238E27FC236}">
-                <a16:creationId xmlns="" xmlns:a16="http://schemas.microsoft.com/office/drawing/2014/main" id="{BF6E4BA9-2D90-218A-9B19-E5D0817684F2}"/>
+                <a16:creationId xmlns:a16="http://schemas.microsoft.com/office/drawing/2014/main" xmlns="" id="{BF6E4BA9-2D90-218A-9B19-E5D0817684F2}"/>
               </a:ext>
             </a:extLst>
           </p:cNvPr>
@@ -16885,7 +20355,7 @@
           <p:cNvPr id="10" name="Picture 10">
             <a:extLst>
               <a:ext uri="{FF2B5EF4-FFF2-40B4-BE49-F238E27FC236}">
-                <a16:creationId xmlns="" xmlns:a16="http://schemas.microsoft.com/office/drawing/2014/main" id="{F7C72827-8370-AE93-E151-6BF30DB24210}"/>
+                <a16:creationId xmlns:a16="http://schemas.microsoft.com/office/drawing/2014/main" xmlns="" id="{F7C72827-8370-AE93-E151-6BF30DB24210}"/>
               </a:ext>
             </a:extLst>
           </p:cNvPr>
@@ -16915,7 +20385,7 @@
           <p:cNvPr id="8" name="TextBox 7">
             <a:extLst>
               <a:ext uri="{FF2B5EF4-FFF2-40B4-BE49-F238E27FC236}">
-                <a16:creationId xmlns="" xmlns:a16="http://schemas.microsoft.com/office/drawing/2014/main" id="{FE3E3FB3-E7DB-5584-0C8E-8E3CE8EEC2A3}"/>
+                <a16:creationId xmlns:a16="http://schemas.microsoft.com/office/drawing/2014/main" xmlns="" id="{FE3E3FB3-E7DB-5584-0C8E-8E3CE8EEC2A3}"/>
               </a:ext>
             </a:extLst>
           </p:cNvPr>
@@ -17055,7 +20525,7 @@
           <p:cNvPr id="9" name="TextBox 8">
             <a:extLst>
               <a:ext uri="{FF2B5EF4-FFF2-40B4-BE49-F238E27FC236}">
-                <a16:creationId xmlns="" xmlns:a16="http://schemas.microsoft.com/office/drawing/2014/main" id="{943CF81F-1726-3C42-0EAB-4924BBF52D92}"/>
+                <a16:creationId xmlns:a16="http://schemas.microsoft.com/office/drawing/2014/main" xmlns="" id="{943CF81F-1726-3C42-0EAB-4924BBF52D92}"/>
               </a:ext>
             </a:extLst>
           </p:cNvPr>
@@ -17099,7 +20569,7 @@
 </p:sld>
 </file>
 
-<file path=ppt/slides/slide14.xml><?xml version="1.0" encoding="utf-8"?>
+<file path=ppt/slides/slide15.xml><?xml version="1.0" encoding="utf-8"?>
 <p:sld xmlns:a="http://schemas.openxmlformats.org/drawingml/2006/main" xmlns:r="http://schemas.openxmlformats.org/officeDocument/2006/relationships" xmlns:p="http://schemas.openxmlformats.org/presentationml/2006/main">
   <p:cSld>
     <p:spTree>
@@ -17121,7 +20591,7 @@
           <p:cNvPr id="2" name="Title 1">
             <a:extLst>
               <a:ext uri="{FF2B5EF4-FFF2-40B4-BE49-F238E27FC236}">
-                <a16:creationId xmlns="" xmlns:a16="http://schemas.microsoft.com/office/drawing/2014/main" id="{108F05B1-AB04-81B0-776E-BB4CD87529F8}"/>
+                <a16:creationId xmlns:a16="http://schemas.microsoft.com/office/drawing/2014/main" xmlns="" id="{108F05B1-AB04-81B0-776E-BB4CD87529F8}"/>
               </a:ext>
             </a:extLst>
           </p:cNvPr>
@@ -17166,10 +20636,10 @@
           <p:cNvPr id="13" name="Isosceles Triangle 8">
             <a:extLst>
               <a:ext uri="{FF2B5EF4-FFF2-40B4-BE49-F238E27FC236}">
-                <a16:creationId xmlns="" xmlns:a16="http://schemas.microsoft.com/office/drawing/2014/main" id="{212CBC7C-F294-455B-AE07-8B43A5705F20}"/>
+                <a16:creationId xmlns:a16="http://schemas.microsoft.com/office/drawing/2014/main" xmlns="" id="{212CBC7C-F294-455B-AE07-8B43A5705F20}"/>
               </a:ext>
               <a:ext uri="{C183D7F6-B498-43B3-948B-1728B52AA6E4}">
-                <adec:decorative xmlns="" xmlns:adec="http://schemas.microsoft.com/office/drawing/2017/decorative" val="1"/>
+                <adec:decorative xmlns:adec="http://schemas.microsoft.com/office/drawing/2017/decorative" xmlns="" val="1"/>
               </a:ext>
             </a:extLst>
           </p:cNvPr>
@@ -17179,7 +20649,7 @@
           <p:nvPr>
             <p:extLst>
               <p:ext uri="{386F3935-93C4-4BCD-93E2-E3B085C9AB24}">
-                <p16:designElem xmlns="" xmlns:p16="http://schemas.microsoft.com/office/powerpoint/2015/main" val="1"/>
+                <p16:designElem xmlns:p16="http://schemas.microsoft.com/office/powerpoint/2015/main" xmlns="" val="1"/>
               </p:ext>
             </p:extLst>
           </p:nvPr>
@@ -17222,7 +20692,7 @@
           <p:cNvPr id="5" name="TextBox 4">
             <a:extLst>
               <a:ext uri="{FF2B5EF4-FFF2-40B4-BE49-F238E27FC236}">
-                <a16:creationId xmlns="" xmlns:a16="http://schemas.microsoft.com/office/drawing/2014/main" id="{B32BEDF2-87D0-69CA-7070-34FAAAC8FB4C}"/>
+                <a16:creationId xmlns:a16="http://schemas.microsoft.com/office/drawing/2014/main" xmlns="" id="{B32BEDF2-87D0-69CA-7070-34FAAAC8FB4C}"/>
               </a:ext>
             </a:extLst>
           </p:cNvPr>
@@ -17330,7 +20800,7 @@
           <p:cNvPr id="8" name="Picture 8">
             <a:extLst>
               <a:ext uri="{FF2B5EF4-FFF2-40B4-BE49-F238E27FC236}">
-                <a16:creationId xmlns="" xmlns:a16="http://schemas.microsoft.com/office/drawing/2014/main" id="{268C534F-2C2B-DA70-1383-C748937C3204}"/>
+                <a16:creationId xmlns:a16="http://schemas.microsoft.com/office/drawing/2014/main" xmlns="" id="{268C534F-2C2B-DA70-1383-C748937C3204}"/>
               </a:ext>
             </a:extLst>
           </p:cNvPr>
@@ -17366,7 +20836,7 @@
           <p:cNvPr id="7" name="TextBox 6">
             <a:extLst>
               <a:ext uri="{FF2B5EF4-FFF2-40B4-BE49-F238E27FC236}">
-                <a16:creationId xmlns="" xmlns:a16="http://schemas.microsoft.com/office/drawing/2014/main" id="{2D89121F-6D77-DDFF-8547-262559DB1821}"/>
+                <a16:creationId xmlns:a16="http://schemas.microsoft.com/office/drawing/2014/main" xmlns="" id="{2D89121F-6D77-DDFF-8547-262559DB1821}"/>
               </a:ext>
             </a:extLst>
           </p:cNvPr>
@@ -17410,7 +20880,7 @@
 </p:sld>
 </file>
 
-<file path=ppt/slides/slide15.xml><?xml version="1.0" encoding="utf-8"?>
+<file path=ppt/slides/slide16.xml><?xml version="1.0" encoding="utf-8"?>
 <p:sld xmlns:a="http://schemas.openxmlformats.org/drawingml/2006/main" xmlns:r="http://schemas.openxmlformats.org/officeDocument/2006/relationships" xmlns:p="http://schemas.openxmlformats.org/presentationml/2006/main">
   <p:cSld>
     <p:spTree>
@@ -17432,7 +20902,7 @@
           <p:cNvPr id="2" name="Title 1">
             <a:extLst>
               <a:ext uri="{FF2B5EF4-FFF2-40B4-BE49-F238E27FC236}">
-                <a16:creationId xmlns="" xmlns:a16="http://schemas.microsoft.com/office/drawing/2014/main" id="{A9F68705-2B24-4558-F268-705C4F5E5784}"/>
+                <a16:creationId xmlns:a16="http://schemas.microsoft.com/office/drawing/2014/main" xmlns="" id="{A9F68705-2B24-4558-F268-705C4F5E5784}"/>
               </a:ext>
             </a:extLst>
           </p:cNvPr>
@@ -17468,7 +20938,7 @@
           <p:cNvPr id="4" name="Picture 4">
             <a:extLst>
               <a:ext uri="{FF2B5EF4-FFF2-40B4-BE49-F238E27FC236}">
-                <a16:creationId xmlns="" xmlns:a16="http://schemas.microsoft.com/office/drawing/2014/main" id="{B96BCBED-09B5-B82F-F711-571B83E3AD98}"/>
+                <a16:creationId xmlns:a16="http://schemas.microsoft.com/office/drawing/2014/main" xmlns="" id="{B96BCBED-09B5-B82F-F711-571B83E3AD98}"/>
               </a:ext>
             </a:extLst>
           </p:cNvPr>
@@ -17505,7 +20975,7 @@
 </p:sld>
 </file>
 
-<file path=ppt/slides/slide16.xml><?xml version="1.0" encoding="utf-8"?>
+<file path=ppt/slides/slide17.xml><?xml version="1.0" encoding="utf-8"?>
 <p:sld xmlns:a="http://schemas.openxmlformats.org/drawingml/2006/main" xmlns:r="http://schemas.openxmlformats.org/officeDocument/2006/relationships" xmlns:p="http://schemas.openxmlformats.org/presentationml/2006/main">
   <p:cSld>
     <p:spTree>
@@ -17527,10 +20997,10 @@
           <p:cNvPr id="9" name="Rectangle 8">
             <a:extLst>
               <a:ext uri="{FF2B5EF4-FFF2-40B4-BE49-F238E27FC236}">
-                <a16:creationId xmlns="" xmlns:a16="http://schemas.microsoft.com/office/drawing/2014/main" id="{86C16C40-7C29-4ACC-B851-7E08E459B596}"/>
+                <a16:creationId xmlns:a16="http://schemas.microsoft.com/office/drawing/2014/main" xmlns="" id="{86C16C40-7C29-4ACC-B851-7E08E459B596}"/>
               </a:ext>
               <a:ext uri="{C183D7F6-B498-43B3-948B-1728B52AA6E4}">
-                <adec:decorative xmlns="" xmlns:adec="http://schemas.microsoft.com/office/drawing/2017/decorative" val="1"/>
+                <adec:decorative xmlns:adec="http://schemas.microsoft.com/office/drawing/2017/decorative" xmlns="" val="1"/>
               </a:ext>
             </a:extLst>
           </p:cNvPr>
@@ -17540,7 +21010,7 @@
           <p:nvPr>
             <p:extLst>
               <p:ext uri="{386F3935-93C4-4BCD-93E2-E3B085C9AB24}">
-                <p16:designElem xmlns="" xmlns:p16="http://schemas.microsoft.com/office/powerpoint/2015/main" val="1"/>
+                <p16:designElem xmlns:p16="http://schemas.microsoft.com/office/powerpoint/2015/main" xmlns="" val="1"/>
               </p:ext>
             </p:extLst>
           </p:nvPr>
@@ -17587,10 +21057,10 @@
           <p:cNvPr id="11" name="Group 10">
             <a:extLst>
               <a:ext uri="{FF2B5EF4-FFF2-40B4-BE49-F238E27FC236}">
-                <a16:creationId xmlns="" xmlns:a16="http://schemas.microsoft.com/office/drawing/2014/main" id="{CDD733AE-DD5E-4C77-8BCD-72BF12A06BB1}"/>
+                <a16:creationId xmlns:a16="http://schemas.microsoft.com/office/drawing/2014/main" xmlns="" id="{CDD733AE-DD5E-4C77-8BCD-72BF12A06BB1}"/>
               </a:ext>
               <a:ext uri="{C183D7F6-B498-43B3-948B-1728B52AA6E4}">
-                <adec:decorative xmlns="" xmlns:adec="http://schemas.microsoft.com/office/drawing/2017/decorative" val="1"/>
+                <adec:decorative xmlns:adec="http://schemas.microsoft.com/office/drawing/2017/decorative" xmlns="" val="1"/>
               </a:ext>
             </a:extLst>
           </p:cNvPr>
@@ -17600,7 +21070,7 @@
           <p:nvPr>
             <p:extLst>
               <p:ext uri="{386F3935-93C4-4BCD-93E2-E3B085C9AB24}">
-                <p16:designElem xmlns="" xmlns:p16="http://schemas.microsoft.com/office/powerpoint/2015/main" val="1"/>
+                <p16:designElem xmlns:p16="http://schemas.microsoft.com/office/powerpoint/2015/main" xmlns="" val="1"/>
               </p:ext>
             </p:extLst>
           </p:nvPr>
@@ -17618,10 +21088,10 @@
             <p:cNvPr id="12" name="Straight Connector 11">
               <a:extLst>
                 <a:ext uri="{FF2B5EF4-FFF2-40B4-BE49-F238E27FC236}">
-                  <a16:creationId xmlns="" xmlns:a16="http://schemas.microsoft.com/office/drawing/2014/main" id="{51DE90A4-932E-4370-BA07-30F43254C01B}"/>
+                  <a16:creationId xmlns:a16="http://schemas.microsoft.com/office/drawing/2014/main" xmlns="" id="{51DE90A4-932E-4370-BA07-30F43254C01B}"/>
                 </a:ext>
                 <a:ext uri="{C183D7F6-B498-43B3-948B-1728B52AA6E4}">
-                  <adec:decorative xmlns="" xmlns:adec="http://schemas.microsoft.com/office/drawing/2017/decorative" val="1"/>
+                  <adec:decorative xmlns:adec="http://schemas.microsoft.com/office/drawing/2017/decorative" xmlns="" val="1"/>
                 </a:ext>
               </a:extLst>
             </p:cNvPr>
@@ -17629,7 +21099,7 @@
             <p:nvPr>
               <p:extLst>
                 <p:ext uri="{386F3935-93C4-4BCD-93E2-E3B085C9AB24}">
-                  <p16:designElem xmlns="" xmlns:p16="http://schemas.microsoft.com/office/powerpoint/2015/main" val="1"/>
+                  <p16:designElem xmlns:p16="http://schemas.microsoft.com/office/powerpoint/2015/main" xmlns="" val="1"/>
                 </p:ext>
               </p:extLst>
             </p:nvPr>
@@ -17668,10 +21138,10 @@
             <p:cNvPr id="13" name="Straight Connector 12">
               <a:extLst>
                 <a:ext uri="{FF2B5EF4-FFF2-40B4-BE49-F238E27FC236}">
-                  <a16:creationId xmlns="" xmlns:a16="http://schemas.microsoft.com/office/drawing/2014/main" id="{6A19CA4A-B208-452A-8BE4-BC6940D33D40}"/>
+                  <a16:creationId xmlns:a16="http://schemas.microsoft.com/office/drawing/2014/main" xmlns="" id="{6A19CA4A-B208-452A-8BE4-BC6940D33D40}"/>
                 </a:ext>
                 <a:ext uri="{C183D7F6-B498-43B3-948B-1728B52AA6E4}">
-                  <adec:decorative xmlns="" xmlns:adec="http://schemas.microsoft.com/office/drawing/2017/decorative" val="1"/>
+                  <adec:decorative xmlns:adec="http://schemas.microsoft.com/office/drawing/2017/decorative" xmlns="" val="1"/>
                 </a:ext>
               </a:extLst>
             </p:cNvPr>
@@ -17679,7 +21149,7 @@
             <p:nvPr>
               <p:extLst>
                 <p:ext uri="{386F3935-93C4-4BCD-93E2-E3B085C9AB24}">
-                  <p16:designElem xmlns="" xmlns:p16="http://schemas.microsoft.com/office/powerpoint/2015/main" val="1"/>
+                  <p16:designElem xmlns:p16="http://schemas.microsoft.com/office/powerpoint/2015/main" xmlns="" val="1"/>
                 </p:ext>
               </p:extLst>
             </p:nvPr>
@@ -17718,10 +21188,10 @@
             <p:cNvPr id="14" name="Rectangle 23">
               <a:extLst>
                 <a:ext uri="{FF2B5EF4-FFF2-40B4-BE49-F238E27FC236}">
-                  <a16:creationId xmlns="" xmlns:a16="http://schemas.microsoft.com/office/drawing/2014/main" id="{B74F8D3E-E618-4DE3-A0CC-B4904BB5D5AB}"/>
+                  <a16:creationId xmlns:a16="http://schemas.microsoft.com/office/drawing/2014/main" xmlns="" id="{B74F8D3E-E618-4DE3-A0CC-B4904BB5D5AB}"/>
                 </a:ext>
                 <a:ext uri="{C183D7F6-B498-43B3-948B-1728B52AA6E4}">
-                  <adec:decorative xmlns="" xmlns:adec="http://schemas.microsoft.com/office/drawing/2017/decorative" val="1"/>
+                  <adec:decorative xmlns:adec="http://schemas.microsoft.com/office/drawing/2017/decorative" xmlns="" val="1"/>
                 </a:ext>
               </a:extLst>
             </p:cNvPr>
@@ -17729,7 +21199,7 @@
             <p:nvPr>
               <p:extLst>
                 <p:ext uri="{386F3935-93C4-4BCD-93E2-E3B085C9AB24}">
-                  <p16:designElem xmlns="" xmlns:p16="http://schemas.microsoft.com/office/powerpoint/2015/main" val="1"/>
+                  <p16:designElem xmlns:p16="http://schemas.microsoft.com/office/powerpoint/2015/main" xmlns="" val="1"/>
                 </p:ext>
               </p:extLst>
             </p:nvPr>
@@ -17796,10 +21266,10 @@
             <p:cNvPr id="15" name="Rectangle 25">
               <a:extLst>
                 <a:ext uri="{FF2B5EF4-FFF2-40B4-BE49-F238E27FC236}">
-                  <a16:creationId xmlns="" xmlns:a16="http://schemas.microsoft.com/office/drawing/2014/main" id="{299DA406-C54B-4E31-867D-FAF8DCE7045F}"/>
+                  <a16:creationId xmlns:a16="http://schemas.microsoft.com/office/drawing/2014/main" xmlns="" id="{299DA406-C54B-4E31-867D-FAF8DCE7045F}"/>
                 </a:ext>
                 <a:ext uri="{C183D7F6-B498-43B3-948B-1728B52AA6E4}">
-                  <adec:decorative xmlns="" xmlns:adec="http://schemas.microsoft.com/office/drawing/2017/decorative" val="1"/>
+                  <adec:decorative xmlns:adec="http://schemas.microsoft.com/office/drawing/2017/decorative" xmlns="" val="1"/>
                 </a:ext>
               </a:extLst>
             </p:cNvPr>
@@ -17807,7 +21277,7 @@
             <p:nvPr>
               <p:extLst>
                 <p:ext uri="{386F3935-93C4-4BCD-93E2-E3B085C9AB24}">
-                  <p16:designElem xmlns="" xmlns:p16="http://schemas.microsoft.com/office/powerpoint/2015/main" val="1"/>
+                  <p16:designElem xmlns:p16="http://schemas.microsoft.com/office/powerpoint/2015/main" xmlns="" val="1"/>
                 </p:ext>
               </p:extLst>
             </p:nvPr>
@@ -17874,10 +21344,10 @@
             <p:cNvPr id="16" name="Isosceles Triangle 15">
               <a:extLst>
                 <a:ext uri="{FF2B5EF4-FFF2-40B4-BE49-F238E27FC236}">
-                  <a16:creationId xmlns="" xmlns:a16="http://schemas.microsoft.com/office/drawing/2014/main" id="{A1E16883-5140-47C4-A9AD-AD6598AC3EE6}"/>
+                  <a16:creationId xmlns:a16="http://schemas.microsoft.com/office/drawing/2014/main" xmlns="" id="{A1E16883-5140-47C4-A9AD-AD6598AC3EE6}"/>
                 </a:ext>
                 <a:ext uri="{C183D7F6-B498-43B3-948B-1728B52AA6E4}">
-                  <adec:decorative xmlns="" xmlns:adec="http://schemas.microsoft.com/office/drawing/2017/decorative" val="1"/>
+                  <adec:decorative xmlns:adec="http://schemas.microsoft.com/office/drawing/2017/decorative" xmlns="" val="1"/>
                 </a:ext>
               </a:extLst>
             </p:cNvPr>
@@ -17885,7 +21355,7 @@
             <p:nvPr>
               <p:extLst>
                 <p:ext uri="{386F3935-93C4-4BCD-93E2-E3B085C9AB24}">
-                  <p16:designElem xmlns="" xmlns:p16="http://schemas.microsoft.com/office/powerpoint/2015/main" val="1"/>
+                  <p16:designElem xmlns:p16="http://schemas.microsoft.com/office/powerpoint/2015/main" xmlns="" val="1"/>
                 </p:ext>
               </p:extLst>
             </p:nvPr>
@@ -17930,10 +21400,10 @@
             <p:cNvPr id="17" name="Rectangle 27">
               <a:extLst>
                 <a:ext uri="{FF2B5EF4-FFF2-40B4-BE49-F238E27FC236}">
-                  <a16:creationId xmlns="" xmlns:a16="http://schemas.microsoft.com/office/drawing/2014/main" id="{4CD848DC-8A2A-4093-9BDD-7AF4B6A27814}"/>
+                  <a16:creationId xmlns:a16="http://schemas.microsoft.com/office/drawing/2014/main" xmlns="" id="{4CD848DC-8A2A-4093-9BDD-7AF4B6A27814}"/>
                 </a:ext>
                 <a:ext uri="{C183D7F6-B498-43B3-948B-1728B52AA6E4}">
-                  <adec:decorative xmlns="" xmlns:adec="http://schemas.microsoft.com/office/drawing/2017/decorative" val="1"/>
+                  <adec:decorative xmlns:adec="http://schemas.microsoft.com/office/drawing/2017/decorative" xmlns="" val="1"/>
                 </a:ext>
               </a:extLst>
             </p:cNvPr>
@@ -17941,7 +21411,7 @@
             <p:nvPr>
               <p:extLst>
                 <p:ext uri="{386F3935-93C4-4BCD-93E2-E3B085C9AB24}">
-                  <p16:designElem xmlns="" xmlns:p16="http://schemas.microsoft.com/office/powerpoint/2015/main" val="1"/>
+                  <p16:designElem xmlns:p16="http://schemas.microsoft.com/office/powerpoint/2015/main" xmlns="" val="1"/>
                 </p:ext>
               </p:extLst>
             </p:nvPr>
@@ -18009,10 +21479,10 @@
             <p:cNvPr id="18" name="Rectangle 28">
               <a:extLst>
                 <a:ext uri="{FF2B5EF4-FFF2-40B4-BE49-F238E27FC236}">
-                  <a16:creationId xmlns="" xmlns:a16="http://schemas.microsoft.com/office/drawing/2014/main" id="{34635A4D-E9CE-4B78-912A-479EA4512B14}"/>
+                  <a16:creationId xmlns:a16="http://schemas.microsoft.com/office/drawing/2014/main" xmlns="" id="{34635A4D-E9CE-4B78-912A-479EA4512B14}"/>
                 </a:ext>
                 <a:ext uri="{C183D7F6-B498-43B3-948B-1728B52AA6E4}">
-                  <adec:decorative xmlns="" xmlns:adec="http://schemas.microsoft.com/office/drawing/2017/decorative" val="1"/>
+                  <adec:decorative xmlns:adec="http://schemas.microsoft.com/office/drawing/2017/decorative" xmlns="" val="1"/>
                 </a:ext>
               </a:extLst>
             </p:cNvPr>
@@ -18020,7 +21490,7 @@
             <p:nvPr>
               <p:extLst>
                 <p:ext uri="{386F3935-93C4-4BCD-93E2-E3B085C9AB24}">
-                  <p16:designElem xmlns="" xmlns:p16="http://schemas.microsoft.com/office/powerpoint/2015/main" val="1"/>
+                  <p16:designElem xmlns:p16="http://schemas.microsoft.com/office/powerpoint/2015/main" xmlns="" val="1"/>
                 </p:ext>
               </p:extLst>
             </p:nvPr>
@@ -18089,10 +21559,10 @@
             <p:cNvPr id="19" name="Rectangle 29">
               <a:extLst>
                 <a:ext uri="{FF2B5EF4-FFF2-40B4-BE49-F238E27FC236}">
-                  <a16:creationId xmlns="" xmlns:a16="http://schemas.microsoft.com/office/drawing/2014/main" id="{D663A5EE-5581-44F3-8F98-688755F63EA2}"/>
+                  <a16:creationId xmlns:a16="http://schemas.microsoft.com/office/drawing/2014/main" xmlns="" id="{D663A5EE-5581-44F3-8F98-688755F63EA2}"/>
                 </a:ext>
                 <a:ext uri="{C183D7F6-B498-43B3-948B-1728B52AA6E4}">
-                  <adec:decorative xmlns="" xmlns:adec="http://schemas.microsoft.com/office/drawing/2017/decorative" val="1"/>
+                  <adec:decorative xmlns:adec="http://schemas.microsoft.com/office/drawing/2017/decorative" xmlns="" val="1"/>
                 </a:ext>
               </a:extLst>
             </p:cNvPr>
@@ -18100,7 +21570,7 @@
             <p:nvPr>
               <p:extLst>
                 <p:ext uri="{386F3935-93C4-4BCD-93E2-E3B085C9AB24}">
-                  <p16:designElem xmlns="" xmlns:p16="http://schemas.microsoft.com/office/powerpoint/2015/main" val="1"/>
+                  <p16:designElem xmlns:p16="http://schemas.microsoft.com/office/powerpoint/2015/main" xmlns="" val="1"/>
                 </p:ext>
               </p:extLst>
             </p:nvPr>
@@ -18167,10 +21637,10 @@
             <p:cNvPr id="20" name="Isosceles Triangle 19">
               <a:extLst>
                 <a:ext uri="{FF2B5EF4-FFF2-40B4-BE49-F238E27FC236}">
-                  <a16:creationId xmlns="" xmlns:a16="http://schemas.microsoft.com/office/drawing/2014/main" id="{B1E84E6A-F5AE-4F4D-98F2-82FE4FCC2656}"/>
+                  <a16:creationId xmlns:a16="http://schemas.microsoft.com/office/drawing/2014/main" xmlns="" id="{B1E84E6A-F5AE-4F4D-98F2-82FE4FCC2656}"/>
                 </a:ext>
                 <a:ext uri="{C183D7F6-B498-43B3-948B-1728B52AA6E4}">
-                  <adec:decorative xmlns="" xmlns:adec="http://schemas.microsoft.com/office/drawing/2017/decorative" val="1"/>
+                  <adec:decorative xmlns:adec="http://schemas.microsoft.com/office/drawing/2017/decorative" xmlns="" val="1"/>
                 </a:ext>
               </a:extLst>
             </p:cNvPr>
@@ -18178,7 +21648,7 @@
             <p:nvPr>
               <p:extLst>
                 <p:ext uri="{386F3935-93C4-4BCD-93E2-E3B085C9AB24}">
-                  <p16:designElem xmlns="" xmlns:p16="http://schemas.microsoft.com/office/powerpoint/2015/main" val="1"/>
+                  <p16:designElem xmlns:p16="http://schemas.microsoft.com/office/powerpoint/2015/main" xmlns="" val="1"/>
                 </p:ext>
               </p:extLst>
             </p:nvPr>
@@ -18223,10 +21693,10 @@
             <p:cNvPr id="21" name="Isosceles Triangle 20">
               <a:extLst>
                 <a:ext uri="{FF2B5EF4-FFF2-40B4-BE49-F238E27FC236}">
-                  <a16:creationId xmlns="" xmlns:a16="http://schemas.microsoft.com/office/drawing/2014/main" id="{DDE7DDC9-17D4-4686-833D-48F8733B49EE}"/>
+                  <a16:creationId xmlns:a16="http://schemas.microsoft.com/office/drawing/2014/main" xmlns="" id="{DDE7DDC9-17D4-4686-833D-48F8733B49EE}"/>
                 </a:ext>
                 <a:ext uri="{C183D7F6-B498-43B3-948B-1728B52AA6E4}">
-                  <adec:decorative xmlns="" xmlns:adec="http://schemas.microsoft.com/office/drawing/2017/decorative" val="1"/>
+                  <adec:decorative xmlns:adec="http://schemas.microsoft.com/office/drawing/2017/decorative" xmlns="" val="1"/>
                 </a:ext>
               </a:extLst>
             </p:cNvPr>
@@ -18234,7 +21704,7 @@
             <p:nvPr>
               <p:extLst>
                 <p:ext uri="{386F3935-93C4-4BCD-93E2-E3B085C9AB24}">
-                  <p16:designElem xmlns="" xmlns:p16="http://schemas.microsoft.com/office/powerpoint/2015/main" val="1"/>
+                  <p16:designElem xmlns:p16="http://schemas.microsoft.com/office/powerpoint/2015/main" xmlns="" val="1"/>
                 </p:ext>
               </p:extLst>
             </p:nvPr>
@@ -18280,7 +21750,7 @@
           <p:cNvPr id="2" name="Title 1">
             <a:extLst>
               <a:ext uri="{FF2B5EF4-FFF2-40B4-BE49-F238E27FC236}">
-                <a16:creationId xmlns="" xmlns:a16="http://schemas.microsoft.com/office/drawing/2014/main" id="{61E26D5B-F96B-B124-6027-91D7BC1328ED}"/>
+                <a16:creationId xmlns:a16="http://schemas.microsoft.com/office/drawing/2014/main" xmlns="" id="{61E26D5B-F96B-B124-6027-91D7BC1328ED}"/>
               </a:ext>
             </a:extLst>
           </p:cNvPr>
@@ -18315,7 +21785,7 @@
           <p:cNvPr id="3" name="Content Placeholder 2">
             <a:extLst>
               <a:ext uri="{FF2B5EF4-FFF2-40B4-BE49-F238E27FC236}">
-                <a16:creationId xmlns="" xmlns:a16="http://schemas.microsoft.com/office/drawing/2014/main" id="{CD386F86-5097-AA78-A2E9-F363CE9D679A}"/>
+                <a16:creationId xmlns:a16="http://schemas.microsoft.com/office/drawing/2014/main" xmlns="" id="{CD386F86-5097-AA78-A2E9-F363CE9D679A}"/>
               </a:ext>
             </a:extLst>
           </p:cNvPr>
@@ -18406,7 +21876,7 @@
           <p:cNvPr id="4" name="TextBox 3">
             <a:extLst>
               <a:ext uri="{FF2B5EF4-FFF2-40B4-BE49-F238E27FC236}">
-                <a16:creationId xmlns="" xmlns:a16="http://schemas.microsoft.com/office/drawing/2014/main" id="{AE85E597-E283-995B-C06E-79648E914DAE}"/>
+                <a16:creationId xmlns:a16="http://schemas.microsoft.com/office/drawing/2014/main" xmlns="" id="{AE85E597-E283-995B-C06E-79648E914DAE}"/>
               </a:ext>
             </a:extLst>
           </p:cNvPr>
@@ -18450,7 +21920,7 @@
 </p:sld>
 </file>
 
-<file path=ppt/slides/slide17.xml><?xml version="1.0" encoding="utf-8"?>
+<file path=ppt/slides/slide18.xml><?xml version="1.0" encoding="utf-8"?>
 <p:sld xmlns:a="http://schemas.openxmlformats.org/drawingml/2006/main" xmlns:r="http://schemas.openxmlformats.org/officeDocument/2006/relationships" xmlns:p="http://schemas.openxmlformats.org/presentationml/2006/main">
   <p:cSld>
     <p:spTree>
@@ -18472,10 +21942,10 @@
           <p:cNvPr id="9" name="Group 8">
             <a:extLst>
               <a:ext uri="{FF2B5EF4-FFF2-40B4-BE49-F238E27FC236}">
-                <a16:creationId xmlns="" xmlns:a16="http://schemas.microsoft.com/office/drawing/2014/main" id="{609316A9-990D-4EC3-A671-70EE5C1493A4}"/>
+                <a16:creationId xmlns:a16="http://schemas.microsoft.com/office/drawing/2014/main" xmlns="" id="{609316A9-990D-4EC3-A671-70EE5C1493A4}"/>
               </a:ext>
               <a:ext uri="{C183D7F6-B498-43B3-948B-1728B52AA6E4}">
-                <adec:decorative xmlns="" xmlns:adec="http://schemas.microsoft.com/office/drawing/2017/decorative" val="1"/>
+                <adec:decorative xmlns:adec="http://schemas.microsoft.com/office/drawing/2017/decorative" xmlns="" val="1"/>
               </a:ext>
             </a:extLst>
           </p:cNvPr>
@@ -18485,7 +21955,7 @@
           <p:nvPr>
             <p:extLst>
               <p:ext uri="{386F3935-93C4-4BCD-93E2-E3B085C9AB24}">
-                <p16:designElem xmlns="" xmlns:p16="http://schemas.microsoft.com/office/powerpoint/2015/main" val="1"/>
+                <p16:designElem xmlns:p16="http://schemas.microsoft.com/office/powerpoint/2015/main" xmlns="" val="1"/>
               </p:ext>
             </p:extLst>
           </p:nvPr>
@@ -18503,10 +21973,10 @@
             <p:cNvPr id="10" name="Straight Connector 9">
               <a:extLst>
                 <a:ext uri="{FF2B5EF4-FFF2-40B4-BE49-F238E27FC236}">
-                  <a16:creationId xmlns="" xmlns:a16="http://schemas.microsoft.com/office/drawing/2014/main" id="{9B0C6109-9159-49CA-AD7A-F9035539DB7F}"/>
+                  <a16:creationId xmlns:a16="http://schemas.microsoft.com/office/drawing/2014/main" xmlns="" id="{9B0C6109-9159-49CA-AD7A-F9035539DB7F}"/>
                 </a:ext>
                 <a:ext uri="{C183D7F6-B498-43B3-948B-1728B52AA6E4}">
-                  <adec:decorative xmlns="" xmlns:adec="http://schemas.microsoft.com/office/drawing/2017/decorative" val="1"/>
+                  <adec:decorative xmlns:adec="http://schemas.microsoft.com/office/drawing/2017/decorative" xmlns="" val="1"/>
                 </a:ext>
               </a:extLst>
             </p:cNvPr>
@@ -18514,7 +21984,7 @@
             <p:nvPr>
               <p:extLst>
                 <p:ext uri="{386F3935-93C4-4BCD-93E2-E3B085C9AB24}">
-                  <p16:designElem xmlns="" xmlns:p16="http://schemas.microsoft.com/office/powerpoint/2015/main" val="1"/>
+                  <p16:designElem xmlns:p16="http://schemas.microsoft.com/office/powerpoint/2015/main" xmlns="" val="1"/>
                 </p:ext>
               </p:extLst>
             </p:nvPr>
@@ -18555,10 +22025,10 @@
             <p:cNvPr id="11" name="Straight Connector 10">
               <a:extLst>
                 <a:ext uri="{FF2B5EF4-FFF2-40B4-BE49-F238E27FC236}">
-                  <a16:creationId xmlns="" xmlns:a16="http://schemas.microsoft.com/office/drawing/2014/main" id="{686F14F5-308C-4EB6-87AB-05DE9501B1AA}"/>
+                  <a16:creationId xmlns:a16="http://schemas.microsoft.com/office/drawing/2014/main" xmlns="" id="{686F14F5-308C-4EB6-87AB-05DE9501B1AA}"/>
                 </a:ext>
                 <a:ext uri="{C183D7F6-B498-43B3-948B-1728B52AA6E4}">
-                  <adec:decorative xmlns="" xmlns:adec="http://schemas.microsoft.com/office/drawing/2017/decorative" val="1"/>
+                  <adec:decorative xmlns:adec="http://schemas.microsoft.com/office/drawing/2017/decorative" xmlns="" val="1"/>
                 </a:ext>
               </a:extLst>
             </p:cNvPr>
@@ -18566,7 +22036,7 @@
             <p:nvPr>
               <p:extLst>
                 <p:ext uri="{386F3935-93C4-4BCD-93E2-E3B085C9AB24}">
-                  <p16:designElem xmlns="" xmlns:p16="http://schemas.microsoft.com/office/powerpoint/2015/main" val="1"/>
+                  <p16:designElem xmlns:p16="http://schemas.microsoft.com/office/powerpoint/2015/main" xmlns="" val="1"/>
                 </p:ext>
               </p:extLst>
             </p:nvPr>
@@ -18607,10 +22077,10 @@
             <p:cNvPr id="12" name="Rectangle 23">
               <a:extLst>
                 <a:ext uri="{FF2B5EF4-FFF2-40B4-BE49-F238E27FC236}">
-                  <a16:creationId xmlns="" xmlns:a16="http://schemas.microsoft.com/office/drawing/2014/main" id="{BA032363-A188-47C5-9D59-9B788809DCD2}"/>
+                  <a16:creationId xmlns:a16="http://schemas.microsoft.com/office/drawing/2014/main" xmlns="" id="{BA032363-A188-47C5-9D59-9B788809DCD2}"/>
                 </a:ext>
                 <a:ext uri="{C183D7F6-B498-43B3-948B-1728B52AA6E4}">
-                  <adec:decorative xmlns="" xmlns:adec="http://schemas.microsoft.com/office/drawing/2017/decorative" val="1"/>
+                  <adec:decorative xmlns:adec="http://schemas.microsoft.com/office/drawing/2017/decorative" xmlns="" val="1"/>
                 </a:ext>
               </a:extLst>
             </p:cNvPr>
@@ -18618,7 +22088,7 @@
             <p:nvPr>
               <p:extLst>
                 <p:ext uri="{386F3935-93C4-4BCD-93E2-E3B085C9AB24}">
-                  <p16:designElem xmlns="" xmlns:p16="http://schemas.microsoft.com/office/powerpoint/2015/main" val="1"/>
+                  <p16:designElem xmlns:p16="http://schemas.microsoft.com/office/powerpoint/2015/main" xmlns="" val="1"/>
                 </p:ext>
               </p:extLst>
             </p:nvPr>
@@ -18685,10 +22155,10 @@
             <p:cNvPr id="13" name="Rectangle 25">
               <a:extLst>
                 <a:ext uri="{FF2B5EF4-FFF2-40B4-BE49-F238E27FC236}">
-                  <a16:creationId xmlns="" xmlns:a16="http://schemas.microsoft.com/office/drawing/2014/main" id="{2C4077DF-6BB9-4069-AD28-6B1664EBB064}"/>
+                  <a16:creationId xmlns:a16="http://schemas.microsoft.com/office/drawing/2014/main" xmlns="" id="{2C4077DF-6BB9-4069-AD28-6B1664EBB064}"/>
                 </a:ext>
                 <a:ext uri="{C183D7F6-B498-43B3-948B-1728B52AA6E4}">
-                  <adec:decorative xmlns="" xmlns:adec="http://schemas.microsoft.com/office/drawing/2017/decorative" val="1"/>
+                  <adec:decorative xmlns:adec="http://schemas.microsoft.com/office/drawing/2017/decorative" xmlns="" val="1"/>
                 </a:ext>
               </a:extLst>
             </p:cNvPr>
@@ -18696,7 +22166,7 @@
             <p:nvPr>
               <p:extLst>
                 <p:ext uri="{386F3935-93C4-4BCD-93E2-E3B085C9AB24}">
-                  <p16:designElem xmlns="" xmlns:p16="http://schemas.microsoft.com/office/powerpoint/2015/main" val="1"/>
+                  <p16:designElem xmlns:p16="http://schemas.microsoft.com/office/powerpoint/2015/main" xmlns="" val="1"/>
                 </p:ext>
               </p:extLst>
             </p:nvPr>
@@ -18763,10 +22233,10 @@
             <p:cNvPr id="14" name="Isosceles Triangle 13">
               <a:extLst>
                 <a:ext uri="{FF2B5EF4-FFF2-40B4-BE49-F238E27FC236}">
-                  <a16:creationId xmlns="" xmlns:a16="http://schemas.microsoft.com/office/drawing/2014/main" id="{1D2B8B50-3419-41ED-9A9F-3CF9EEBBD3F2}"/>
+                  <a16:creationId xmlns:a16="http://schemas.microsoft.com/office/drawing/2014/main" xmlns="" id="{1D2B8B50-3419-41ED-9A9F-3CF9EEBBD3F2}"/>
                 </a:ext>
                 <a:ext uri="{C183D7F6-B498-43B3-948B-1728B52AA6E4}">
-                  <adec:decorative xmlns="" xmlns:adec="http://schemas.microsoft.com/office/drawing/2017/decorative" val="1"/>
+                  <adec:decorative xmlns:adec="http://schemas.microsoft.com/office/drawing/2017/decorative" xmlns="" val="1"/>
                 </a:ext>
               </a:extLst>
             </p:cNvPr>
@@ -18774,7 +22244,7 @@
             <p:nvPr>
               <p:extLst>
                 <p:ext uri="{386F3935-93C4-4BCD-93E2-E3B085C9AB24}">
-                  <p16:designElem xmlns="" xmlns:p16="http://schemas.microsoft.com/office/powerpoint/2015/main" val="1"/>
+                  <p16:designElem xmlns:p16="http://schemas.microsoft.com/office/powerpoint/2015/main" xmlns="" val="1"/>
                 </p:ext>
               </p:extLst>
             </p:nvPr>
@@ -18819,10 +22289,10 @@
             <p:cNvPr id="15" name="Rectangle 27">
               <a:extLst>
                 <a:ext uri="{FF2B5EF4-FFF2-40B4-BE49-F238E27FC236}">
-                  <a16:creationId xmlns="" xmlns:a16="http://schemas.microsoft.com/office/drawing/2014/main" id="{5C640498-2E73-4FA2-BEB6-C3596A458C8A}"/>
+                  <a16:creationId xmlns:a16="http://schemas.microsoft.com/office/drawing/2014/main" xmlns="" id="{5C640498-2E73-4FA2-BEB6-C3596A458C8A}"/>
                 </a:ext>
                 <a:ext uri="{C183D7F6-B498-43B3-948B-1728B52AA6E4}">
-                  <adec:decorative xmlns="" xmlns:adec="http://schemas.microsoft.com/office/drawing/2017/decorative" val="1"/>
+                  <adec:decorative xmlns:adec="http://schemas.microsoft.com/office/drawing/2017/decorative" xmlns="" val="1"/>
                 </a:ext>
               </a:extLst>
             </p:cNvPr>
@@ -18830,7 +22300,7 @@
             <p:nvPr>
               <p:extLst>
                 <p:ext uri="{386F3935-93C4-4BCD-93E2-E3B085C9AB24}">
-                  <p16:designElem xmlns="" xmlns:p16="http://schemas.microsoft.com/office/powerpoint/2015/main" val="1"/>
+                  <p16:designElem xmlns:p16="http://schemas.microsoft.com/office/powerpoint/2015/main" xmlns="" val="1"/>
                 </p:ext>
               </p:extLst>
             </p:nvPr>
@@ -18898,10 +22368,10 @@
             <p:cNvPr id="16" name="Rectangle 28">
               <a:extLst>
                 <a:ext uri="{FF2B5EF4-FFF2-40B4-BE49-F238E27FC236}">
-                  <a16:creationId xmlns="" xmlns:a16="http://schemas.microsoft.com/office/drawing/2014/main" id="{3240EEFC-4112-4C39-A816-C815774F6D69}"/>
+                  <a16:creationId xmlns:a16="http://schemas.microsoft.com/office/drawing/2014/main" xmlns="" id="{3240EEFC-4112-4C39-A816-C815774F6D69}"/>
                 </a:ext>
                 <a:ext uri="{C183D7F6-B498-43B3-948B-1728B52AA6E4}">
-                  <adec:decorative xmlns="" xmlns:adec="http://schemas.microsoft.com/office/drawing/2017/decorative" val="1"/>
+                  <adec:decorative xmlns:adec="http://schemas.microsoft.com/office/drawing/2017/decorative" xmlns="" val="1"/>
                 </a:ext>
               </a:extLst>
             </p:cNvPr>
@@ -18909,7 +22379,7 @@
             <p:nvPr>
               <p:extLst>
                 <p:ext uri="{386F3935-93C4-4BCD-93E2-E3B085C9AB24}">
-                  <p16:designElem xmlns="" xmlns:p16="http://schemas.microsoft.com/office/powerpoint/2015/main" val="1"/>
+                  <p16:designElem xmlns:p16="http://schemas.microsoft.com/office/powerpoint/2015/main" xmlns="" val="1"/>
                 </p:ext>
               </p:extLst>
             </p:nvPr>
@@ -18978,10 +22448,10 @@
             <p:cNvPr id="17" name="Rectangle 29">
               <a:extLst>
                 <a:ext uri="{FF2B5EF4-FFF2-40B4-BE49-F238E27FC236}">
-                  <a16:creationId xmlns="" xmlns:a16="http://schemas.microsoft.com/office/drawing/2014/main" id="{ADF362B0-03EA-4800-9FAA-9F128587E428}"/>
+                  <a16:creationId xmlns:a16="http://schemas.microsoft.com/office/drawing/2014/main" xmlns="" id="{ADF362B0-03EA-4800-9FAA-9F128587E428}"/>
                 </a:ext>
                 <a:ext uri="{C183D7F6-B498-43B3-948B-1728B52AA6E4}">
-                  <adec:decorative xmlns="" xmlns:adec="http://schemas.microsoft.com/office/drawing/2017/decorative" val="1"/>
+                  <adec:decorative xmlns:adec="http://schemas.microsoft.com/office/drawing/2017/decorative" xmlns="" val="1"/>
                 </a:ext>
               </a:extLst>
             </p:cNvPr>
@@ -18989,7 +22459,7 @@
             <p:nvPr>
               <p:extLst>
                 <p:ext uri="{386F3935-93C4-4BCD-93E2-E3B085C9AB24}">
-                  <p16:designElem xmlns="" xmlns:p16="http://schemas.microsoft.com/office/powerpoint/2015/main" val="1"/>
+                  <p16:designElem xmlns:p16="http://schemas.microsoft.com/office/powerpoint/2015/main" xmlns="" val="1"/>
                 </p:ext>
               </p:extLst>
             </p:nvPr>
@@ -19056,10 +22526,10 @@
             <p:cNvPr id="18" name="Isosceles Triangle 17">
               <a:extLst>
                 <a:ext uri="{FF2B5EF4-FFF2-40B4-BE49-F238E27FC236}">
-                  <a16:creationId xmlns="" xmlns:a16="http://schemas.microsoft.com/office/drawing/2014/main" id="{0BA84559-2F4C-4795-9246-4C563F942DB9}"/>
+                  <a16:creationId xmlns:a16="http://schemas.microsoft.com/office/drawing/2014/main" xmlns="" id="{0BA84559-2F4C-4795-9246-4C563F942DB9}"/>
                 </a:ext>
                 <a:ext uri="{C183D7F6-B498-43B3-948B-1728B52AA6E4}">
-                  <adec:decorative xmlns="" xmlns:adec="http://schemas.microsoft.com/office/drawing/2017/decorative" val="1"/>
+                  <adec:decorative xmlns:adec="http://schemas.microsoft.com/office/drawing/2017/decorative" xmlns="" val="1"/>
                 </a:ext>
               </a:extLst>
             </p:cNvPr>
@@ -19067,7 +22537,7 @@
             <p:nvPr>
               <p:extLst>
                 <p:ext uri="{386F3935-93C4-4BCD-93E2-E3B085C9AB24}">
-                  <p16:designElem xmlns="" xmlns:p16="http://schemas.microsoft.com/office/powerpoint/2015/main" val="1"/>
+                  <p16:designElem xmlns:p16="http://schemas.microsoft.com/office/powerpoint/2015/main" xmlns="" val="1"/>
                 </p:ext>
               </p:extLst>
             </p:nvPr>
@@ -19112,10 +22582,10 @@
             <p:cNvPr id="19" name="Isosceles Triangle 18">
               <a:extLst>
                 <a:ext uri="{FF2B5EF4-FFF2-40B4-BE49-F238E27FC236}">
-                  <a16:creationId xmlns="" xmlns:a16="http://schemas.microsoft.com/office/drawing/2014/main" id="{FA77A1AA-CA47-4A91-A0A1-0A8CE31A985E}"/>
+                  <a16:creationId xmlns:a16="http://schemas.microsoft.com/office/drawing/2014/main" xmlns="" id="{FA77A1AA-CA47-4A91-A0A1-0A8CE31A985E}"/>
                 </a:ext>
                 <a:ext uri="{C183D7F6-B498-43B3-948B-1728B52AA6E4}">
-                  <adec:decorative xmlns="" xmlns:adec="http://schemas.microsoft.com/office/drawing/2017/decorative" val="1"/>
+                  <adec:decorative xmlns:adec="http://schemas.microsoft.com/office/drawing/2017/decorative" xmlns="" val="1"/>
                 </a:ext>
               </a:extLst>
             </p:cNvPr>
@@ -19123,7 +22593,7 @@
             <p:nvPr>
               <p:extLst>
                 <p:ext uri="{386F3935-93C4-4BCD-93E2-E3B085C9AB24}">
-                  <p16:designElem xmlns="" xmlns:p16="http://schemas.microsoft.com/office/powerpoint/2015/main" val="1"/>
+                  <p16:designElem xmlns:p16="http://schemas.microsoft.com/office/powerpoint/2015/main" xmlns="" val="1"/>
                 </p:ext>
               </p:extLst>
             </p:nvPr>
@@ -19169,7 +22639,7 @@
           <p:cNvPr id="4" name="Picture 4">
             <a:extLst>
               <a:ext uri="{FF2B5EF4-FFF2-40B4-BE49-F238E27FC236}">
-                <a16:creationId xmlns="" xmlns:a16="http://schemas.microsoft.com/office/drawing/2014/main" id="{D3609F86-DD15-1C28-A0B8-01908D1E1F1C}"/>
+                <a16:creationId xmlns:a16="http://schemas.microsoft.com/office/drawing/2014/main" xmlns="" id="{D3609F86-DD15-1C28-A0B8-01908D1E1F1C}"/>
               </a:ext>
             </a:extLst>
           </p:cNvPr>
@@ -19231,10 +22701,10 @@
           <p:cNvPr id="28" name="Rectangle 12">
             <a:extLst>
               <a:ext uri="{FF2B5EF4-FFF2-40B4-BE49-F238E27FC236}">
-                <a16:creationId xmlns="" xmlns:a16="http://schemas.microsoft.com/office/drawing/2014/main" id="{A65AC7D1-EAA9-48F5-B509-60A7F50BF703}"/>
+                <a16:creationId xmlns:a16="http://schemas.microsoft.com/office/drawing/2014/main" xmlns="" id="{A65AC7D1-EAA9-48F5-B509-60A7F50BF703}"/>
               </a:ext>
               <a:ext uri="{C183D7F6-B498-43B3-948B-1728B52AA6E4}">
-                <adec:decorative xmlns="" xmlns:adec="http://schemas.microsoft.com/office/drawing/2017/decorative" val="1"/>
+                <adec:decorative xmlns:adec="http://schemas.microsoft.com/office/drawing/2017/decorative" xmlns="" val="1"/>
               </a:ext>
             </a:extLst>
           </p:cNvPr>
@@ -19244,7 +22714,7 @@
           <p:nvPr>
             <p:extLst>
               <p:ext uri="{386F3935-93C4-4BCD-93E2-E3B085C9AB24}">
-                <p16:designElem xmlns="" xmlns:p16="http://schemas.microsoft.com/office/powerpoint/2015/main" val="1"/>
+                <p16:designElem xmlns:p16="http://schemas.microsoft.com/office/powerpoint/2015/main" xmlns="" val="1"/>
               </p:ext>
             </p:extLst>
           </p:nvPr>
@@ -19291,10 +22761,10 @@
           <p:cNvPr id="32" name="Rectangle 14">
             <a:extLst>
               <a:ext uri="{FF2B5EF4-FFF2-40B4-BE49-F238E27FC236}">
-                <a16:creationId xmlns="" xmlns:a16="http://schemas.microsoft.com/office/drawing/2014/main" id="{D6320AF9-619A-4175-865B-5663E1AEF4C5}"/>
+                <a16:creationId xmlns:a16="http://schemas.microsoft.com/office/drawing/2014/main" xmlns="" id="{D6320AF9-619A-4175-865B-5663E1AEF4C5}"/>
               </a:ext>
               <a:ext uri="{C183D7F6-B498-43B3-948B-1728B52AA6E4}">
-                <adec:decorative xmlns="" xmlns:adec="http://schemas.microsoft.com/office/drawing/2017/decorative" val="1"/>
+                <adec:decorative xmlns:adec="http://schemas.microsoft.com/office/drawing/2017/decorative" xmlns="" val="1"/>
               </a:ext>
             </a:extLst>
           </p:cNvPr>
@@ -19304,7 +22774,7 @@
           <p:nvPr>
             <p:extLst>
               <p:ext uri="{386F3935-93C4-4BCD-93E2-E3B085C9AB24}">
-                <p16:designElem xmlns="" xmlns:p16="http://schemas.microsoft.com/office/powerpoint/2015/main" val="1"/>
+                <p16:designElem xmlns:p16="http://schemas.microsoft.com/office/powerpoint/2015/main" xmlns="" val="1"/>
               </p:ext>
             </p:extLst>
           </p:nvPr>
@@ -19351,10 +22821,10 @@
           <p:cNvPr id="33" name="Straight Connector 16">
             <a:extLst>
               <a:ext uri="{FF2B5EF4-FFF2-40B4-BE49-F238E27FC236}">
-                <a16:creationId xmlns="" xmlns:a16="http://schemas.microsoft.com/office/drawing/2014/main" id="{063B6EC6-D752-4EE7-908B-F8F19E8C7FEA}"/>
+                <a16:creationId xmlns:a16="http://schemas.microsoft.com/office/drawing/2014/main" xmlns="" id="{063B6EC6-D752-4EE7-908B-F8F19E8C7FEA}"/>
               </a:ext>
               <a:ext uri="{C183D7F6-B498-43B3-948B-1728B52AA6E4}">
-                <adec:decorative xmlns="" xmlns:adec="http://schemas.microsoft.com/office/drawing/2017/decorative" val="1"/>
+                <adec:decorative xmlns:adec="http://schemas.microsoft.com/office/drawing/2017/decorative" xmlns="" val="1"/>
               </a:ext>
             </a:extLst>
           </p:cNvPr>
@@ -19364,7 +22834,7 @@
           <p:nvPr>
             <p:extLst>
               <p:ext uri="{386F3935-93C4-4BCD-93E2-E3B085C9AB24}">
-                <p16:designElem xmlns="" xmlns:p16="http://schemas.microsoft.com/office/powerpoint/2015/main" val="1"/>
+                <p16:designElem xmlns:p16="http://schemas.microsoft.com/office/powerpoint/2015/main" xmlns="" val="1"/>
               </p:ext>
             </p:extLst>
           </p:nvPr>
@@ -19405,10 +22875,10 @@
           <p:cNvPr id="34" name="Straight Connector 18">
             <a:extLst>
               <a:ext uri="{FF2B5EF4-FFF2-40B4-BE49-F238E27FC236}">
-                <a16:creationId xmlns="" xmlns:a16="http://schemas.microsoft.com/office/drawing/2014/main" id="{EFECD4E8-AD3E-4228-82A2-9461958EA94D}"/>
+                <a16:creationId xmlns:a16="http://schemas.microsoft.com/office/drawing/2014/main" xmlns="" id="{EFECD4E8-AD3E-4228-82A2-9461958EA94D}"/>
               </a:ext>
               <a:ext uri="{C183D7F6-B498-43B3-948B-1728B52AA6E4}">
-                <adec:decorative xmlns="" xmlns:adec="http://schemas.microsoft.com/office/drawing/2017/decorative" val="1"/>
+                <adec:decorative xmlns:adec="http://schemas.microsoft.com/office/drawing/2017/decorative" xmlns="" val="1"/>
               </a:ext>
             </a:extLst>
           </p:cNvPr>
@@ -19418,7 +22888,7 @@
           <p:nvPr>
             <p:extLst>
               <p:ext uri="{386F3935-93C4-4BCD-93E2-E3B085C9AB24}">
-                <p16:designElem xmlns="" xmlns:p16="http://schemas.microsoft.com/office/powerpoint/2015/main" val="1"/>
+                <p16:designElem xmlns:p16="http://schemas.microsoft.com/office/powerpoint/2015/main" xmlns="" val="1"/>
               </p:ext>
             </p:extLst>
           </p:nvPr>
@@ -19461,10 +22931,10 @@
           <p:cNvPr id="21" name="Rectangle 23">
             <a:extLst>
               <a:ext uri="{FF2B5EF4-FFF2-40B4-BE49-F238E27FC236}">
-                <a16:creationId xmlns="" xmlns:a16="http://schemas.microsoft.com/office/drawing/2014/main" id="{7E018740-5C2B-4A41-AC1A-7E68D1EC1954}"/>
+                <a16:creationId xmlns:a16="http://schemas.microsoft.com/office/drawing/2014/main" xmlns="" id="{7E018740-5C2B-4A41-AC1A-7E68D1EC1954}"/>
               </a:ext>
               <a:ext uri="{C183D7F6-B498-43B3-948B-1728B52AA6E4}">
-                <adec:decorative xmlns="" xmlns:adec="http://schemas.microsoft.com/office/drawing/2017/decorative" val="1"/>
+                <adec:decorative xmlns:adec="http://schemas.microsoft.com/office/drawing/2017/decorative" xmlns="" val="1"/>
               </a:ext>
             </a:extLst>
           </p:cNvPr>
@@ -19474,7 +22944,7 @@
           <p:nvPr>
             <p:extLst>
               <p:ext uri="{386F3935-93C4-4BCD-93E2-E3B085C9AB24}">
-                <p16:designElem xmlns="" xmlns:p16="http://schemas.microsoft.com/office/powerpoint/2015/main" val="1"/>
+                <p16:designElem xmlns:p16="http://schemas.microsoft.com/office/powerpoint/2015/main" xmlns="" val="1"/>
               </p:ext>
             </p:extLst>
           </p:nvPr>
@@ -19541,10 +23011,10 @@
           <p:cNvPr id="35" name="Rectangle 25">
             <a:extLst>
               <a:ext uri="{FF2B5EF4-FFF2-40B4-BE49-F238E27FC236}">
-                <a16:creationId xmlns="" xmlns:a16="http://schemas.microsoft.com/office/drawing/2014/main" id="{166F75A4-C475-4941-8EE2-B80A06A2C1BB}"/>
+                <a16:creationId xmlns:a16="http://schemas.microsoft.com/office/drawing/2014/main" xmlns="" id="{166F75A4-C475-4941-8EE2-B80A06A2C1BB}"/>
               </a:ext>
               <a:ext uri="{C183D7F6-B498-43B3-948B-1728B52AA6E4}">
-                <adec:decorative xmlns="" xmlns:adec="http://schemas.microsoft.com/office/drawing/2017/decorative" val="1"/>
+                <adec:decorative xmlns:adec="http://schemas.microsoft.com/office/drawing/2017/decorative" xmlns="" val="1"/>
               </a:ext>
             </a:extLst>
           </p:cNvPr>
@@ -19554,7 +23024,7 @@
           <p:nvPr>
             <p:extLst>
               <p:ext uri="{386F3935-93C4-4BCD-93E2-E3B085C9AB24}">
-                <p16:designElem xmlns="" xmlns:p16="http://schemas.microsoft.com/office/powerpoint/2015/main" val="1"/>
+                <p16:designElem xmlns:p16="http://schemas.microsoft.com/office/powerpoint/2015/main" xmlns="" val="1"/>
               </p:ext>
             </p:extLst>
           </p:nvPr>
@@ -19621,10 +23091,10 @@
           <p:cNvPr id="36" name="Isosceles Triangle 24">
             <a:extLst>
               <a:ext uri="{FF2B5EF4-FFF2-40B4-BE49-F238E27FC236}">
-                <a16:creationId xmlns="" xmlns:a16="http://schemas.microsoft.com/office/drawing/2014/main" id="{A032553A-72E8-4B0D-8405-FF9771C9AF05}"/>
+                <a16:creationId xmlns:a16="http://schemas.microsoft.com/office/drawing/2014/main" xmlns="" id="{A032553A-72E8-4B0D-8405-FF9771C9AF05}"/>
               </a:ext>
               <a:ext uri="{C183D7F6-B498-43B3-948B-1728B52AA6E4}">
-                <adec:decorative xmlns="" xmlns:adec="http://schemas.microsoft.com/office/drawing/2017/decorative" val="1"/>
+                <adec:decorative xmlns:adec="http://schemas.microsoft.com/office/drawing/2017/decorative" xmlns="" val="1"/>
               </a:ext>
             </a:extLst>
           </p:cNvPr>
@@ -19634,7 +23104,7 @@
           <p:nvPr>
             <p:extLst>
               <p:ext uri="{386F3935-93C4-4BCD-93E2-E3B085C9AB24}">
-                <p16:designElem xmlns="" xmlns:p16="http://schemas.microsoft.com/office/powerpoint/2015/main" val="1"/>
+                <p16:designElem xmlns:p16="http://schemas.microsoft.com/office/powerpoint/2015/main" xmlns="" val="1"/>
               </p:ext>
             </p:extLst>
           </p:nvPr>
@@ -19679,10 +23149,10 @@
           <p:cNvPr id="27" name="Rectangle 27">
             <a:extLst>
               <a:ext uri="{FF2B5EF4-FFF2-40B4-BE49-F238E27FC236}">
-                <a16:creationId xmlns="" xmlns:a16="http://schemas.microsoft.com/office/drawing/2014/main" id="{765800AC-C3B9-498E-87BC-29FAE4C76B21}"/>
+                <a16:creationId xmlns:a16="http://schemas.microsoft.com/office/drawing/2014/main" xmlns="" id="{765800AC-C3B9-498E-87BC-29FAE4C76B21}"/>
               </a:ext>
               <a:ext uri="{C183D7F6-B498-43B3-948B-1728B52AA6E4}">
-                <adec:decorative xmlns="" xmlns:adec="http://schemas.microsoft.com/office/drawing/2017/decorative" val="1"/>
+                <adec:decorative xmlns:adec="http://schemas.microsoft.com/office/drawing/2017/decorative" xmlns="" val="1"/>
               </a:ext>
             </a:extLst>
           </p:cNvPr>
@@ -19692,7 +23162,7 @@
           <p:nvPr>
             <p:extLst>
               <p:ext uri="{386F3935-93C4-4BCD-93E2-E3B085C9AB24}">
-                <p16:designElem xmlns="" xmlns:p16="http://schemas.microsoft.com/office/powerpoint/2015/main" val="1"/>
+                <p16:designElem xmlns:p16="http://schemas.microsoft.com/office/powerpoint/2015/main" xmlns="" val="1"/>
               </p:ext>
             </p:extLst>
           </p:nvPr>
@@ -19760,10 +23230,10 @@
           <p:cNvPr id="29" name="Isosceles Triangle 28">
             <a:extLst>
               <a:ext uri="{FF2B5EF4-FFF2-40B4-BE49-F238E27FC236}">
-                <a16:creationId xmlns="" xmlns:a16="http://schemas.microsoft.com/office/drawing/2014/main" id="{1F9D6ACB-2FF4-49F9-978A-E0D5327FC635}"/>
+                <a16:creationId xmlns:a16="http://schemas.microsoft.com/office/drawing/2014/main" xmlns="" id="{1F9D6ACB-2FF4-49F9-978A-E0D5327FC635}"/>
               </a:ext>
               <a:ext uri="{C183D7F6-B498-43B3-948B-1728B52AA6E4}">
-                <adec:decorative xmlns="" xmlns:adec="http://schemas.microsoft.com/office/drawing/2017/decorative" val="1"/>
+                <adec:decorative xmlns:adec="http://schemas.microsoft.com/office/drawing/2017/decorative" xmlns="" val="1"/>
               </a:ext>
             </a:extLst>
           </p:cNvPr>
@@ -19773,7 +23243,7 @@
           <p:nvPr>
             <p:extLst>
               <p:ext uri="{386F3935-93C4-4BCD-93E2-E3B085C9AB24}">
-                <p16:designElem xmlns="" xmlns:p16="http://schemas.microsoft.com/office/powerpoint/2015/main" val="1"/>
+                <p16:designElem xmlns:p16="http://schemas.microsoft.com/office/powerpoint/2015/main" xmlns="" val="1"/>
               </p:ext>
             </p:extLst>
           </p:nvPr>
@@ -19818,10 +23288,10 @@
           <p:cNvPr id="31" name="Freeform: Shape 30">
             <a:extLst>
               <a:ext uri="{FF2B5EF4-FFF2-40B4-BE49-F238E27FC236}">
-                <a16:creationId xmlns="" xmlns:a16="http://schemas.microsoft.com/office/drawing/2014/main" id="{A5EC319D-0FEA-4B95-A3EA-01E35672C95B}"/>
+                <a16:creationId xmlns:a16="http://schemas.microsoft.com/office/drawing/2014/main" xmlns="" id="{A5EC319D-0FEA-4B95-A3EA-01E35672C95B}"/>
               </a:ext>
               <a:ext uri="{C183D7F6-B498-43B3-948B-1728B52AA6E4}">
-                <adec:decorative xmlns="" xmlns:adec="http://schemas.microsoft.com/office/drawing/2017/decorative" val="1"/>
+                <adec:decorative xmlns:adec="http://schemas.microsoft.com/office/drawing/2017/decorative" xmlns="" val="1"/>
               </a:ext>
             </a:extLst>
           </p:cNvPr>
@@ -19831,7 +23301,7 @@
           <p:nvPr>
             <p:extLst>
               <p:ext uri="{386F3935-93C4-4BCD-93E2-E3B085C9AB24}">
-                <p16:designElem xmlns="" xmlns:p16="http://schemas.microsoft.com/office/powerpoint/2015/main" val="1"/>
+                <p16:designElem xmlns:p16="http://schemas.microsoft.com/office/powerpoint/2015/main" xmlns="" val="1"/>
               </p:ext>
             </p:extLst>
           </p:nvPr>
@@ -19952,7 +23422,7 @@
           <p:cNvPr id="2" name="Title 1">
             <a:extLst>
               <a:ext uri="{FF2B5EF4-FFF2-40B4-BE49-F238E27FC236}">
-                <a16:creationId xmlns="" xmlns:a16="http://schemas.microsoft.com/office/drawing/2014/main" id="{B52C73C6-5401-F3D8-1E66-A98CCCF0B5F0}"/>
+                <a16:creationId xmlns:a16="http://schemas.microsoft.com/office/drawing/2014/main" xmlns="" id="{B52C73C6-5401-F3D8-1E66-A98CCCF0B5F0}"/>
               </a:ext>
             </a:extLst>
           </p:cNvPr>
@@ -20004,7 +23474,7 @@
           <p:cNvPr id="8" name="Picture 8">
             <a:extLst>
               <a:ext uri="{FF2B5EF4-FFF2-40B4-BE49-F238E27FC236}">
-                <a16:creationId xmlns="" xmlns:a16="http://schemas.microsoft.com/office/drawing/2014/main" id="{7E36EE30-BC41-E846-DDE8-313E3029607B}"/>
+                <a16:creationId xmlns:a16="http://schemas.microsoft.com/office/drawing/2014/main" xmlns="" id="{7E36EE30-BC41-E846-DDE8-313E3029607B}"/>
               </a:ext>
             </a:extLst>
           </p:cNvPr>
@@ -20040,7 +23510,7 @@
           <p:cNvPr id="3" name="Content Placeholder 2">
             <a:extLst>
               <a:ext uri="{FF2B5EF4-FFF2-40B4-BE49-F238E27FC236}">
-                <a16:creationId xmlns="" xmlns:a16="http://schemas.microsoft.com/office/drawing/2014/main" id="{EA1B6973-9C69-F0C3-7353-DFC6D8E9CEE1}"/>
+                <a16:creationId xmlns:a16="http://schemas.microsoft.com/office/drawing/2014/main" xmlns="" id="{EA1B6973-9C69-F0C3-7353-DFC6D8E9CEE1}"/>
               </a:ext>
             </a:extLst>
           </p:cNvPr>
@@ -20102,7 +23572,7 @@
           <p:cNvPr id="5" name="TextBox 4">
             <a:extLst>
               <a:ext uri="{FF2B5EF4-FFF2-40B4-BE49-F238E27FC236}">
-                <a16:creationId xmlns="" xmlns:a16="http://schemas.microsoft.com/office/drawing/2014/main" id="{3B222EDE-6ADE-125E-EC00-6F90DE2895E4}"/>
+                <a16:creationId xmlns:a16="http://schemas.microsoft.com/office/drawing/2014/main" xmlns="" id="{3B222EDE-6ADE-125E-EC00-6F90DE2895E4}"/>
               </a:ext>
             </a:extLst>
           </p:cNvPr>
@@ -20260,10 +23730,10 @@
           <p:cNvPr id="6" name="Rectangle 8">
             <a:extLst>
               <a:ext uri="{FF2B5EF4-FFF2-40B4-BE49-F238E27FC236}">
-                <a16:creationId xmlns="" xmlns:a16="http://schemas.microsoft.com/office/drawing/2014/main" id="{9F4444CE-BC8D-4D61-B303-4C05614E62AB}"/>
+                <a16:creationId xmlns:a16="http://schemas.microsoft.com/office/drawing/2014/main" xmlns="" id="{9F4444CE-BC8D-4D61-B303-4C05614E62AB}"/>
               </a:ext>
               <a:ext uri="{C183D7F6-B498-43B3-948B-1728B52AA6E4}">
-                <adec:decorative xmlns="" xmlns:adec="http://schemas.microsoft.com/office/drawing/2017/decorative" val="1"/>
+                <adec:decorative xmlns:adec="http://schemas.microsoft.com/office/drawing/2017/decorative" xmlns="" val="1"/>
               </a:ext>
             </a:extLst>
           </p:cNvPr>
@@ -20273,7 +23743,7 @@
           <p:nvPr>
             <p:extLst>
               <p:ext uri="{386F3935-93C4-4BCD-93E2-E3B085C9AB24}">
-                <p16:designElem xmlns="" xmlns:p16="http://schemas.microsoft.com/office/powerpoint/2015/main" val="1"/>
+                <p16:designElem xmlns:p16="http://schemas.microsoft.com/office/powerpoint/2015/main" xmlns="" val="1"/>
               </p:ext>
             </p:extLst>
           </p:nvPr>
@@ -20320,7 +23790,7 @@
           <p:cNvPr id="2" name="Title 1">
             <a:extLst>
               <a:ext uri="{FF2B5EF4-FFF2-40B4-BE49-F238E27FC236}">
-                <a16:creationId xmlns="" xmlns:a16="http://schemas.microsoft.com/office/drawing/2014/main" id="{0B265A9E-5FC1-D04E-5188-6D6FF8C2F9B5}"/>
+                <a16:creationId xmlns:a16="http://schemas.microsoft.com/office/drawing/2014/main" xmlns="" id="{0B265A9E-5FC1-D04E-5188-6D6FF8C2F9B5}"/>
               </a:ext>
             </a:extLst>
           </p:cNvPr>
@@ -20355,10 +23825,10 @@
           <p:cNvPr id="7" name="Isosceles Triangle 10">
             <a:extLst>
               <a:ext uri="{FF2B5EF4-FFF2-40B4-BE49-F238E27FC236}">
-                <a16:creationId xmlns="" xmlns:a16="http://schemas.microsoft.com/office/drawing/2014/main" id="{73772B81-181F-48B7-8826-4D9686D15DF5}"/>
+                <a16:creationId xmlns:a16="http://schemas.microsoft.com/office/drawing/2014/main" xmlns="" id="{73772B81-181F-48B7-8826-4D9686D15DF5}"/>
               </a:ext>
               <a:ext uri="{C183D7F6-B498-43B3-948B-1728B52AA6E4}">
-                <adec:decorative xmlns="" xmlns:adec="http://schemas.microsoft.com/office/drawing/2017/decorative" val="1"/>
+                <adec:decorative xmlns:adec="http://schemas.microsoft.com/office/drawing/2017/decorative" xmlns="" val="1"/>
               </a:ext>
             </a:extLst>
           </p:cNvPr>
@@ -20368,7 +23838,7 @@
           <p:nvPr>
             <p:extLst>
               <p:ext uri="{386F3935-93C4-4BCD-93E2-E3B085C9AB24}">
-                <p16:designElem xmlns="" xmlns:p16="http://schemas.microsoft.com/office/powerpoint/2015/main" val="1"/>
+                <p16:designElem xmlns:p16="http://schemas.microsoft.com/office/powerpoint/2015/main" xmlns="" val="1"/>
               </p:ext>
             </p:extLst>
           </p:nvPr>
@@ -20413,10 +23883,10 @@
           <p:cNvPr id="8" name="Isosceles Triangle 12">
             <a:extLst>
               <a:ext uri="{FF2B5EF4-FFF2-40B4-BE49-F238E27FC236}">
-                <a16:creationId xmlns="" xmlns:a16="http://schemas.microsoft.com/office/drawing/2014/main" id="{B2205F6E-03C6-4E92-877C-E2482F6599AA}"/>
+                <a16:creationId xmlns:a16="http://schemas.microsoft.com/office/drawing/2014/main" xmlns="" id="{B2205F6E-03C6-4E92-877C-E2482F6599AA}"/>
               </a:ext>
               <a:ext uri="{C183D7F6-B498-43B3-948B-1728B52AA6E4}">
-                <adec:decorative xmlns="" xmlns:adec="http://schemas.microsoft.com/office/drawing/2017/decorative" val="1"/>
+                <adec:decorative xmlns:adec="http://schemas.microsoft.com/office/drawing/2017/decorative" xmlns="" val="1"/>
               </a:ext>
             </a:extLst>
           </p:cNvPr>
@@ -20426,7 +23896,7 @@
           <p:nvPr>
             <p:extLst>
               <p:ext uri="{386F3935-93C4-4BCD-93E2-E3B085C9AB24}">
-                <p16:designElem xmlns="" xmlns:p16="http://schemas.microsoft.com/office/powerpoint/2015/main" val="1"/>
+                <p16:designElem xmlns:p16="http://schemas.microsoft.com/office/powerpoint/2015/main" xmlns="" val="1"/>
               </p:ext>
             </p:extLst>
           </p:nvPr>
@@ -20471,7 +23941,7 @@
           <p:cNvPr id="10" name="Content Placeholder 2">
             <a:extLst>
               <a:ext uri="{FF2B5EF4-FFF2-40B4-BE49-F238E27FC236}">
-                <a16:creationId xmlns="" xmlns:a16="http://schemas.microsoft.com/office/drawing/2014/main" id="{A01D74F2-D803-DD40-AB41-970F5BD32936}"/>
+                <a16:creationId xmlns:a16="http://schemas.microsoft.com/office/drawing/2014/main" xmlns="" id="{A01D74F2-D803-DD40-AB41-970F5BD32936}"/>
               </a:ext>
             </a:extLst>
           </p:cNvPr>
@@ -20532,10 +24002,10 @@
           <p:cNvPr id="75" name="Rectangle 74">
             <a:extLst>
               <a:ext uri="{FF2B5EF4-FFF2-40B4-BE49-F238E27FC236}">
-                <a16:creationId xmlns="" xmlns:a16="http://schemas.microsoft.com/office/drawing/2014/main" id="{655AE6B0-AC9E-4167-806F-E9DB135FC46B}"/>
+                <a16:creationId xmlns:a16="http://schemas.microsoft.com/office/drawing/2014/main" xmlns="" id="{655AE6B0-AC9E-4167-806F-E9DB135FC46B}"/>
               </a:ext>
               <a:ext uri="{C183D7F6-B498-43B3-948B-1728B52AA6E4}">
-                <adec:decorative xmlns="" xmlns:adec="http://schemas.microsoft.com/office/drawing/2017/decorative" val="1"/>
+                <adec:decorative xmlns:adec="http://schemas.microsoft.com/office/drawing/2017/decorative" xmlns="" val="1"/>
               </a:ext>
             </a:extLst>
           </p:cNvPr>
@@ -20545,7 +24015,7 @@
           <p:nvPr>
             <p:extLst>
               <p:ext uri="{386F3935-93C4-4BCD-93E2-E3B085C9AB24}">
-                <p16:designElem xmlns="" xmlns:p16="http://schemas.microsoft.com/office/powerpoint/2015/main" val="1"/>
+                <p16:designElem xmlns:p16="http://schemas.microsoft.com/office/powerpoint/2015/main" xmlns="" val="1"/>
               </p:ext>
             </p:extLst>
           </p:nvPr>
@@ -20592,7 +24062,7 @@
           <p:cNvPr id="2" name="Title 1">
             <a:extLst>
               <a:ext uri="{FF2B5EF4-FFF2-40B4-BE49-F238E27FC236}">
-                <a16:creationId xmlns="" xmlns:a16="http://schemas.microsoft.com/office/drawing/2014/main" id="{6AF4EDB9-4EBF-2CD5-BCE9-BBD5C657512D}"/>
+                <a16:creationId xmlns:a16="http://schemas.microsoft.com/office/drawing/2014/main" xmlns="" id="{6AF4EDB9-4EBF-2CD5-BCE9-BBD5C657512D}"/>
               </a:ext>
             </a:extLst>
           </p:cNvPr>
@@ -20647,10 +24117,10 @@
           <p:cNvPr id="77" name="Group 76">
             <a:extLst>
               <a:ext uri="{FF2B5EF4-FFF2-40B4-BE49-F238E27FC236}">
-                <a16:creationId xmlns="" xmlns:a16="http://schemas.microsoft.com/office/drawing/2014/main" id="{3523416A-383B-4FDC-B4C9-D8EDDFE9C043}"/>
+                <a16:creationId xmlns:a16="http://schemas.microsoft.com/office/drawing/2014/main" xmlns="" id="{3523416A-383B-4FDC-B4C9-D8EDDFE9C043}"/>
               </a:ext>
               <a:ext uri="{C183D7F6-B498-43B3-948B-1728B52AA6E4}">
-                <adec:decorative xmlns="" xmlns:adec="http://schemas.microsoft.com/office/drawing/2017/decorative" val="1"/>
+                <adec:decorative xmlns:adec="http://schemas.microsoft.com/office/drawing/2017/decorative" xmlns="" val="1"/>
               </a:ext>
             </a:extLst>
           </p:cNvPr>
@@ -20660,7 +24130,7 @@
           <p:nvPr>
             <p:extLst>
               <p:ext uri="{386F3935-93C4-4BCD-93E2-E3B085C9AB24}">
-                <p16:designElem xmlns="" xmlns:p16="http://schemas.microsoft.com/office/powerpoint/2015/main" val="1"/>
+                <p16:designElem xmlns:p16="http://schemas.microsoft.com/office/powerpoint/2015/main" xmlns="" val="1"/>
               </p:ext>
             </p:extLst>
           </p:nvPr>
@@ -20678,10 +24148,10 @@
             <p:cNvPr id="72" name="Straight Connector 77">
               <a:extLst>
                 <a:ext uri="{FF2B5EF4-FFF2-40B4-BE49-F238E27FC236}">
-                  <a16:creationId xmlns="" xmlns:a16="http://schemas.microsoft.com/office/drawing/2014/main" id="{CB0D29D5-3F7C-4197-821B-6D60A66CC04B}"/>
+                  <a16:creationId xmlns:a16="http://schemas.microsoft.com/office/drawing/2014/main" xmlns="" id="{CB0D29D5-3F7C-4197-821B-6D60A66CC04B}"/>
                 </a:ext>
                 <a:ext uri="{C183D7F6-B498-43B3-948B-1728B52AA6E4}">
-                  <adec:decorative xmlns="" xmlns:adec="http://schemas.microsoft.com/office/drawing/2017/decorative" val="1"/>
+                  <adec:decorative xmlns:adec="http://schemas.microsoft.com/office/drawing/2017/decorative" xmlns="" val="1"/>
                 </a:ext>
               </a:extLst>
             </p:cNvPr>
@@ -20689,7 +24159,7 @@
             <p:nvPr>
               <p:extLst>
                 <p:ext uri="{386F3935-93C4-4BCD-93E2-E3B085C9AB24}">
-                  <p16:designElem xmlns="" xmlns:p16="http://schemas.microsoft.com/office/powerpoint/2015/main" val="1"/>
+                  <p16:designElem xmlns:p16="http://schemas.microsoft.com/office/powerpoint/2015/main" xmlns="" val="1"/>
                 </p:ext>
               </p:extLst>
             </p:nvPr>
@@ -20730,10 +24200,10 @@
             <p:cNvPr id="79" name="Straight Connector 78">
               <a:extLst>
                 <a:ext uri="{FF2B5EF4-FFF2-40B4-BE49-F238E27FC236}">
-                  <a16:creationId xmlns="" xmlns:a16="http://schemas.microsoft.com/office/drawing/2014/main" id="{347FB49A-3541-428A-AADE-682A3C50563D}"/>
+                  <a16:creationId xmlns:a16="http://schemas.microsoft.com/office/drawing/2014/main" xmlns="" id="{347FB49A-3541-428A-AADE-682A3C50563D}"/>
                 </a:ext>
                 <a:ext uri="{C183D7F6-B498-43B3-948B-1728B52AA6E4}">
-                  <adec:decorative xmlns="" xmlns:adec="http://schemas.microsoft.com/office/drawing/2017/decorative" val="1"/>
+                  <adec:decorative xmlns:adec="http://schemas.microsoft.com/office/drawing/2017/decorative" xmlns="" val="1"/>
                 </a:ext>
               </a:extLst>
             </p:cNvPr>
@@ -20741,7 +24211,7 @@
             <p:nvPr>
               <p:extLst>
                 <p:ext uri="{386F3935-93C4-4BCD-93E2-E3B085C9AB24}">
-                  <p16:designElem xmlns="" xmlns:p16="http://schemas.microsoft.com/office/powerpoint/2015/main" val="1"/>
+                  <p16:designElem xmlns:p16="http://schemas.microsoft.com/office/powerpoint/2015/main" xmlns="" val="1"/>
                 </p:ext>
               </p:extLst>
             </p:nvPr>
@@ -20782,10 +24252,10 @@
             <p:cNvPr id="73" name="Rectangle 23">
               <a:extLst>
                 <a:ext uri="{FF2B5EF4-FFF2-40B4-BE49-F238E27FC236}">
-                  <a16:creationId xmlns="" xmlns:a16="http://schemas.microsoft.com/office/drawing/2014/main" id="{D96F53DC-08F1-42C6-B558-B83D54B27664}"/>
+                  <a16:creationId xmlns:a16="http://schemas.microsoft.com/office/drawing/2014/main" xmlns="" id="{D96F53DC-08F1-42C6-B558-B83D54B27664}"/>
                 </a:ext>
                 <a:ext uri="{C183D7F6-B498-43B3-948B-1728B52AA6E4}">
-                  <adec:decorative xmlns="" xmlns:adec="http://schemas.microsoft.com/office/drawing/2017/decorative" val="1"/>
+                  <adec:decorative xmlns:adec="http://schemas.microsoft.com/office/drawing/2017/decorative" xmlns="" val="1"/>
                 </a:ext>
               </a:extLst>
             </p:cNvPr>
@@ -20793,7 +24263,7 @@
             <p:nvPr>
               <p:extLst>
                 <p:ext uri="{386F3935-93C4-4BCD-93E2-E3B085C9AB24}">
-                  <p16:designElem xmlns="" xmlns:p16="http://schemas.microsoft.com/office/powerpoint/2015/main" val="1"/>
+                  <p16:designElem xmlns:p16="http://schemas.microsoft.com/office/powerpoint/2015/main" xmlns="" val="1"/>
                 </p:ext>
               </p:extLst>
             </p:nvPr>
@@ -20860,10 +24330,10 @@
             <p:cNvPr id="81" name="Rectangle 25">
               <a:extLst>
                 <a:ext uri="{FF2B5EF4-FFF2-40B4-BE49-F238E27FC236}">
-                  <a16:creationId xmlns="" xmlns:a16="http://schemas.microsoft.com/office/drawing/2014/main" id="{AFE48CAF-A51C-463F-A570-ED99439A5CA3}"/>
+                  <a16:creationId xmlns:a16="http://schemas.microsoft.com/office/drawing/2014/main" xmlns="" id="{AFE48CAF-A51C-463F-A570-ED99439A5CA3}"/>
                 </a:ext>
                 <a:ext uri="{C183D7F6-B498-43B3-948B-1728B52AA6E4}">
-                  <adec:decorative xmlns="" xmlns:adec="http://schemas.microsoft.com/office/drawing/2017/decorative" val="1"/>
+                  <adec:decorative xmlns:adec="http://schemas.microsoft.com/office/drawing/2017/decorative" xmlns="" val="1"/>
                 </a:ext>
               </a:extLst>
             </p:cNvPr>
@@ -20871,7 +24341,7 @@
             <p:nvPr>
               <p:extLst>
                 <p:ext uri="{386F3935-93C4-4BCD-93E2-E3B085C9AB24}">
-                  <p16:designElem xmlns="" xmlns:p16="http://schemas.microsoft.com/office/powerpoint/2015/main" val="1"/>
+                  <p16:designElem xmlns:p16="http://schemas.microsoft.com/office/powerpoint/2015/main" xmlns="" val="1"/>
                 </p:ext>
               </p:extLst>
             </p:nvPr>
@@ -20938,10 +24408,10 @@
             <p:cNvPr id="87" name="Isosceles Triangle 81">
               <a:extLst>
                 <a:ext uri="{FF2B5EF4-FFF2-40B4-BE49-F238E27FC236}">
-                  <a16:creationId xmlns="" xmlns:a16="http://schemas.microsoft.com/office/drawing/2014/main" id="{01F0C48B-50FF-4351-8207-16D096048311}"/>
+                  <a16:creationId xmlns:a16="http://schemas.microsoft.com/office/drawing/2014/main" xmlns="" id="{01F0C48B-50FF-4351-8207-16D096048311}"/>
                 </a:ext>
                 <a:ext uri="{C183D7F6-B498-43B3-948B-1728B52AA6E4}">
-                  <adec:decorative xmlns="" xmlns:adec="http://schemas.microsoft.com/office/drawing/2017/decorative" val="1"/>
+                  <adec:decorative xmlns:adec="http://schemas.microsoft.com/office/drawing/2017/decorative" xmlns="" val="1"/>
                 </a:ext>
               </a:extLst>
             </p:cNvPr>
@@ -20949,7 +24419,7 @@
             <p:nvPr>
               <p:extLst>
                 <p:ext uri="{386F3935-93C4-4BCD-93E2-E3B085C9AB24}">
-                  <p16:designElem xmlns="" xmlns:p16="http://schemas.microsoft.com/office/powerpoint/2015/main" val="1"/>
+                  <p16:designElem xmlns:p16="http://schemas.microsoft.com/office/powerpoint/2015/main" xmlns="" val="1"/>
                 </p:ext>
               </p:extLst>
             </p:nvPr>
@@ -20994,10 +24464,10 @@
             <p:cNvPr id="83" name="Rectangle 27">
               <a:extLst>
                 <a:ext uri="{FF2B5EF4-FFF2-40B4-BE49-F238E27FC236}">
-                  <a16:creationId xmlns="" xmlns:a16="http://schemas.microsoft.com/office/drawing/2014/main" id="{300384B6-5ED6-4F91-A548-B706D837513E}"/>
+                  <a16:creationId xmlns:a16="http://schemas.microsoft.com/office/drawing/2014/main" xmlns="" id="{300384B6-5ED6-4F91-A548-B706D837513E}"/>
                 </a:ext>
                 <a:ext uri="{C183D7F6-B498-43B3-948B-1728B52AA6E4}">
-                  <adec:decorative xmlns="" xmlns:adec="http://schemas.microsoft.com/office/drawing/2017/decorative" val="1"/>
+                  <adec:decorative xmlns:adec="http://schemas.microsoft.com/office/drawing/2017/decorative" xmlns="" val="1"/>
                 </a:ext>
               </a:extLst>
             </p:cNvPr>
@@ -21005,7 +24475,7 @@
             <p:nvPr>
               <p:extLst>
                 <p:ext uri="{386F3935-93C4-4BCD-93E2-E3B085C9AB24}">
-                  <p16:designElem xmlns="" xmlns:p16="http://schemas.microsoft.com/office/powerpoint/2015/main" val="1"/>
+                  <p16:designElem xmlns:p16="http://schemas.microsoft.com/office/powerpoint/2015/main" xmlns="" val="1"/>
                 </p:ext>
               </p:extLst>
             </p:nvPr>
@@ -21073,10 +24543,10 @@
             <p:cNvPr id="89" name="Rectangle 28">
               <a:extLst>
                 <a:ext uri="{FF2B5EF4-FFF2-40B4-BE49-F238E27FC236}">
-                  <a16:creationId xmlns="" xmlns:a16="http://schemas.microsoft.com/office/drawing/2014/main" id="{337AFFAE-C182-463C-9459-8AB3C69D9A29}"/>
+                  <a16:creationId xmlns:a16="http://schemas.microsoft.com/office/drawing/2014/main" xmlns="" id="{337AFFAE-C182-463C-9459-8AB3C69D9A29}"/>
                 </a:ext>
                 <a:ext uri="{C183D7F6-B498-43B3-948B-1728B52AA6E4}">
-                  <adec:decorative xmlns="" xmlns:adec="http://schemas.microsoft.com/office/drawing/2017/decorative" val="1"/>
+                  <adec:decorative xmlns:adec="http://schemas.microsoft.com/office/drawing/2017/decorative" xmlns="" val="1"/>
                 </a:ext>
               </a:extLst>
             </p:cNvPr>
@@ -21084,7 +24554,7 @@
             <p:nvPr>
               <p:extLst>
                 <p:ext uri="{386F3935-93C4-4BCD-93E2-E3B085C9AB24}">
-                  <p16:designElem xmlns="" xmlns:p16="http://schemas.microsoft.com/office/powerpoint/2015/main" val="1"/>
+                  <p16:designElem xmlns:p16="http://schemas.microsoft.com/office/powerpoint/2015/main" xmlns="" val="1"/>
                 </p:ext>
               </p:extLst>
             </p:nvPr>
@@ -21153,10 +24623,10 @@
             <p:cNvPr id="85" name="Rectangle 29">
               <a:extLst>
                 <a:ext uri="{FF2B5EF4-FFF2-40B4-BE49-F238E27FC236}">
-                  <a16:creationId xmlns="" xmlns:a16="http://schemas.microsoft.com/office/drawing/2014/main" id="{510ACF17-C3F0-42BF-BDEB-D079277121E4}"/>
+                  <a16:creationId xmlns:a16="http://schemas.microsoft.com/office/drawing/2014/main" xmlns="" id="{510ACF17-C3F0-42BF-BDEB-D079277121E4}"/>
                 </a:ext>
                 <a:ext uri="{C183D7F6-B498-43B3-948B-1728B52AA6E4}">
-                  <adec:decorative xmlns="" xmlns:adec="http://schemas.microsoft.com/office/drawing/2017/decorative" val="1"/>
+                  <adec:decorative xmlns:adec="http://schemas.microsoft.com/office/drawing/2017/decorative" xmlns="" val="1"/>
                 </a:ext>
               </a:extLst>
             </p:cNvPr>
@@ -21164,7 +24634,7 @@
             <p:nvPr>
               <p:extLst>
                 <p:ext uri="{386F3935-93C4-4BCD-93E2-E3B085C9AB24}">
-                  <p16:designElem xmlns="" xmlns:p16="http://schemas.microsoft.com/office/powerpoint/2015/main" val="1"/>
+                  <p16:designElem xmlns:p16="http://schemas.microsoft.com/office/powerpoint/2015/main" xmlns="" val="1"/>
                 </p:ext>
               </p:extLst>
             </p:nvPr>
@@ -21231,10 +24701,10 @@
             <p:cNvPr id="91" name="Isosceles Triangle 85">
               <a:extLst>
                 <a:ext uri="{FF2B5EF4-FFF2-40B4-BE49-F238E27FC236}">
-                  <a16:creationId xmlns="" xmlns:a16="http://schemas.microsoft.com/office/drawing/2014/main" id="{E804EFD0-B84E-476F-9FC6-6C4A42EA0054}"/>
+                  <a16:creationId xmlns:a16="http://schemas.microsoft.com/office/drawing/2014/main" xmlns="" id="{E804EFD0-B84E-476F-9FC6-6C4A42EA0054}"/>
                 </a:ext>
                 <a:ext uri="{C183D7F6-B498-43B3-948B-1728B52AA6E4}">
-                  <adec:decorative xmlns="" xmlns:adec="http://schemas.microsoft.com/office/drawing/2017/decorative" val="1"/>
+                  <adec:decorative xmlns:adec="http://schemas.microsoft.com/office/drawing/2017/decorative" xmlns="" val="1"/>
                 </a:ext>
               </a:extLst>
             </p:cNvPr>
@@ -21242,7 +24712,7 @@
             <p:nvPr>
               <p:extLst>
                 <p:ext uri="{386F3935-93C4-4BCD-93E2-E3B085C9AB24}">
-                  <p16:designElem xmlns="" xmlns:p16="http://schemas.microsoft.com/office/powerpoint/2015/main" val="1"/>
+                  <p16:designElem xmlns:p16="http://schemas.microsoft.com/office/powerpoint/2015/main" xmlns="" val="1"/>
                 </p:ext>
               </p:extLst>
             </p:nvPr>
@@ -21288,10 +24758,10 @@
           <p:cNvPr id="93" name="Rectangle 87">
             <a:extLst>
               <a:ext uri="{FF2B5EF4-FFF2-40B4-BE49-F238E27FC236}">
-                <a16:creationId xmlns="" xmlns:a16="http://schemas.microsoft.com/office/drawing/2014/main" id="{87BD1F4E-A66D-4C06-86DA-8D56CA7A3B41}"/>
+                <a16:creationId xmlns:a16="http://schemas.microsoft.com/office/drawing/2014/main" xmlns="" id="{87BD1F4E-A66D-4C06-86DA-8D56CA7A3B41}"/>
               </a:ext>
               <a:ext uri="{C183D7F6-B498-43B3-948B-1728B52AA6E4}">
-                <adec:decorative xmlns="" xmlns:adec="http://schemas.microsoft.com/office/drawing/2017/decorative" val="1"/>
+                <adec:decorative xmlns:adec="http://schemas.microsoft.com/office/drawing/2017/decorative" xmlns="" val="1"/>
               </a:ext>
             </a:extLst>
           </p:cNvPr>
@@ -21301,7 +24771,7 @@
           <p:nvPr>
             <p:extLst>
               <p:ext uri="{386F3935-93C4-4BCD-93E2-E3B085C9AB24}">
-                <p16:designElem xmlns="" xmlns:p16="http://schemas.microsoft.com/office/powerpoint/2015/main" val="1"/>
+                <p16:designElem xmlns:p16="http://schemas.microsoft.com/office/powerpoint/2015/main" xmlns="" val="1"/>
               </p:ext>
             </p:extLst>
           </p:nvPr>
@@ -21348,7 +24818,7 @@
           <p:cNvPr id="4" name="TextBox 3">
             <a:extLst>
               <a:ext uri="{FF2B5EF4-FFF2-40B4-BE49-F238E27FC236}">
-                <a16:creationId xmlns="" xmlns:a16="http://schemas.microsoft.com/office/drawing/2014/main" id="{7C86E2F9-A684-EFE1-D2CA-E5655FCC8634}"/>
+                <a16:creationId xmlns:a16="http://schemas.microsoft.com/office/drawing/2014/main" xmlns="" id="{7C86E2F9-A684-EFE1-D2CA-E5655FCC8634}"/>
               </a:ext>
             </a:extLst>
           </p:cNvPr>
@@ -21384,7 +24854,7 @@
           <p:cNvPr id="71" name="Content Placeholder 2">
             <a:extLst>
               <a:ext uri="{FF2B5EF4-FFF2-40B4-BE49-F238E27FC236}">
-                <a16:creationId xmlns="" xmlns:a16="http://schemas.microsoft.com/office/drawing/2014/main" id="{763C0C5A-58B3-E26A-3229-7DFD7A1CB5D0}"/>
+                <a16:creationId xmlns:a16="http://schemas.microsoft.com/office/drawing/2014/main" xmlns="" id="{763C0C5A-58B3-E26A-3229-7DFD7A1CB5D0}"/>
               </a:ext>
             </a:extLst>
           </p:cNvPr>
@@ -21445,10 +24915,10 @@
           <p:cNvPr id="14" name="Rectangle 13">
             <a:extLst>
               <a:ext uri="{FF2B5EF4-FFF2-40B4-BE49-F238E27FC236}">
-                <a16:creationId xmlns="" xmlns:a16="http://schemas.microsoft.com/office/drawing/2014/main" id="{655AE6B0-AC9E-4167-806F-E9DB135FC46B}"/>
+                <a16:creationId xmlns:a16="http://schemas.microsoft.com/office/drawing/2014/main" xmlns="" id="{655AE6B0-AC9E-4167-806F-E9DB135FC46B}"/>
               </a:ext>
               <a:ext uri="{C183D7F6-B498-43B3-948B-1728B52AA6E4}">
-                <adec:decorative xmlns="" xmlns:adec="http://schemas.microsoft.com/office/drawing/2017/decorative" val="1"/>
+                <adec:decorative xmlns:adec="http://schemas.microsoft.com/office/drawing/2017/decorative" xmlns="" val="1"/>
               </a:ext>
             </a:extLst>
           </p:cNvPr>
@@ -21458,7 +24928,7 @@
           <p:nvPr>
             <p:extLst>
               <p:ext uri="{386F3935-93C4-4BCD-93E2-E3B085C9AB24}">
-                <p16:designElem xmlns="" xmlns:p16="http://schemas.microsoft.com/office/powerpoint/2015/main" val="1"/>
+                <p16:designElem xmlns:p16="http://schemas.microsoft.com/office/powerpoint/2015/main" xmlns="" val="1"/>
               </p:ext>
             </p:extLst>
           </p:nvPr>
@@ -21505,7 +24975,7 @@
           <p:cNvPr id="2" name="Title 1">
             <a:extLst>
               <a:ext uri="{FF2B5EF4-FFF2-40B4-BE49-F238E27FC236}">
-                <a16:creationId xmlns="" xmlns:a16="http://schemas.microsoft.com/office/drawing/2014/main" id="{A2BCE7A4-E0B6-CD96-64D6-3BBFC12429BD}"/>
+                <a16:creationId xmlns:a16="http://schemas.microsoft.com/office/drawing/2014/main" xmlns="" id="{A2BCE7A4-E0B6-CD96-64D6-3BBFC12429BD}"/>
               </a:ext>
             </a:extLst>
           </p:cNvPr>
@@ -21548,10 +25018,10 @@
           <p:cNvPr id="16" name="Group 15">
             <a:extLst>
               <a:ext uri="{FF2B5EF4-FFF2-40B4-BE49-F238E27FC236}">
-                <a16:creationId xmlns="" xmlns:a16="http://schemas.microsoft.com/office/drawing/2014/main" id="{3523416A-383B-4FDC-B4C9-D8EDDFE9C043}"/>
+                <a16:creationId xmlns:a16="http://schemas.microsoft.com/office/drawing/2014/main" xmlns="" id="{3523416A-383B-4FDC-B4C9-D8EDDFE9C043}"/>
               </a:ext>
               <a:ext uri="{C183D7F6-B498-43B3-948B-1728B52AA6E4}">
-                <adec:decorative xmlns="" xmlns:adec="http://schemas.microsoft.com/office/drawing/2017/decorative" val="1"/>
+                <adec:decorative xmlns:adec="http://schemas.microsoft.com/office/drawing/2017/decorative" xmlns="" val="1"/>
               </a:ext>
             </a:extLst>
           </p:cNvPr>
@@ -21561,7 +25031,7 @@
           <p:nvPr>
             <p:extLst>
               <p:ext uri="{386F3935-93C4-4BCD-93E2-E3B085C9AB24}">
-                <p16:designElem xmlns="" xmlns:p16="http://schemas.microsoft.com/office/powerpoint/2015/main" val="1"/>
+                <p16:designElem xmlns:p16="http://schemas.microsoft.com/office/powerpoint/2015/main" xmlns="" val="1"/>
               </p:ext>
             </p:extLst>
           </p:nvPr>
@@ -21579,10 +25049,10 @@
             <p:cNvPr id="17" name="Straight Connector 16">
               <a:extLst>
                 <a:ext uri="{FF2B5EF4-FFF2-40B4-BE49-F238E27FC236}">
-                  <a16:creationId xmlns="" xmlns:a16="http://schemas.microsoft.com/office/drawing/2014/main" id="{CB0D29D5-3F7C-4197-821B-6D60A66CC04B}"/>
+                  <a16:creationId xmlns:a16="http://schemas.microsoft.com/office/drawing/2014/main" xmlns="" id="{CB0D29D5-3F7C-4197-821B-6D60A66CC04B}"/>
                 </a:ext>
                 <a:ext uri="{C183D7F6-B498-43B3-948B-1728B52AA6E4}">
-                  <adec:decorative xmlns="" xmlns:adec="http://schemas.microsoft.com/office/drawing/2017/decorative" val="1"/>
+                  <adec:decorative xmlns:adec="http://schemas.microsoft.com/office/drawing/2017/decorative" xmlns="" val="1"/>
                 </a:ext>
               </a:extLst>
             </p:cNvPr>
@@ -21590,7 +25060,7 @@
             <p:nvPr>
               <p:extLst>
                 <p:ext uri="{386F3935-93C4-4BCD-93E2-E3B085C9AB24}">
-                  <p16:designElem xmlns="" xmlns:p16="http://schemas.microsoft.com/office/powerpoint/2015/main" val="1"/>
+                  <p16:designElem xmlns:p16="http://schemas.microsoft.com/office/powerpoint/2015/main" xmlns="" val="1"/>
                 </p:ext>
               </p:extLst>
             </p:nvPr>
@@ -21631,10 +25101,10 @@
             <p:cNvPr id="18" name="Straight Connector 17">
               <a:extLst>
                 <a:ext uri="{FF2B5EF4-FFF2-40B4-BE49-F238E27FC236}">
-                  <a16:creationId xmlns="" xmlns:a16="http://schemas.microsoft.com/office/drawing/2014/main" id="{347FB49A-3541-428A-AADE-682A3C50563D}"/>
+                  <a16:creationId xmlns:a16="http://schemas.microsoft.com/office/drawing/2014/main" xmlns="" id="{347FB49A-3541-428A-AADE-682A3C50563D}"/>
                 </a:ext>
                 <a:ext uri="{C183D7F6-B498-43B3-948B-1728B52AA6E4}">
-                  <adec:decorative xmlns="" xmlns:adec="http://schemas.microsoft.com/office/drawing/2017/decorative" val="1"/>
+                  <adec:decorative xmlns:adec="http://schemas.microsoft.com/office/drawing/2017/decorative" xmlns="" val="1"/>
                 </a:ext>
               </a:extLst>
             </p:cNvPr>
@@ -21642,7 +25112,7 @@
             <p:nvPr>
               <p:extLst>
                 <p:ext uri="{386F3935-93C4-4BCD-93E2-E3B085C9AB24}">
-                  <p16:designElem xmlns="" xmlns:p16="http://schemas.microsoft.com/office/powerpoint/2015/main" val="1"/>
+                  <p16:designElem xmlns:p16="http://schemas.microsoft.com/office/powerpoint/2015/main" xmlns="" val="1"/>
                 </p:ext>
               </p:extLst>
             </p:nvPr>
@@ -21683,10 +25153,10 @@
             <p:cNvPr id="19" name="Rectangle 23">
               <a:extLst>
                 <a:ext uri="{FF2B5EF4-FFF2-40B4-BE49-F238E27FC236}">
-                  <a16:creationId xmlns="" xmlns:a16="http://schemas.microsoft.com/office/drawing/2014/main" id="{D96F53DC-08F1-42C6-B558-B83D54B27664}"/>
+                  <a16:creationId xmlns:a16="http://schemas.microsoft.com/office/drawing/2014/main" xmlns="" id="{D96F53DC-08F1-42C6-B558-B83D54B27664}"/>
                 </a:ext>
                 <a:ext uri="{C183D7F6-B498-43B3-948B-1728B52AA6E4}">
-                  <adec:decorative xmlns="" xmlns:adec="http://schemas.microsoft.com/office/drawing/2017/decorative" val="1"/>
+                  <adec:decorative xmlns:adec="http://schemas.microsoft.com/office/drawing/2017/decorative" xmlns="" val="1"/>
                 </a:ext>
               </a:extLst>
             </p:cNvPr>
@@ -21694,7 +25164,7 @@
             <p:nvPr>
               <p:extLst>
                 <p:ext uri="{386F3935-93C4-4BCD-93E2-E3B085C9AB24}">
-                  <p16:designElem xmlns="" xmlns:p16="http://schemas.microsoft.com/office/powerpoint/2015/main" val="1"/>
+                  <p16:designElem xmlns:p16="http://schemas.microsoft.com/office/powerpoint/2015/main" xmlns="" val="1"/>
                 </p:ext>
               </p:extLst>
             </p:nvPr>
@@ -21761,10 +25231,10 @@
             <p:cNvPr id="20" name="Rectangle 25">
               <a:extLst>
                 <a:ext uri="{FF2B5EF4-FFF2-40B4-BE49-F238E27FC236}">
-                  <a16:creationId xmlns="" xmlns:a16="http://schemas.microsoft.com/office/drawing/2014/main" id="{AFE48CAF-A51C-463F-A570-ED99439A5CA3}"/>
+                  <a16:creationId xmlns:a16="http://schemas.microsoft.com/office/drawing/2014/main" xmlns="" id="{AFE48CAF-A51C-463F-A570-ED99439A5CA3}"/>
                 </a:ext>
                 <a:ext uri="{C183D7F6-B498-43B3-948B-1728B52AA6E4}">
-                  <adec:decorative xmlns="" xmlns:adec="http://schemas.microsoft.com/office/drawing/2017/decorative" val="1"/>
+                  <adec:decorative xmlns:adec="http://schemas.microsoft.com/office/drawing/2017/decorative" xmlns="" val="1"/>
                 </a:ext>
               </a:extLst>
             </p:cNvPr>
@@ -21772,7 +25242,7 @@
             <p:nvPr>
               <p:extLst>
                 <p:ext uri="{386F3935-93C4-4BCD-93E2-E3B085C9AB24}">
-                  <p16:designElem xmlns="" xmlns:p16="http://schemas.microsoft.com/office/powerpoint/2015/main" val="1"/>
+                  <p16:designElem xmlns:p16="http://schemas.microsoft.com/office/powerpoint/2015/main" xmlns="" val="1"/>
                 </p:ext>
               </p:extLst>
             </p:nvPr>
@@ -21839,10 +25309,10 @@
             <p:cNvPr id="21" name="Isosceles Triangle 20">
               <a:extLst>
                 <a:ext uri="{FF2B5EF4-FFF2-40B4-BE49-F238E27FC236}">
-                  <a16:creationId xmlns="" xmlns:a16="http://schemas.microsoft.com/office/drawing/2014/main" id="{01F0C48B-50FF-4351-8207-16D096048311}"/>
+                  <a16:creationId xmlns:a16="http://schemas.microsoft.com/office/drawing/2014/main" xmlns="" id="{01F0C48B-50FF-4351-8207-16D096048311}"/>
                 </a:ext>
                 <a:ext uri="{C183D7F6-B498-43B3-948B-1728B52AA6E4}">
-                  <adec:decorative xmlns="" xmlns:adec="http://schemas.microsoft.com/office/drawing/2017/decorative" val="1"/>
+                  <adec:decorative xmlns:adec="http://schemas.microsoft.com/office/drawing/2017/decorative" xmlns="" val="1"/>
                 </a:ext>
               </a:extLst>
             </p:cNvPr>
@@ -21850,7 +25320,7 @@
             <p:nvPr>
               <p:extLst>
                 <p:ext uri="{386F3935-93C4-4BCD-93E2-E3B085C9AB24}">
-                  <p16:designElem xmlns="" xmlns:p16="http://schemas.microsoft.com/office/powerpoint/2015/main" val="1"/>
+                  <p16:designElem xmlns:p16="http://schemas.microsoft.com/office/powerpoint/2015/main" xmlns="" val="1"/>
                 </p:ext>
               </p:extLst>
             </p:nvPr>
@@ -21895,10 +25365,10 @@
             <p:cNvPr id="22" name="Rectangle 27">
               <a:extLst>
                 <a:ext uri="{FF2B5EF4-FFF2-40B4-BE49-F238E27FC236}">
-                  <a16:creationId xmlns="" xmlns:a16="http://schemas.microsoft.com/office/drawing/2014/main" id="{300384B6-5ED6-4F91-A548-B706D837513E}"/>
+                  <a16:creationId xmlns:a16="http://schemas.microsoft.com/office/drawing/2014/main" xmlns="" id="{300384B6-5ED6-4F91-A548-B706D837513E}"/>
                 </a:ext>
                 <a:ext uri="{C183D7F6-B498-43B3-948B-1728B52AA6E4}">
-                  <adec:decorative xmlns="" xmlns:adec="http://schemas.microsoft.com/office/drawing/2017/decorative" val="1"/>
+                  <adec:decorative xmlns:adec="http://schemas.microsoft.com/office/drawing/2017/decorative" xmlns="" val="1"/>
                 </a:ext>
               </a:extLst>
             </p:cNvPr>
@@ -21906,7 +25376,7 @@
             <p:nvPr>
               <p:extLst>
                 <p:ext uri="{386F3935-93C4-4BCD-93E2-E3B085C9AB24}">
-                  <p16:designElem xmlns="" xmlns:p16="http://schemas.microsoft.com/office/powerpoint/2015/main" val="1"/>
+                  <p16:designElem xmlns:p16="http://schemas.microsoft.com/office/powerpoint/2015/main" xmlns="" val="1"/>
                 </p:ext>
               </p:extLst>
             </p:nvPr>
@@ -21974,10 +25444,10 @@
             <p:cNvPr id="23" name="Rectangle 28">
               <a:extLst>
                 <a:ext uri="{FF2B5EF4-FFF2-40B4-BE49-F238E27FC236}">
-                  <a16:creationId xmlns="" xmlns:a16="http://schemas.microsoft.com/office/drawing/2014/main" id="{337AFFAE-C182-463C-9459-8AB3C69D9A29}"/>
+                  <a16:creationId xmlns:a16="http://schemas.microsoft.com/office/drawing/2014/main" xmlns="" id="{337AFFAE-C182-463C-9459-8AB3C69D9A29}"/>
                 </a:ext>
                 <a:ext uri="{C183D7F6-B498-43B3-948B-1728B52AA6E4}">
-                  <adec:decorative xmlns="" xmlns:adec="http://schemas.microsoft.com/office/drawing/2017/decorative" val="1"/>
+                  <adec:decorative xmlns:adec="http://schemas.microsoft.com/office/drawing/2017/decorative" xmlns="" val="1"/>
                 </a:ext>
               </a:extLst>
             </p:cNvPr>
@@ -21985,7 +25455,7 @@
             <p:nvPr>
               <p:extLst>
                 <p:ext uri="{386F3935-93C4-4BCD-93E2-E3B085C9AB24}">
-                  <p16:designElem xmlns="" xmlns:p16="http://schemas.microsoft.com/office/powerpoint/2015/main" val="1"/>
+                  <p16:designElem xmlns:p16="http://schemas.microsoft.com/office/powerpoint/2015/main" xmlns="" val="1"/>
                 </p:ext>
               </p:extLst>
             </p:nvPr>
@@ -22054,10 +25524,10 @@
             <p:cNvPr id="24" name="Rectangle 29">
               <a:extLst>
                 <a:ext uri="{FF2B5EF4-FFF2-40B4-BE49-F238E27FC236}">
-                  <a16:creationId xmlns="" xmlns:a16="http://schemas.microsoft.com/office/drawing/2014/main" id="{510ACF17-C3F0-42BF-BDEB-D079277121E4}"/>
+                  <a16:creationId xmlns:a16="http://schemas.microsoft.com/office/drawing/2014/main" xmlns="" id="{510ACF17-C3F0-42BF-BDEB-D079277121E4}"/>
                 </a:ext>
                 <a:ext uri="{C183D7F6-B498-43B3-948B-1728B52AA6E4}">
-                  <adec:decorative xmlns="" xmlns:adec="http://schemas.microsoft.com/office/drawing/2017/decorative" val="1"/>
+                  <adec:decorative xmlns:adec="http://schemas.microsoft.com/office/drawing/2017/decorative" xmlns="" val="1"/>
                 </a:ext>
               </a:extLst>
             </p:cNvPr>
@@ -22065,7 +25535,7 @@
             <p:nvPr>
               <p:extLst>
                 <p:ext uri="{386F3935-93C4-4BCD-93E2-E3B085C9AB24}">
-                  <p16:designElem xmlns="" xmlns:p16="http://schemas.microsoft.com/office/powerpoint/2015/main" val="1"/>
+                  <p16:designElem xmlns:p16="http://schemas.microsoft.com/office/powerpoint/2015/main" xmlns="" val="1"/>
                 </p:ext>
               </p:extLst>
             </p:nvPr>
@@ -22132,10 +25602,10 @@
             <p:cNvPr id="25" name="Isosceles Triangle 24">
               <a:extLst>
                 <a:ext uri="{FF2B5EF4-FFF2-40B4-BE49-F238E27FC236}">
-                  <a16:creationId xmlns="" xmlns:a16="http://schemas.microsoft.com/office/drawing/2014/main" id="{E804EFD0-B84E-476F-9FC6-6C4A42EA0054}"/>
+                  <a16:creationId xmlns:a16="http://schemas.microsoft.com/office/drawing/2014/main" xmlns="" id="{E804EFD0-B84E-476F-9FC6-6C4A42EA0054}"/>
                 </a:ext>
                 <a:ext uri="{C183D7F6-B498-43B3-948B-1728B52AA6E4}">
-                  <adec:decorative xmlns="" xmlns:adec="http://schemas.microsoft.com/office/drawing/2017/decorative" val="1"/>
+                  <adec:decorative xmlns:adec="http://schemas.microsoft.com/office/drawing/2017/decorative" xmlns="" val="1"/>
                 </a:ext>
               </a:extLst>
             </p:cNvPr>
@@ -22143,7 +25613,7 @@
             <p:nvPr>
               <p:extLst>
                 <p:ext uri="{386F3935-93C4-4BCD-93E2-E3B085C9AB24}">
-                  <p16:designElem xmlns="" xmlns:p16="http://schemas.microsoft.com/office/powerpoint/2015/main" val="1"/>
+                  <p16:designElem xmlns:p16="http://schemas.microsoft.com/office/powerpoint/2015/main" xmlns="" val="1"/>
                 </p:ext>
               </p:extLst>
             </p:nvPr>
@@ -22189,10 +25659,10 @@
           <p:cNvPr id="27" name="Rectangle 26">
             <a:extLst>
               <a:ext uri="{FF2B5EF4-FFF2-40B4-BE49-F238E27FC236}">
-                <a16:creationId xmlns="" xmlns:a16="http://schemas.microsoft.com/office/drawing/2014/main" id="{87BD1F4E-A66D-4C06-86DA-8D56CA7A3B41}"/>
+                <a16:creationId xmlns:a16="http://schemas.microsoft.com/office/drawing/2014/main" xmlns="" id="{87BD1F4E-A66D-4C06-86DA-8D56CA7A3B41}"/>
               </a:ext>
               <a:ext uri="{C183D7F6-B498-43B3-948B-1728B52AA6E4}">
-                <adec:decorative xmlns="" xmlns:adec="http://schemas.microsoft.com/office/drawing/2017/decorative" val="1"/>
+                <adec:decorative xmlns:adec="http://schemas.microsoft.com/office/drawing/2017/decorative" xmlns="" val="1"/>
               </a:ext>
             </a:extLst>
           </p:cNvPr>
@@ -22202,7 +25672,7 @@
           <p:nvPr>
             <p:extLst>
               <p:ext uri="{386F3935-93C4-4BCD-93E2-E3B085C9AB24}">
-                <p16:designElem xmlns="" xmlns:p16="http://schemas.microsoft.com/office/powerpoint/2015/main" val="1"/>
+                <p16:designElem xmlns:p16="http://schemas.microsoft.com/office/powerpoint/2015/main" xmlns="" val="1"/>
               </p:ext>
             </p:extLst>
           </p:nvPr>
@@ -22249,7 +25719,7 @@
           <p:cNvPr id="10" name="Content Placeholder 2">
             <a:extLst>
               <a:ext uri="{FF2B5EF4-FFF2-40B4-BE49-F238E27FC236}">
-                <a16:creationId xmlns="" xmlns:a16="http://schemas.microsoft.com/office/drawing/2014/main" id="{FD230C0E-E8CB-3385-61D8-172675D994BF}"/>
+                <a16:creationId xmlns:a16="http://schemas.microsoft.com/office/drawing/2014/main" xmlns="" id="{FD230C0E-E8CB-3385-61D8-172675D994BF}"/>
               </a:ext>
             </a:extLst>
           </p:cNvPr>
@@ -22305,12 +25775,877 @@
           <a:chExt cx="0" cy="0"/>
         </a:xfrm>
       </p:grpSpPr>
+      <p:sp useBgFill="1">
+        <p:nvSpPr>
+          <p:cNvPr id="14" name="Rectangle 13">
+            <a:extLst>
+              <a:ext uri="{FF2B5EF4-FFF2-40B4-BE49-F238E27FC236}">
+                <a16:creationId xmlns:a16="http://schemas.microsoft.com/office/drawing/2014/main" xmlns="" id="{655AE6B0-AC9E-4167-806F-E9DB135FC46B}"/>
+              </a:ext>
+              <a:ext uri="{C183D7F6-B498-43B3-948B-1728B52AA6E4}">
+                <adec:decorative xmlns:adec="http://schemas.microsoft.com/office/drawing/2017/decorative" xmlns="" val="1"/>
+              </a:ext>
+            </a:extLst>
+          </p:cNvPr>
+          <p:cNvSpPr>
+            <a:spLocks noGrp="1" noRot="1" noChangeAspect="1" noMove="1" noResize="1" noEditPoints="1" noAdjustHandles="1" noChangeArrowheads="1" noChangeShapeType="1" noTextEdit="1"/>
+          </p:cNvSpPr>
+          <p:nvPr>
+            <p:extLst>
+              <p:ext uri="{386F3935-93C4-4BCD-93E2-E3B085C9AB24}">
+                <p16:designElem xmlns:p16="http://schemas.microsoft.com/office/powerpoint/2015/main" xmlns="" val="1"/>
+              </p:ext>
+            </p:extLst>
+          </p:nvPr>
+        </p:nvSpPr>
+        <p:spPr>
+          <a:xfrm>
+            <a:off x="0" y="0"/>
+            <a:ext cx="12192000" cy="6858000"/>
+          </a:xfrm>
+          <a:prstGeom prst="rect">
+            <a:avLst/>
+          </a:prstGeom>
+          <a:ln>
+            <a:noFill/>
+          </a:ln>
+        </p:spPr>
+        <p:style>
+          <a:lnRef idx="2">
+            <a:schemeClr val="accent1">
+              <a:shade val="50000"/>
+            </a:schemeClr>
+          </a:lnRef>
+          <a:fillRef idx="1">
+            <a:schemeClr val="accent1"/>
+          </a:fillRef>
+          <a:effectRef idx="0">
+            <a:schemeClr val="accent1"/>
+          </a:effectRef>
+          <a:fontRef idx="minor">
+            <a:schemeClr val="lt1"/>
+          </a:fontRef>
+        </p:style>
+        <p:txBody>
+          <a:bodyPr rtlCol="0" anchor="ctr"/>
+          <a:lstStyle/>
+          <a:p>
+            <a:pPr algn="ctr"/>
+            <a:endParaRPr lang="en-US" dirty="0"/>
+          </a:p>
+        </p:txBody>
+      </p:sp>
       <p:sp>
         <p:nvSpPr>
           <p:cNvPr id="2" name="Title 1">
             <a:extLst>
               <a:ext uri="{FF2B5EF4-FFF2-40B4-BE49-F238E27FC236}">
-                <a16:creationId xmlns="" xmlns:a16="http://schemas.microsoft.com/office/drawing/2014/main" id="{3A498BA8-4A75-D754-F8AE-050A167999E8}"/>
+                <a16:creationId xmlns:a16="http://schemas.microsoft.com/office/drawing/2014/main" xmlns="" id="{A2BCE7A4-E0B6-CD96-64D6-3BBFC12429BD}"/>
+              </a:ext>
+            </a:extLst>
+          </p:cNvPr>
+          <p:cNvSpPr>
+            <a:spLocks noGrp="1"/>
+          </p:cNvSpPr>
+          <p:nvPr>
+            <p:ph type="title"/>
+          </p:nvPr>
+        </p:nvSpPr>
+        <p:spPr>
+          <a:xfrm>
+            <a:off x="189937" y="1416193"/>
+            <a:ext cx="4649888" cy="3805481"/>
+          </a:xfrm>
+        </p:spPr>
+        <p:txBody>
+          <a:bodyPr anchor="ctr">
+            <a:normAutofit/>
+          </a:bodyPr>
+          <a:lstStyle/>
+          <a:p>
+            <a:r>
+              <a:rPr lang="en-US" sz="4400" dirty="0" smtClean="0"/>
+              <a:t>Prescription Controller</a:t>
+            </a:r>
+            <a:r>
+              <a:rPr lang="en-US" sz="4400" dirty="0"/>
+              <a:t/>
+            </a:r>
+            <a:br>
+              <a:rPr lang="en-US" sz="4400" dirty="0"/>
+            </a:br>
+            <a:endParaRPr lang="en-US" sz="4400" dirty="0"/>
+          </a:p>
+        </p:txBody>
+      </p:sp>
+      <p:grpSp>
+        <p:nvGrpSpPr>
+          <p:cNvPr id="16" name="Group 15">
+            <a:extLst>
+              <a:ext uri="{FF2B5EF4-FFF2-40B4-BE49-F238E27FC236}">
+                <a16:creationId xmlns:a16="http://schemas.microsoft.com/office/drawing/2014/main" xmlns="" id="{3523416A-383B-4FDC-B4C9-D8EDDFE9C043}"/>
+              </a:ext>
+              <a:ext uri="{C183D7F6-B498-43B3-948B-1728B52AA6E4}">
+                <adec:decorative xmlns:adec="http://schemas.microsoft.com/office/drawing/2017/decorative" xmlns="" val="1"/>
+              </a:ext>
+            </a:extLst>
+          </p:cNvPr>
+          <p:cNvGrpSpPr>
+            <a:grpSpLocks noGrp="1" noUngrp="1" noRot="1" noChangeAspect="1" noMove="1" noResize="1"/>
+          </p:cNvGrpSpPr>
+          <p:nvPr>
+            <p:extLst>
+              <p:ext uri="{386F3935-93C4-4BCD-93E2-E3B085C9AB24}">
+                <p16:designElem xmlns:p16="http://schemas.microsoft.com/office/powerpoint/2015/main" xmlns="" val="1"/>
+              </p:ext>
+            </p:extLst>
+          </p:nvPr>
+        </p:nvGrpSpPr>
+        <p:grpSpPr>
+          <a:xfrm>
+            <a:off x="1329267" y="-8467"/>
+            <a:ext cx="4766733" cy="6866467"/>
+            <a:chOff x="7425267" y="-8467"/>
+            <a:chExt cx="4766733" cy="6866467"/>
+          </a:xfrm>
+        </p:grpSpPr>
+        <p:cxnSp>
+          <p:nvCxnSpPr>
+            <p:cNvPr id="17" name="Straight Connector 16">
+              <a:extLst>
+                <a:ext uri="{FF2B5EF4-FFF2-40B4-BE49-F238E27FC236}">
+                  <a16:creationId xmlns:a16="http://schemas.microsoft.com/office/drawing/2014/main" xmlns="" id="{CB0D29D5-3F7C-4197-821B-6D60A66CC04B}"/>
+                </a:ext>
+                <a:ext uri="{C183D7F6-B498-43B3-948B-1728B52AA6E4}">
+                  <adec:decorative xmlns:adec="http://schemas.microsoft.com/office/drawing/2017/decorative" xmlns="" val="1"/>
+                </a:ext>
+              </a:extLst>
+            </p:cNvPr>
+            <p:cNvCxnSpPr/>
+            <p:nvPr>
+              <p:extLst>
+                <p:ext uri="{386F3935-93C4-4BCD-93E2-E3B085C9AB24}">
+                  <p16:designElem xmlns:p16="http://schemas.microsoft.com/office/powerpoint/2015/main" xmlns="" val="1"/>
+                </p:ext>
+              </p:extLst>
+            </p:nvPr>
+          </p:nvCxnSpPr>
+          <p:spPr>
+            <a:xfrm>
+              <a:off x="9371012" y="0"/>
+              <a:ext cx="1219200" cy="6858000"/>
+            </a:xfrm>
+            <a:prstGeom prst="line">
+              <a:avLst/>
+            </a:prstGeom>
+            <a:ln w="9525">
+              <a:solidFill>
+                <a:srgbClr val="BFBFBF">
+                  <a:alpha val="75000"/>
+                </a:srgbClr>
+              </a:solidFill>
+            </a:ln>
+          </p:spPr>
+          <p:style>
+            <a:lnRef idx="2">
+              <a:schemeClr val="accent1"/>
+            </a:lnRef>
+            <a:fillRef idx="0">
+              <a:schemeClr val="accent1"/>
+            </a:fillRef>
+            <a:effectRef idx="1">
+              <a:schemeClr val="accent1"/>
+            </a:effectRef>
+            <a:fontRef idx="minor">
+              <a:schemeClr val="tx1"/>
+            </a:fontRef>
+          </p:style>
+        </p:cxnSp>
+        <p:cxnSp>
+          <p:nvCxnSpPr>
+            <p:cNvPr id="18" name="Straight Connector 17">
+              <a:extLst>
+                <a:ext uri="{FF2B5EF4-FFF2-40B4-BE49-F238E27FC236}">
+                  <a16:creationId xmlns:a16="http://schemas.microsoft.com/office/drawing/2014/main" xmlns="" id="{347FB49A-3541-428A-AADE-682A3C50563D}"/>
+                </a:ext>
+                <a:ext uri="{C183D7F6-B498-43B3-948B-1728B52AA6E4}">
+                  <adec:decorative xmlns:adec="http://schemas.microsoft.com/office/drawing/2017/decorative" xmlns="" val="1"/>
+                </a:ext>
+              </a:extLst>
+            </p:cNvPr>
+            <p:cNvCxnSpPr/>
+            <p:nvPr>
+              <p:extLst>
+                <p:ext uri="{386F3935-93C4-4BCD-93E2-E3B085C9AB24}">
+                  <p16:designElem xmlns:p16="http://schemas.microsoft.com/office/powerpoint/2015/main" xmlns="" val="1"/>
+                </p:ext>
+              </p:extLst>
+            </p:nvPr>
+          </p:nvCxnSpPr>
+          <p:spPr>
+            <a:xfrm flipH="1">
+              <a:off x="7425267" y="3681413"/>
+              <a:ext cx="4763558" cy="3176587"/>
+            </a:xfrm>
+            <a:prstGeom prst="line">
+              <a:avLst/>
+            </a:prstGeom>
+            <a:ln w="9525">
+              <a:solidFill>
+                <a:srgbClr val="BFBFBF">
+                  <a:alpha val="80000"/>
+                </a:srgbClr>
+              </a:solidFill>
+            </a:ln>
+          </p:spPr>
+          <p:style>
+            <a:lnRef idx="2">
+              <a:schemeClr val="accent1"/>
+            </a:lnRef>
+            <a:fillRef idx="0">
+              <a:schemeClr val="accent1"/>
+            </a:fillRef>
+            <a:effectRef idx="1">
+              <a:schemeClr val="accent1"/>
+            </a:effectRef>
+            <a:fontRef idx="minor">
+              <a:schemeClr val="tx1"/>
+            </a:fontRef>
+          </p:style>
+        </p:cxnSp>
+        <p:sp>
+          <p:nvSpPr>
+            <p:cNvPr id="19" name="Rectangle 23">
+              <a:extLst>
+                <a:ext uri="{FF2B5EF4-FFF2-40B4-BE49-F238E27FC236}">
+                  <a16:creationId xmlns:a16="http://schemas.microsoft.com/office/drawing/2014/main" xmlns="" id="{D96F53DC-08F1-42C6-B558-B83D54B27664}"/>
+                </a:ext>
+                <a:ext uri="{C183D7F6-B498-43B3-948B-1728B52AA6E4}">
+                  <adec:decorative xmlns:adec="http://schemas.microsoft.com/office/drawing/2017/decorative" xmlns="" val="1"/>
+                </a:ext>
+              </a:extLst>
+            </p:cNvPr>
+            <p:cNvSpPr/>
+            <p:nvPr>
+              <p:extLst>
+                <p:ext uri="{386F3935-93C4-4BCD-93E2-E3B085C9AB24}">
+                  <p16:designElem xmlns:p16="http://schemas.microsoft.com/office/powerpoint/2015/main" xmlns="" val="1"/>
+                </p:ext>
+              </p:extLst>
+            </p:nvPr>
+          </p:nvSpPr>
+          <p:spPr>
+            <a:xfrm>
+              <a:off x="9181476" y="-8467"/>
+              <a:ext cx="3007349" cy="6866467"/>
+            </a:xfrm>
+            <a:custGeom>
+              <a:avLst/>
+              <a:gdLst/>
+              <a:ahLst/>
+              <a:cxnLst/>
+              <a:rect l="l" t="t" r="r" b="b"/>
+              <a:pathLst>
+                <a:path w="3007349" h="6866467">
+                  <a:moveTo>
+                    <a:pt x="2045532" y="0"/>
+                  </a:moveTo>
+                  <a:lnTo>
+                    <a:pt x="3007349" y="0"/>
+                  </a:lnTo>
+                  <a:lnTo>
+                    <a:pt x="3007349" y="6866467"/>
+                  </a:lnTo>
+                  <a:lnTo>
+                    <a:pt x="0" y="6866467"/>
+                  </a:lnTo>
+                  <a:lnTo>
+                    <a:pt x="2045532" y="0"/>
+                  </a:lnTo>
+                  <a:close/>
+                </a:path>
+              </a:pathLst>
+            </a:custGeom>
+            <a:solidFill>
+              <a:schemeClr val="accent1">
+                <a:alpha val="30000"/>
+              </a:schemeClr>
+            </a:solidFill>
+            <a:ln>
+              <a:noFill/>
+            </a:ln>
+            <a:effectLst/>
+          </p:spPr>
+          <p:style>
+            <a:lnRef idx="1">
+              <a:schemeClr val="accent1"/>
+            </a:lnRef>
+            <a:fillRef idx="3">
+              <a:schemeClr val="accent1"/>
+            </a:fillRef>
+            <a:effectRef idx="2">
+              <a:schemeClr val="accent1"/>
+            </a:effectRef>
+            <a:fontRef idx="minor">
+              <a:schemeClr val="lt1"/>
+            </a:fontRef>
+          </p:style>
+        </p:sp>
+        <p:sp>
+          <p:nvSpPr>
+            <p:cNvPr id="20" name="Rectangle 25">
+              <a:extLst>
+                <a:ext uri="{FF2B5EF4-FFF2-40B4-BE49-F238E27FC236}">
+                  <a16:creationId xmlns:a16="http://schemas.microsoft.com/office/drawing/2014/main" xmlns="" id="{AFE48CAF-A51C-463F-A570-ED99439A5CA3}"/>
+                </a:ext>
+                <a:ext uri="{C183D7F6-B498-43B3-948B-1728B52AA6E4}">
+                  <adec:decorative xmlns:adec="http://schemas.microsoft.com/office/drawing/2017/decorative" xmlns="" val="1"/>
+                </a:ext>
+              </a:extLst>
+            </p:cNvPr>
+            <p:cNvSpPr/>
+            <p:nvPr>
+              <p:extLst>
+                <p:ext uri="{386F3935-93C4-4BCD-93E2-E3B085C9AB24}">
+                  <p16:designElem xmlns:p16="http://schemas.microsoft.com/office/powerpoint/2015/main" xmlns="" val="1"/>
+                </p:ext>
+              </p:extLst>
+            </p:nvPr>
+          </p:nvSpPr>
+          <p:spPr>
+            <a:xfrm>
+              <a:off x="9603442" y="-8467"/>
+              <a:ext cx="2588558" cy="6866467"/>
+            </a:xfrm>
+            <a:custGeom>
+              <a:avLst/>
+              <a:gdLst/>
+              <a:ahLst/>
+              <a:cxnLst/>
+              <a:rect l="l" t="t" r="r" b="b"/>
+              <a:pathLst>
+                <a:path w="2573311" h="6866467">
+                  <a:moveTo>
+                    <a:pt x="0" y="0"/>
+                  </a:moveTo>
+                  <a:lnTo>
+                    <a:pt x="2573311" y="0"/>
+                  </a:lnTo>
+                  <a:lnTo>
+                    <a:pt x="2573311" y="6866467"/>
+                  </a:lnTo>
+                  <a:lnTo>
+                    <a:pt x="1202336" y="6866467"/>
+                  </a:lnTo>
+                  <a:lnTo>
+                    <a:pt x="0" y="0"/>
+                  </a:lnTo>
+                  <a:close/>
+                </a:path>
+              </a:pathLst>
+            </a:custGeom>
+            <a:solidFill>
+              <a:schemeClr val="accent1">
+                <a:alpha val="20000"/>
+              </a:schemeClr>
+            </a:solidFill>
+            <a:ln>
+              <a:noFill/>
+            </a:ln>
+            <a:effectLst/>
+          </p:spPr>
+          <p:style>
+            <a:lnRef idx="1">
+              <a:schemeClr val="accent1"/>
+            </a:lnRef>
+            <a:fillRef idx="3">
+              <a:schemeClr val="accent1"/>
+            </a:fillRef>
+            <a:effectRef idx="2">
+              <a:schemeClr val="accent1"/>
+            </a:effectRef>
+            <a:fontRef idx="minor">
+              <a:schemeClr val="lt1"/>
+            </a:fontRef>
+          </p:style>
+        </p:sp>
+        <p:sp>
+          <p:nvSpPr>
+            <p:cNvPr id="21" name="Isosceles Triangle 20">
+              <a:extLst>
+                <a:ext uri="{FF2B5EF4-FFF2-40B4-BE49-F238E27FC236}">
+                  <a16:creationId xmlns:a16="http://schemas.microsoft.com/office/drawing/2014/main" xmlns="" id="{01F0C48B-50FF-4351-8207-16D096048311}"/>
+                </a:ext>
+                <a:ext uri="{C183D7F6-B498-43B3-948B-1728B52AA6E4}">
+                  <adec:decorative xmlns:adec="http://schemas.microsoft.com/office/drawing/2017/decorative" xmlns="" val="1"/>
+                </a:ext>
+              </a:extLst>
+            </p:cNvPr>
+            <p:cNvSpPr/>
+            <p:nvPr>
+              <p:extLst>
+                <p:ext uri="{386F3935-93C4-4BCD-93E2-E3B085C9AB24}">
+                  <p16:designElem xmlns:p16="http://schemas.microsoft.com/office/powerpoint/2015/main" xmlns="" val="1"/>
+                </p:ext>
+              </p:extLst>
+            </p:nvPr>
+          </p:nvSpPr>
+          <p:spPr>
+            <a:xfrm>
+              <a:off x="8932333" y="3048000"/>
+              <a:ext cx="3259667" cy="3810000"/>
+            </a:xfrm>
+            <a:prstGeom prst="triangle">
+              <a:avLst>
+                <a:gd name="adj" fmla="val 100000"/>
+              </a:avLst>
+            </a:prstGeom>
+            <a:solidFill>
+              <a:schemeClr val="accent2">
+                <a:alpha val="72000"/>
+              </a:schemeClr>
+            </a:solidFill>
+            <a:ln>
+              <a:noFill/>
+            </a:ln>
+            <a:effectLst/>
+          </p:spPr>
+          <p:style>
+            <a:lnRef idx="1">
+              <a:schemeClr val="accent1"/>
+            </a:lnRef>
+            <a:fillRef idx="3">
+              <a:schemeClr val="accent1"/>
+            </a:fillRef>
+            <a:effectRef idx="2">
+              <a:schemeClr val="accent1"/>
+            </a:effectRef>
+            <a:fontRef idx="minor">
+              <a:schemeClr val="lt1"/>
+            </a:fontRef>
+          </p:style>
+        </p:sp>
+        <p:sp>
+          <p:nvSpPr>
+            <p:cNvPr id="22" name="Rectangle 27">
+              <a:extLst>
+                <a:ext uri="{FF2B5EF4-FFF2-40B4-BE49-F238E27FC236}">
+                  <a16:creationId xmlns:a16="http://schemas.microsoft.com/office/drawing/2014/main" xmlns="" id="{300384B6-5ED6-4F91-A548-B706D837513E}"/>
+                </a:ext>
+                <a:ext uri="{C183D7F6-B498-43B3-948B-1728B52AA6E4}">
+                  <adec:decorative xmlns:adec="http://schemas.microsoft.com/office/drawing/2017/decorative" xmlns="" val="1"/>
+                </a:ext>
+              </a:extLst>
+            </p:cNvPr>
+            <p:cNvSpPr/>
+            <p:nvPr>
+              <p:extLst>
+                <p:ext uri="{386F3935-93C4-4BCD-93E2-E3B085C9AB24}">
+                  <p16:designElem xmlns:p16="http://schemas.microsoft.com/office/powerpoint/2015/main" xmlns="" val="1"/>
+                </p:ext>
+              </p:extLst>
+            </p:nvPr>
+          </p:nvSpPr>
+          <p:spPr>
+            <a:xfrm>
+              <a:off x="9334500" y="-8467"/>
+              <a:ext cx="2854326" cy="6866467"/>
+            </a:xfrm>
+            <a:custGeom>
+              <a:avLst/>
+              <a:gdLst/>
+              <a:ahLst/>
+              <a:cxnLst/>
+              <a:rect l="l" t="t" r="r" b="b"/>
+              <a:pathLst>
+                <a:path w="2858013" h="6866467">
+                  <a:moveTo>
+                    <a:pt x="0" y="0"/>
+                  </a:moveTo>
+                  <a:lnTo>
+                    <a:pt x="2858013" y="0"/>
+                  </a:lnTo>
+                  <a:lnTo>
+                    <a:pt x="2858013" y="6866467"/>
+                  </a:lnTo>
+                  <a:lnTo>
+                    <a:pt x="2473942" y="6866467"/>
+                  </a:lnTo>
+                  <a:lnTo>
+                    <a:pt x="0" y="0"/>
+                  </a:lnTo>
+                  <a:close/>
+                </a:path>
+              </a:pathLst>
+            </a:custGeom>
+            <a:solidFill>
+              <a:schemeClr val="accent2">
+                <a:lumMod val="75000"/>
+                <a:alpha val="70000"/>
+              </a:schemeClr>
+            </a:solidFill>
+            <a:ln>
+              <a:noFill/>
+            </a:ln>
+            <a:effectLst/>
+          </p:spPr>
+          <p:style>
+            <a:lnRef idx="1">
+              <a:schemeClr val="accent1"/>
+            </a:lnRef>
+            <a:fillRef idx="3">
+              <a:schemeClr val="accent1"/>
+            </a:fillRef>
+            <a:effectRef idx="2">
+              <a:schemeClr val="accent1"/>
+            </a:effectRef>
+            <a:fontRef idx="minor">
+              <a:schemeClr val="lt1"/>
+            </a:fontRef>
+          </p:style>
+        </p:sp>
+        <p:sp>
+          <p:nvSpPr>
+            <p:cNvPr id="23" name="Rectangle 28">
+              <a:extLst>
+                <a:ext uri="{FF2B5EF4-FFF2-40B4-BE49-F238E27FC236}">
+                  <a16:creationId xmlns:a16="http://schemas.microsoft.com/office/drawing/2014/main" xmlns="" id="{337AFFAE-C182-463C-9459-8AB3C69D9A29}"/>
+                </a:ext>
+                <a:ext uri="{C183D7F6-B498-43B3-948B-1728B52AA6E4}">
+                  <adec:decorative xmlns:adec="http://schemas.microsoft.com/office/drawing/2017/decorative" xmlns="" val="1"/>
+                </a:ext>
+              </a:extLst>
+            </p:cNvPr>
+            <p:cNvSpPr/>
+            <p:nvPr>
+              <p:extLst>
+                <p:ext uri="{386F3935-93C4-4BCD-93E2-E3B085C9AB24}">
+                  <p16:designElem xmlns:p16="http://schemas.microsoft.com/office/powerpoint/2015/main" xmlns="" val="1"/>
+                </p:ext>
+              </p:extLst>
+            </p:nvPr>
+          </p:nvSpPr>
+          <p:spPr>
+            <a:xfrm>
+              <a:off x="10898730" y="-8467"/>
+              <a:ext cx="1290094" cy="6866467"/>
+            </a:xfrm>
+            <a:custGeom>
+              <a:avLst/>
+              <a:gdLst/>
+              <a:ahLst/>
+              <a:cxnLst/>
+              <a:rect l="l" t="t" r="r" b="b"/>
+              <a:pathLst>
+                <a:path w="1290094" h="6858000">
+                  <a:moveTo>
+                    <a:pt x="1019735" y="0"/>
+                  </a:moveTo>
+                  <a:lnTo>
+                    <a:pt x="1290094" y="0"/>
+                  </a:lnTo>
+                  <a:lnTo>
+                    <a:pt x="1290094" y="6858000"/>
+                  </a:lnTo>
+                  <a:lnTo>
+                    <a:pt x="0" y="6858000"/>
+                  </a:lnTo>
+                  <a:lnTo>
+                    <a:pt x="1019735" y="0"/>
+                  </a:lnTo>
+                  <a:close/>
+                </a:path>
+              </a:pathLst>
+            </a:custGeom>
+            <a:solidFill>
+              <a:schemeClr val="accent1">
+                <a:lumMod val="60000"/>
+                <a:lumOff val="40000"/>
+                <a:alpha val="70000"/>
+              </a:schemeClr>
+            </a:solidFill>
+            <a:ln>
+              <a:noFill/>
+            </a:ln>
+            <a:effectLst/>
+          </p:spPr>
+          <p:style>
+            <a:lnRef idx="1">
+              <a:schemeClr val="accent1"/>
+            </a:lnRef>
+            <a:fillRef idx="3">
+              <a:schemeClr val="accent1"/>
+            </a:fillRef>
+            <a:effectRef idx="2">
+              <a:schemeClr val="accent1"/>
+            </a:effectRef>
+            <a:fontRef idx="minor">
+              <a:schemeClr val="lt1"/>
+            </a:fontRef>
+          </p:style>
+        </p:sp>
+        <p:sp>
+          <p:nvSpPr>
+            <p:cNvPr id="24" name="Rectangle 29">
+              <a:extLst>
+                <a:ext uri="{FF2B5EF4-FFF2-40B4-BE49-F238E27FC236}">
+                  <a16:creationId xmlns:a16="http://schemas.microsoft.com/office/drawing/2014/main" xmlns="" id="{510ACF17-C3F0-42BF-BDEB-D079277121E4}"/>
+                </a:ext>
+                <a:ext uri="{C183D7F6-B498-43B3-948B-1728B52AA6E4}">
+                  <adec:decorative xmlns:adec="http://schemas.microsoft.com/office/drawing/2017/decorative" xmlns="" val="1"/>
+                </a:ext>
+              </a:extLst>
+            </p:cNvPr>
+            <p:cNvSpPr/>
+            <p:nvPr>
+              <p:extLst>
+                <p:ext uri="{386F3935-93C4-4BCD-93E2-E3B085C9AB24}">
+                  <p16:designElem xmlns:p16="http://schemas.microsoft.com/office/powerpoint/2015/main" xmlns="" val="1"/>
+                </p:ext>
+              </p:extLst>
+            </p:nvPr>
+          </p:nvSpPr>
+          <p:spPr>
+            <a:xfrm>
+              <a:off x="10938999" y="-8467"/>
+              <a:ext cx="1249825" cy="6866467"/>
+            </a:xfrm>
+            <a:custGeom>
+              <a:avLst/>
+              <a:gdLst/>
+              <a:ahLst/>
+              <a:cxnLst/>
+              <a:rect l="l" t="t" r="r" b="b"/>
+              <a:pathLst>
+                <a:path w="1249825" h="6858000">
+                  <a:moveTo>
+                    <a:pt x="0" y="0"/>
+                  </a:moveTo>
+                  <a:lnTo>
+                    <a:pt x="1249825" y="0"/>
+                  </a:lnTo>
+                  <a:lnTo>
+                    <a:pt x="1249825" y="6858000"/>
+                  </a:lnTo>
+                  <a:lnTo>
+                    <a:pt x="1109382" y="6858000"/>
+                  </a:lnTo>
+                  <a:lnTo>
+                    <a:pt x="0" y="0"/>
+                  </a:lnTo>
+                  <a:close/>
+                </a:path>
+              </a:pathLst>
+            </a:custGeom>
+            <a:solidFill>
+              <a:schemeClr val="accent1">
+                <a:alpha val="65000"/>
+              </a:schemeClr>
+            </a:solidFill>
+            <a:ln>
+              <a:noFill/>
+            </a:ln>
+            <a:effectLst/>
+          </p:spPr>
+          <p:style>
+            <a:lnRef idx="1">
+              <a:schemeClr val="accent1"/>
+            </a:lnRef>
+            <a:fillRef idx="3">
+              <a:schemeClr val="accent1"/>
+            </a:fillRef>
+            <a:effectRef idx="2">
+              <a:schemeClr val="accent1"/>
+            </a:effectRef>
+            <a:fontRef idx="minor">
+              <a:schemeClr val="lt1"/>
+            </a:fontRef>
+          </p:style>
+        </p:sp>
+        <p:sp>
+          <p:nvSpPr>
+            <p:cNvPr id="25" name="Isosceles Triangle 24">
+              <a:extLst>
+                <a:ext uri="{FF2B5EF4-FFF2-40B4-BE49-F238E27FC236}">
+                  <a16:creationId xmlns:a16="http://schemas.microsoft.com/office/drawing/2014/main" xmlns="" id="{E804EFD0-B84E-476F-9FC6-6C4A42EA0054}"/>
+                </a:ext>
+                <a:ext uri="{C183D7F6-B498-43B3-948B-1728B52AA6E4}">
+                  <adec:decorative xmlns:adec="http://schemas.microsoft.com/office/drawing/2017/decorative" xmlns="" val="1"/>
+                </a:ext>
+              </a:extLst>
+            </p:cNvPr>
+            <p:cNvSpPr/>
+            <p:nvPr>
+              <p:extLst>
+                <p:ext uri="{386F3935-93C4-4BCD-93E2-E3B085C9AB24}">
+                  <p16:designElem xmlns:p16="http://schemas.microsoft.com/office/powerpoint/2015/main" xmlns="" val="1"/>
+                </p:ext>
+              </p:extLst>
+            </p:nvPr>
+          </p:nvSpPr>
+          <p:spPr>
+            <a:xfrm>
+              <a:off x="10371666" y="3589867"/>
+              <a:ext cx="1817159" cy="3268133"/>
+            </a:xfrm>
+            <a:prstGeom prst="triangle">
+              <a:avLst>
+                <a:gd name="adj" fmla="val 100000"/>
+              </a:avLst>
+            </a:prstGeom>
+            <a:solidFill>
+              <a:schemeClr val="accent1">
+                <a:alpha val="80000"/>
+              </a:schemeClr>
+            </a:solidFill>
+            <a:ln>
+              <a:noFill/>
+            </a:ln>
+            <a:effectLst/>
+          </p:spPr>
+          <p:style>
+            <a:lnRef idx="1">
+              <a:schemeClr val="accent1"/>
+            </a:lnRef>
+            <a:fillRef idx="3">
+              <a:schemeClr val="accent1"/>
+            </a:fillRef>
+            <a:effectRef idx="2">
+              <a:schemeClr val="accent1"/>
+            </a:effectRef>
+            <a:fontRef idx="minor">
+              <a:schemeClr val="lt1"/>
+            </a:fontRef>
+          </p:style>
+        </p:sp>
+      </p:grpSp>
+      <p:sp>
+        <p:nvSpPr>
+          <p:cNvPr id="27" name="Rectangle 26">
+            <a:extLst>
+              <a:ext uri="{FF2B5EF4-FFF2-40B4-BE49-F238E27FC236}">
+                <a16:creationId xmlns:a16="http://schemas.microsoft.com/office/drawing/2014/main" xmlns="" id="{87BD1F4E-A66D-4C06-86DA-8D56CA7A3B41}"/>
+              </a:ext>
+              <a:ext uri="{C183D7F6-B498-43B3-948B-1728B52AA6E4}">
+                <adec:decorative xmlns:adec="http://schemas.microsoft.com/office/drawing/2017/decorative" xmlns="" val="1"/>
+              </a:ext>
+            </a:extLst>
+          </p:cNvPr>
+          <p:cNvSpPr>
+            <a:spLocks noGrp="1" noRot="1" noChangeAspect="1" noMove="1" noResize="1" noEditPoints="1" noAdjustHandles="1" noChangeArrowheads="1" noChangeShapeType="1" noTextEdit="1"/>
+          </p:cNvSpPr>
+          <p:nvPr>
+            <p:extLst>
+              <p:ext uri="{386F3935-93C4-4BCD-93E2-E3B085C9AB24}">
+                <p16:designElem xmlns:p16="http://schemas.microsoft.com/office/powerpoint/2015/main" xmlns="" val="1"/>
+              </p:ext>
+            </p:extLst>
+          </p:nvPr>
+        </p:nvSpPr>
+        <p:spPr>
+          <a:xfrm>
+            <a:off x="5977719" y="0"/>
+            <a:ext cx="6214281" cy="6858000"/>
+          </a:xfrm>
+          <a:prstGeom prst="rect">
+            <a:avLst/>
+          </a:prstGeom>
+          <a:ln>
+            <a:noFill/>
+          </a:ln>
+        </p:spPr>
+        <p:style>
+          <a:lnRef idx="2">
+            <a:schemeClr val="accent1">
+              <a:shade val="50000"/>
+            </a:schemeClr>
+          </a:lnRef>
+          <a:fillRef idx="1">
+            <a:schemeClr val="accent1"/>
+          </a:fillRef>
+          <a:effectRef idx="0">
+            <a:schemeClr val="accent1"/>
+          </a:effectRef>
+          <a:fontRef idx="minor">
+            <a:schemeClr val="lt1"/>
+          </a:fontRef>
+        </p:style>
+        <p:txBody>
+          <a:bodyPr rtlCol="0" anchor="ctr"/>
+          <a:lstStyle/>
+          <a:p>
+            <a:pPr algn="ctr"/>
+            <a:endParaRPr lang="en-US" dirty="0"/>
+          </a:p>
+        </p:txBody>
+      </p:sp>
+      <p:graphicFrame>
+        <p:nvGraphicFramePr>
+          <p:cNvPr id="10" name="Content Placeholder 2">
+            <a:extLst>
+              <a:ext uri="{FF2B5EF4-FFF2-40B4-BE49-F238E27FC236}">
+                <a16:creationId xmlns:a16="http://schemas.microsoft.com/office/drawing/2014/main" xmlns="" id="{FD230C0E-E8CB-3385-61D8-172675D994BF}"/>
+              </a:ext>
+            </a:extLst>
+          </p:cNvPr>
+          <p:cNvGraphicFramePr>
+            <a:graphicFrameLocks noGrp="1"/>
+          </p:cNvGraphicFramePr>
+          <p:nvPr>
+            <p:ph idx="1"/>
+            <p:extLst>
+              <p:ext uri="{D42A27DB-BD31-4B8C-83A1-F6EECF244321}">
+                <p14:modId xmlns:p14="http://schemas.microsoft.com/office/powerpoint/2010/main" val="2949696763"/>
+              </p:ext>
+            </p:extLst>
+          </p:nvPr>
+        </p:nvGraphicFramePr>
+        <p:xfrm>
+          <a:off x="4916553" y="944563"/>
+          <a:ext cx="6628804" cy="4979581"/>
+        </p:xfrm>
+        <a:graphic>
+          <a:graphicData uri="http://schemas.openxmlformats.org/drawingml/2006/diagram">
+            <dgm:relIds xmlns:dgm="http://schemas.openxmlformats.org/drawingml/2006/diagram" xmlns:r="http://schemas.openxmlformats.org/officeDocument/2006/relationships" r:dm="rId2" r:lo="rId3" r:qs="rId4" r:cs="rId5"/>
+          </a:graphicData>
+        </a:graphic>
+      </p:graphicFrame>
+    </p:spTree>
+    <p:extLst>
+      <p:ext uri="{BB962C8B-B14F-4D97-AF65-F5344CB8AC3E}">
+        <p14:creationId xmlns:p14="http://schemas.microsoft.com/office/powerpoint/2010/main" val="1087965808"/>
+      </p:ext>
+    </p:extLst>
+  </p:cSld>
+  <p:clrMapOvr>
+    <a:masterClrMapping/>
+  </p:clrMapOvr>
+</p:sld>
+</file>
+
+<file path=ppt/slides/slide7.xml><?xml version="1.0" encoding="utf-8"?>
+<p:sld xmlns:a="http://schemas.openxmlformats.org/drawingml/2006/main" xmlns:r="http://schemas.openxmlformats.org/officeDocument/2006/relationships" xmlns:p="http://schemas.openxmlformats.org/presentationml/2006/main">
+  <p:cSld>
+    <p:spTree>
+      <p:nvGrpSpPr>
+        <p:cNvPr id="1" name=""/>
+        <p:cNvGrpSpPr/>
+        <p:nvPr/>
+      </p:nvGrpSpPr>
+      <p:grpSpPr>
+        <a:xfrm>
+          <a:off x="0" y="0"/>
+          <a:ext cx="0" cy="0"/>
+          <a:chOff x="0" y="0"/>
+          <a:chExt cx="0" cy="0"/>
+        </a:xfrm>
+      </p:grpSpPr>
+      <p:sp>
+        <p:nvSpPr>
+          <p:cNvPr id="2" name="Title 1">
+            <a:extLst>
+              <a:ext uri="{FF2B5EF4-FFF2-40B4-BE49-F238E27FC236}">
+                <a16:creationId xmlns:a16="http://schemas.microsoft.com/office/drawing/2014/main" xmlns="" id="{3A498BA8-4A75-D754-F8AE-050A167999E8}"/>
               </a:ext>
             </a:extLst>
           </p:cNvPr>
@@ -22345,7 +26680,7 @@
           <p:cNvPr id="3" name="Content Placeholder 2">
             <a:extLst>
               <a:ext uri="{FF2B5EF4-FFF2-40B4-BE49-F238E27FC236}">
-                <a16:creationId xmlns="" xmlns:a16="http://schemas.microsoft.com/office/drawing/2014/main" id="{B1EA3822-6F21-1074-68B2-1F50B810E253}"/>
+                <a16:creationId xmlns:a16="http://schemas.microsoft.com/office/drawing/2014/main" xmlns="" id="{B1EA3822-6F21-1074-68B2-1F50B810E253}"/>
               </a:ext>
             </a:extLst>
           </p:cNvPr>
@@ -22422,7 +26757,7 @@
           <p:cNvPr id="8" name="Picture 8">
             <a:extLst>
               <a:ext uri="{FF2B5EF4-FFF2-40B4-BE49-F238E27FC236}">
-                <a16:creationId xmlns="" xmlns:a16="http://schemas.microsoft.com/office/drawing/2014/main" id="{F5214F1A-9D4A-E53C-B9C6-EF75D490C58F}"/>
+                <a16:creationId xmlns:a16="http://schemas.microsoft.com/office/drawing/2014/main" xmlns="" id="{F5214F1A-9D4A-E53C-B9C6-EF75D490C58F}"/>
               </a:ext>
             </a:extLst>
           </p:cNvPr>
@@ -22435,7 +26770,7 @@
           <a:blip r:embed="rId2">
             <a:extLst>
               <a:ext uri="{837473B0-CC2E-450A-ABE3-18F120FF3D39}">
-                <a1611:picAttrSrcUrl xmlns="" xmlns:a1611="http://schemas.microsoft.com/office/drawing/2016/11/main" r:id="rId3"/>
+                <a1611:picAttrSrcUrl xmlns:a1611="http://schemas.microsoft.com/office/drawing/2016/11/main" xmlns="" r:id="rId3"/>
               </a:ext>
             </a:extLst>
           </a:blip>
@@ -22458,7 +26793,7 @@
           <p:cNvPr id="4" name="Picture 4">
             <a:extLst>
               <a:ext uri="{FF2B5EF4-FFF2-40B4-BE49-F238E27FC236}">
-                <a16:creationId xmlns="" xmlns:a16="http://schemas.microsoft.com/office/drawing/2014/main" id="{380AD675-6EAA-DCD5-3536-8DC56C6BF276}"/>
+                <a16:creationId xmlns:a16="http://schemas.microsoft.com/office/drawing/2014/main" xmlns="" id="{380AD675-6EAA-DCD5-3536-8DC56C6BF276}"/>
               </a:ext>
             </a:extLst>
           </p:cNvPr>
@@ -22471,7 +26806,7 @@
           <a:blip r:embed="rId4">
             <a:extLst>
               <a:ext uri="{837473B0-CC2E-450A-ABE3-18F120FF3D39}">
-                <a1611:picAttrSrcUrl xmlns="" xmlns:a1611="http://schemas.microsoft.com/office/drawing/2016/11/main" r:id="rId5"/>
+                <a1611:picAttrSrcUrl xmlns:a1611="http://schemas.microsoft.com/office/drawing/2016/11/main" xmlns="" r:id="rId5"/>
               </a:ext>
             </a:extLst>
           </a:blip>
@@ -22494,7 +26829,7 @@
           <p:cNvPr id="7" name="Graphic 6" descr="Database">
             <a:extLst>
               <a:ext uri="{FF2B5EF4-FFF2-40B4-BE49-F238E27FC236}">
-                <a16:creationId xmlns="" xmlns:a16="http://schemas.microsoft.com/office/drawing/2014/main" id="{77357E75-3338-3A06-1416-8DC46121D522}"/>
+                <a16:creationId xmlns:a16="http://schemas.microsoft.com/office/drawing/2014/main" xmlns="" id="{77357E75-3338-3A06-1416-8DC46121D522}"/>
               </a:ext>
             </a:extLst>
           </p:cNvPr>
@@ -22510,7 +26845,7 @@
                 <a14:useLocalDpi xmlns:a14="http://schemas.microsoft.com/office/drawing/2010/main" val="0"/>
               </a:ext>
               <a:ext uri="{96DAC541-7B7A-43D3-8B79-37D633B846F1}">
-                <asvg:svgBlip xmlns="" xmlns:asvg="http://schemas.microsoft.com/office/drawing/2016/SVG/main" r:embed="rId7"/>
+                <asvg:svgBlip xmlns:asvg="http://schemas.microsoft.com/office/drawing/2016/SVG/main" xmlns="" r:embed="rId7"/>
               </a:ext>
             </a:extLst>
           </a:blip>
@@ -22533,7 +26868,7 @@
           <p:cNvPr id="6" name="Picture 9">
             <a:extLst>
               <a:ext uri="{FF2B5EF4-FFF2-40B4-BE49-F238E27FC236}">
-                <a16:creationId xmlns="" xmlns:a16="http://schemas.microsoft.com/office/drawing/2014/main" id="{8EF5DAC4-C906-DCEF-FCFA-950FAD3818CC}"/>
+                <a16:creationId xmlns:a16="http://schemas.microsoft.com/office/drawing/2014/main" xmlns="" id="{8EF5DAC4-C906-DCEF-FCFA-950FAD3818CC}"/>
               </a:ext>
             </a:extLst>
           </p:cNvPr>
@@ -22563,7 +26898,7 @@
           <p:cNvPr id="9" name="TextBox 8">
             <a:extLst>
               <a:ext uri="{FF2B5EF4-FFF2-40B4-BE49-F238E27FC236}">
-                <a16:creationId xmlns="" xmlns:a16="http://schemas.microsoft.com/office/drawing/2014/main" id="{844A356D-5978-4949-9E77-55F42362E732}"/>
+                <a16:creationId xmlns:a16="http://schemas.microsoft.com/office/drawing/2014/main" xmlns="" id="{844A356D-5978-4949-9E77-55F42362E732}"/>
               </a:ext>
             </a:extLst>
           </p:cNvPr>
@@ -22594,7 +26929,7 @@
           <p:cNvPr id="5" name="TextBox 4">
             <a:extLst>
               <a:ext uri="{FF2B5EF4-FFF2-40B4-BE49-F238E27FC236}">
-                <a16:creationId xmlns="" xmlns:a16="http://schemas.microsoft.com/office/drawing/2014/main" id="{7FCDF404-36A1-A1F5-A5A8-6B4F13F5DD0F}"/>
+                <a16:creationId xmlns:a16="http://schemas.microsoft.com/office/drawing/2014/main" xmlns="" id="{7FCDF404-36A1-A1F5-A5A8-6B4F13F5DD0F}"/>
               </a:ext>
             </a:extLst>
           </p:cNvPr>
@@ -22625,7 +26960,7 @@
           <p:cNvPr id="10" name="TextBox 9">
             <a:extLst>
               <a:ext uri="{FF2B5EF4-FFF2-40B4-BE49-F238E27FC236}">
-                <a16:creationId xmlns="" xmlns:a16="http://schemas.microsoft.com/office/drawing/2014/main" id="{201EC395-CE38-8239-8A29-7BAEE99823D6}"/>
+                <a16:creationId xmlns:a16="http://schemas.microsoft.com/office/drawing/2014/main" xmlns="" id="{201EC395-CE38-8239-8A29-7BAEE99823D6}"/>
               </a:ext>
             </a:extLst>
           </p:cNvPr>
@@ -22661,7 +26996,7 @@
           <p:cNvPr id="11" name="Picture 11">
             <a:extLst>
               <a:ext uri="{FF2B5EF4-FFF2-40B4-BE49-F238E27FC236}">
-                <a16:creationId xmlns="" xmlns:a16="http://schemas.microsoft.com/office/drawing/2014/main" id="{604C3E89-B5A1-8CE9-31A7-BE4D043A1A00}"/>
+                <a16:creationId xmlns:a16="http://schemas.microsoft.com/office/drawing/2014/main" xmlns="" id="{604C3E89-B5A1-8CE9-31A7-BE4D043A1A00}"/>
               </a:ext>
             </a:extLst>
           </p:cNvPr>
@@ -22691,7 +27026,7 @@
           <p:cNvPr id="12" name="Picture 12">
             <a:extLst>
               <a:ext uri="{FF2B5EF4-FFF2-40B4-BE49-F238E27FC236}">
-                <a16:creationId xmlns="" xmlns:a16="http://schemas.microsoft.com/office/drawing/2014/main" id="{7AA6E056-D608-7926-3023-B61706B134CD}"/>
+                <a16:creationId xmlns:a16="http://schemas.microsoft.com/office/drawing/2014/main" xmlns="" id="{7AA6E056-D608-7926-3023-B61706B134CD}"/>
               </a:ext>
             </a:extLst>
           </p:cNvPr>
@@ -22721,7 +27056,7 @@
           <p:cNvPr id="13" name="Picture 13">
             <a:extLst>
               <a:ext uri="{FF2B5EF4-FFF2-40B4-BE49-F238E27FC236}">
-                <a16:creationId xmlns="" xmlns:a16="http://schemas.microsoft.com/office/drawing/2014/main" id="{4267AB0C-E766-D179-A543-5B44C5CBA38E}"/>
+                <a16:creationId xmlns:a16="http://schemas.microsoft.com/office/drawing/2014/main" xmlns="" id="{4267AB0C-E766-D179-A543-5B44C5CBA38E}"/>
               </a:ext>
             </a:extLst>
           </p:cNvPr>
@@ -22759,7 +27094,7 @@
 </p:sld>
 </file>
 
-<file path=ppt/slides/slide7.xml><?xml version="1.0" encoding="utf-8"?>
+<file path=ppt/slides/slide8.xml><?xml version="1.0" encoding="utf-8"?>
 <p:sld xmlns:a="http://schemas.openxmlformats.org/drawingml/2006/main" xmlns:r="http://schemas.openxmlformats.org/officeDocument/2006/relationships" xmlns:p="http://schemas.openxmlformats.org/presentationml/2006/main">
   <p:cSld>
     <p:spTree>
@@ -22781,7 +27116,7 @@
           <p:cNvPr id="4" name="Picture 4">
             <a:extLst>
               <a:ext uri="{FF2B5EF4-FFF2-40B4-BE49-F238E27FC236}">
-                <a16:creationId xmlns="" xmlns:a16="http://schemas.microsoft.com/office/drawing/2014/main" id="{6CA50731-177B-4AC0-372D-869FBA115128}"/>
+                <a16:creationId xmlns:a16="http://schemas.microsoft.com/office/drawing/2014/main" xmlns="" id="{6CA50731-177B-4AC0-372D-869FBA115128}"/>
               </a:ext>
             </a:extLst>
           </p:cNvPr>
@@ -22796,7 +27131,7 @@
           <a:blip r:embed="rId2">
             <a:extLst>
               <a:ext uri="{837473B0-CC2E-450A-ABE3-18F120FF3D39}">
-                <a1611:picAttrSrcUrl xmlns="" xmlns:a1611="http://schemas.microsoft.com/office/drawing/2016/11/main" r:id="rId3"/>
+                <a1611:picAttrSrcUrl xmlns:a1611="http://schemas.microsoft.com/office/drawing/2016/11/main" xmlns="" r:id="rId3"/>
               </a:ext>
             </a:extLst>
           </a:blip>
@@ -22816,7 +27151,7 @@
           <p:cNvPr id="5" name="TextBox 4">
             <a:extLst>
               <a:ext uri="{FF2B5EF4-FFF2-40B4-BE49-F238E27FC236}">
-                <a16:creationId xmlns="" xmlns:a16="http://schemas.microsoft.com/office/drawing/2014/main" id="{4BC7AC43-5AD5-2854-8033-1F827037D861}"/>
+                <a16:creationId xmlns:a16="http://schemas.microsoft.com/office/drawing/2014/main" xmlns="" id="{4BC7AC43-5AD5-2854-8033-1F827037D861}"/>
               </a:ext>
             </a:extLst>
           </p:cNvPr>
@@ -22847,7 +27182,7 @@
           <p:cNvPr id="8" name="TextBox 7">
             <a:extLst>
               <a:ext uri="{FF2B5EF4-FFF2-40B4-BE49-F238E27FC236}">
-                <a16:creationId xmlns="" xmlns:a16="http://schemas.microsoft.com/office/drawing/2014/main" id="{FF8937E7-F500-C573-0297-77FC21F5CD57}"/>
+                <a16:creationId xmlns:a16="http://schemas.microsoft.com/office/drawing/2014/main" xmlns="" id="{FF8937E7-F500-C573-0297-77FC21F5CD57}"/>
               </a:ext>
             </a:extLst>
           </p:cNvPr>
@@ -22883,7 +27218,7 @@
           <p:cNvPr id="14" name="TextBox 6">
             <a:extLst>
               <a:ext uri="{FF2B5EF4-FFF2-40B4-BE49-F238E27FC236}">
-                <a16:creationId xmlns="" xmlns:a16="http://schemas.microsoft.com/office/drawing/2014/main" id="{C96B3A32-C581-3152-347B-F5140CC3D6C4}"/>
+                <a16:creationId xmlns:a16="http://schemas.microsoft.com/office/drawing/2014/main" xmlns="" id="{C96B3A32-C581-3152-347B-F5140CC3D6C4}"/>
               </a:ext>
             </a:extLst>
           </p:cNvPr>
@@ -22907,7 +27242,7 @@
           <p:cNvPr id="97" name="TextBox 96">
             <a:extLst>
               <a:ext uri="{FF2B5EF4-FFF2-40B4-BE49-F238E27FC236}">
-                <a16:creationId xmlns="" xmlns:a16="http://schemas.microsoft.com/office/drawing/2014/main" id="{0A7C892D-C6E0-6365-1A1D-645D159FB857}"/>
+                <a16:creationId xmlns:a16="http://schemas.microsoft.com/office/drawing/2014/main" xmlns="" id="{0A7C892D-C6E0-6365-1A1D-645D159FB857}"/>
               </a:ext>
             </a:extLst>
           </p:cNvPr>
@@ -23033,7 +27368,7 @@
 </p:sld>
 </file>
 
-<file path=ppt/slides/slide8.xml><?xml version="1.0" encoding="utf-8"?>
+<file path=ppt/slides/slide9.xml><?xml version="1.0" encoding="utf-8"?>
 <p:sld xmlns:a="http://schemas.openxmlformats.org/drawingml/2006/main" xmlns:r="http://schemas.openxmlformats.org/officeDocument/2006/relationships" xmlns:p="http://schemas.openxmlformats.org/presentationml/2006/main">
   <p:cSld>
     <p:spTree>
@@ -23055,7 +27390,7 @@
           <p:cNvPr id="13" name="Picture 13">
             <a:extLst>
               <a:ext uri="{FF2B5EF4-FFF2-40B4-BE49-F238E27FC236}">
-                <a16:creationId xmlns="" xmlns:a16="http://schemas.microsoft.com/office/drawing/2014/main" id="{CE5B75EC-9FBC-2358-848E-925D12AF33B7}"/>
+                <a16:creationId xmlns:a16="http://schemas.microsoft.com/office/drawing/2014/main" xmlns="" id="{CE5B75EC-9FBC-2358-848E-925D12AF33B7}"/>
               </a:ext>
             </a:extLst>
           </p:cNvPr>
@@ -23142,7 +27477,7 @@
           <p:cNvPr id="2" name="Title 1">
             <a:extLst>
               <a:ext uri="{FF2B5EF4-FFF2-40B4-BE49-F238E27FC236}">
-                <a16:creationId xmlns="" xmlns:a16="http://schemas.microsoft.com/office/drawing/2014/main" id="{D8F8C37C-8208-8209-107C-F5C0612143D9}"/>
+                <a16:creationId xmlns:a16="http://schemas.microsoft.com/office/drawing/2014/main" xmlns="" id="{D8F8C37C-8208-8209-107C-F5C0612143D9}"/>
               </a:ext>
             </a:extLst>
           </p:cNvPr>
@@ -23177,7 +27512,7 @@
           <p:cNvPr id="3" name="Content Placeholder 2">
             <a:extLst>
               <a:ext uri="{FF2B5EF4-FFF2-40B4-BE49-F238E27FC236}">
-                <a16:creationId xmlns="" xmlns:a16="http://schemas.microsoft.com/office/drawing/2014/main" id="{9427584D-2B92-EC12-CB91-C2B686967311}"/>
+                <a16:creationId xmlns:a16="http://schemas.microsoft.com/office/drawing/2014/main" xmlns="" id="{9427584D-2B92-EC12-CB91-C2B686967311}"/>
               </a:ext>
             </a:extLst>
           </p:cNvPr>
@@ -23216,10 +27551,10 @@
           <p:cNvPr id="29" name="Straight Connector 28">
             <a:extLst>
               <a:ext uri="{FF2B5EF4-FFF2-40B4-BE49-F238E27FC236}">
-                <a16:creationId xmlns="" xmlns:a16="http://schemas.microsoft.com/office/drawing/2014/main" id="{64FA5DFF-7FE6-4855-84E6-DFA78EE978BD}"/>
+                <a16:creationId xmlns:a16="http://schemas.microsoft.com/office/drawing/2014/main" xmlns="" id="{64FA5DFF-7FE6-4855-84E6-DFA78EE978BD}"/>
               </a:ext>
               <a:ext uri="{C183D7F6-B498-43B3-948B-1728B52AA6E4}">
-                <adec:decorative xmlns="" xmlns:adec="http://schemas.microsoft.com/office/drawing/2017/decorative" val="1"/>
+                <adec:decorative xmlns:adec="http://schemas.microsoft.com/office/drawing/2017/decorative" xmlns="" val="1"/>
               </a:ext>
             </a:extLst>
           </p:cNvPr>
@@ -23229,7 +27564,7 @@
           <p:nvPr>
             <p:extLst>
               <p:ext uri="{386F3935-93C4-4BCD-93E2-E3B085C9AB24}">
-                <p16:designElem xmlns="" xmlns:p16="http://schemas.microsoft.com/office/powerpoint/2015/main" val="1"/>
+                <p16:designElem xmlns:p16="http://schemas.microsoft.com/office/powerpoint/2015/main" xmlns="" val="1"/>
               </p:ext>
             </p:extLst>
           </p:nvPr>
@@ -23270,10 +27605,10 @@
           <p:cNvPr id="31" name="Straight Connector 30">
             <a:extLst>
               <a:ext uri="{FF2B5EF4-FFF2-40B4-BE49-F238E27FC236}">
-                <a16:creationId xmlns="" xmlns:a16="http://schemas.microsoft.com/office/drawing/2014/main" id="{2AFD8CBA-54A3-4363-991B-B9C631BBFA74}"/>
+                <a16:creationId xmlns:a16="http://schemas.microsoft.com/office/drawing/2014/main" xmlns="" id="{2AFD8CBA-54A3-4363-991B-B9C631BBFA74}"/>
               </a:ext>
               <a:ext uri="{C183D7F6-B498-43B3-948B-1728B52AA6E4}">
-                <adec:decorative xmlns="" xmlns:adec="http://schemas.microsoft.com/office/drawing/2017/decorative" val="1"/>
+                <adec:decorative xmlns:adec="http://schemas.microsoft.com/office/drawing/2017/decorative" xmlns="" val="1"/>
               </a:ext>
             </a:extLst>
           </p:cNvPr>
@@ -23283,7 +27618,7 @@
           <p:nvPr>
             <p:extLst>
               <p:ext uri="{386F3935-93C4-4BCD-93E2-E3B085C9AB24}">
-                <p16:designElem xmlns="" xmlns:p16="http://schemas.microsoft.com/office/powerpoint/2015/main" val="1"/>
+                <p16:designElem xmlns:p16="http://schemas.microsoft.com/office/powerpoint/2015/main" xmlns="" val="1"/>
               </p:ext>
             </p:extLst>
           </p:nvPr>
@@ -23324,10 +27659,10 @@
           <p:cNvPr id="33" name="Rectangle 23">
             <a:extLst>
               <a:ext uri="{FF2B5EF4-FFF2-40B4-BE49-F238E27FC236}">
-                <a16:creationId xmlns="" xmlns:a16="http://schemas.microsoft.com/office/drawing/2014/main" id="{3F088236-D655-4F88-B238-E16762358025}"/>
+                <a16:creationId xmlns:a16="http://schemas.microsoft.com/office/drawing/2014/main" xmlns="" id="{3F088236-D655-4F88-B238-E16762358025}"/>
               </a:ext>
               <a:ext uri="{C183D7F6-B498-43B3-948B-1728B52AA6E4}">
-                <adec:decorative xmlns="" xmlns:adec="http://schemas.microsoft.com/office/drawing/2017/decorative" val="1"/>
+                <adec:decorative xmlns:adec="http://schemas.microsoft.com/office/drawing/2017/decorative" xmlns="" val="1"/>
               </a:ext>
             </a:extLst>
           </p:cNvPr>
@@ -23337,7 +27672,7 @@
           <p:nvPr>
             <p:extLst>
               <p:ext uri="{386F3935-93C4-4BCD-93E2-E3B085C9AB24}">
-                <p16:designElem xmlns="" xmlns:p16="http://schemas.microsoft.com/office/powerpoint/2015/main" val="1"/>
+                <p16:designElem xmlns:p16="http://schemas.microsoft.com/office/powerpoint/2015/main" xmlns="" val="1"/>
               </p:ext>
             </p:extLst>
           </p:nvPr>
@@ -23404,10 +27739,10 @@
           <p:cNvPr id="35" name="Rectangle 25">
             <a:extLst>
               <a:ext uri="{FF2B5EF4-FFF2-40B4-BE49-F238E27FC236}">
-                <a16:creationId xmlns="" xmlns:a16="http://schemas.microsoft.com/office/drawing/2014/main" id="{3DAC0C92-199E-475C-9390-119A9B027276}"/>
+                <a16:creationId xmlns:a16="http://schemas.microsoft.com/office/drawing/2014/main" xmlns="" id="{3DAC0C92-199E-475C-9390-119A9B027276}"/>
               </a:ext>
               <a:ext uri="{C183D7F6-B498-43B3-948B-1728B52AA6E4}">
-                <adec:decorative xmlns="" xmlns:adec="http://schemas.microsoft.com/office/drawing/2017/decorative" val="1"/>
+                <adec:decorative xmlns:adec="http://schemas.microsoft.com/office/drawing/2017/decorative" xmlns="" val="1"/>
               </a:ext>
             </a:extLst>
           </p:cNvPr>
@@ -23417,7 +27752,7 @@
           <p:nvPr>
             <p:extLst>
               <p:ext uri="{386F3935-93C4-4BCD-93E2-E3B085C9AB24}">
-                <p16:designElem xmlns="" xmlns:p16="http://schemas.microsoft.com/office/powerpoint/2015/main" val="1"/>
+                <p16:designElem xmlns:p16="http://schemas.microsoft.com/office/powerpoint/2015/main" xmlns="" val="1"/>
               </p:ext>
             </p:extLst>
           </p:nvPr>
@@ -23484,10 +27819,10 @@
           <p:cNvPr id="37" name="Isosceles Triangle 24">
             <a:extLst>
               <a:ext uri="{FF2B5EF4-FFF2-40B4-BE49-F238E27FC236}">
-                <a16:creationId xmlns="" xmlns:a16="http://schemas.microsoft.com/office/drawing/2014/main" id="{C4CFB339-0ED8-4FE2-9EF1-6D1375B8499B}"/>
+                <a16:creationId xmlns:a16="http://schemas.microsoft.com/office/drawing/2014/main" xmlns="" id="{C4CFB339-0ED8-4FE2-9EF1-6D1375B8499B}"/>
               </a:ext>
               <a:ext uri="{C183D7F6-B498-43B3-948B-1728B52AA6E4}">
-                <adec:decorative xmlns="" xmlns:adec="http://schemas.microsoft.com/office/drawing/2017/decorative" val="1"/>
+                <adec:decorative xmlns:adec="http://schemas.microsoft.com/office/drawing/2017/decorative" xmlns="" val="1"/>
               </a:ext>
             </a:extLst>
           </p:cNvPr>
@@ -23497,7 +27832,7 @@
           <p:nvPr>
             <p:extLst>
               <p:ext uri="{386F3935-93C4-4BCD-93E2-E3B085C9AB24}">
-                <p16:designElem xmlns="" xmlns:p16="http://schemas.microsoft.com/office/powerpoint/2015/main" val="1"/>
+                <p16:designElem xmlns:p16="http://schemas.microsoft.com/office/powerpoint/2015/main" xmlns="" val="1"/>
               </p:ext>
             </p:extLst>
           </p:nvPr>
@@ -23542,10 +27877,10 @@
           <p:cNvPr id="39" name="Rectangle 27">
             <a:extLst>
               <a:ext uri="{FF2B5EF4-FFF2-40B4-BE49-F238E27FC236}">
-                <a16:creationId xmlns="" xmlns:a16="http://schemas.microsoft.com/office/drawing/2014/main" id="{31896C80-2069-4431-9C19-83B913734490}"/>
+                <a16:creationId xmlns:a16="http://schemas.microsoft.com/office/drawing/2014/main" xmlns="" id="{31896C80-2069-4431-9C19-83B913734490}"/>
               </a:ext>
               <a:ext uri="{C183D7F6-B498-43B3-948B-1728B52AA6E4}">
-                <adec:decorative xmlns="" xmlns:adec="http://schemas.microsoft.com/office/drawing/2017/decorative" val="1"/>
+                <adec:decorative xmlns:adec="http://schemas.microsoft.com/office/drawing/2017/decorative" xmlns="" val="1"/>
               </a:ext>
             </a:extLst>
           </p:cNvPr>
@@ -23555,7 +27890,7 @@
           <p:nvPr>
             <p:extLst>
               <p:ext uri="{386F3935-93C4-4BCD-93E2-E3B085C9AB24}">
-                <p16:designElem xmlns="" xmlns:p16="http://schemas.microsoft.com/office/powerpoint/2015/main" val="1"/>
+                <p16:designElem xmlns:p16="http://schemas.microsoft.com/office/powerpoint/2015/main" xmlns="" val="1"/>
               </p:ext>
             </p:extLst>
           </p:nvPr>
@@ -23623,10 +27958,10 @@
           <p:cNvPr id="41" name="Rectangle 28">
             <a:extLst>
               <a:ext uri="{FF2B5EF4-FFF2-40B4-BE49-F238E27FC236}">
-                <a16:creationId xmlns="" xmlns:a16="http://schemas.microsoft.com/office/drawing/2014/main" id="{BF120A21-0841-4823-B0C4-28AEBCEF9B78}"/>
+                <a16:creationId xmlns:a16="http://schemas.microsoft.com/office/drawing/2014/main" xmlns="" id="{BF120A21-0841-4823-B0C4-28AEBCEF9B78}"/>
               </a:ext>
               <a:ext uri="{C183D7F6-B498-43B3-948B-1728B52AA6E4}">
-                <adec:decorative xmlns="" xmlns:adec="http://schemas.microsoft.com/office/drawing/2017/decorative" val="1"/>
+                <adec:decorative xmlns:adec="http://schemas.microsoft.com/office/drawing/2017/decorative" xmlns="" val="1"/>
               </a:ext>
             </a:extLst>
           </p:cNvPr>
@@ -23636,7 +27971,7 @@
           <p:nvPr>
             <p:extLst>
               <p:ext uri="{386F3935-93C4-4BCD-93E2-E3B085C9AB24}">
-                <p16:designElem xmlns="" xmlns:p16="http://schemas.microsoft.com/office/powerpoint/2015/main" val="1"/>
+                <p16:designElem xmlns:p16="http://schemas.microsoft.com/office/powerpoint/2015/main" xmlns="" val="1"/>
               </p:ext>
             </p:extLst>
           </p:nvPr>
@@ -23705,10 +28040,10 @@
           <p:cNvPr id="43" name="Rectangle 29">
             <a:extLst>
               <a:ext uri="{FF2B5EF4-FFF2-40B4-BE49-F238E27FC236}">
-                <a16:creationId xmlns="" xmlns:a16="http://schemas.microsoft.com/office/drawing/2014/main" id="{DBB05BAE-BBD3-4289-899F-A6851503C6B0}"/>
+                <a16:creationId xmlns:a16="http://schemas.microsoft.com/office/drawing/2014/main" xmlns="" id="{DBB05BAE-BBD3-4289-899F-A6851503C6B0}"/>
               </a:ext>
               <a:ext uri="{C183D7F6-B498-43B3-948B-1728B52AA6E4}">
-                <adec:decorative xmlns="" xmlns:adec="http://schemas.microsoft.com/office/drawing/2017/decorative" val="1"/>
+                <adec:decorative xmlns:adec="http://schemas.microsoft.com/office/drawing/2017/decorative" xmlns="" val="1"/>
               </a:ext>
             </a:extLst>
           </p:cNvPr>
@@ -23718,7 +28053,7 @@
           <p:nvPr>
             <p:extLst>
               <p:ext uri="{386F3935-93C4-4BCD-93E2-E3B085C9AB24}">
-                <p16:designElem xmlns="" xmlns:p16="http://schemas.microsoft.com/office/powerpoint/2015/main" val="1"/>
+                <p16:designElem xmlns:p16="http://schemas.microsoft.com/office/powerpoint/2015/main" xmlns="" val="1"/>
               </p:ext>
             </p:extLst>
           </p:nvPr>
@@ -23785,10 +28120,10 @@
           <p:cNvPr id="45" name="Isosceles Triangle 29">
             <a:extLst>
               <a:ext uri="{FF2B5EF4-FFF2-40B4-BE49-F238E27FC236}">
-                <a16:creationId xmlns="" xmlns:a16="http://schemas.microsoft.com/office/drawing/2014/main" id="{9874D11C-36F5-4BBE-A490-019A54E953B0}"/>
+                <a16:creationId xmlns:a16="http://schemas.microsoft.com/office/drawing/2014/main" xmlns="" id="{9874D11C-36F5-4BBE-A490-019A54E953B0}"/>
               </a:ext>
               <a:ext uri="{C183D7F6-B498-43B3-948B-1728B52AA6E4}">
-                <adec:decorative xmlns="" xmlns:adec="http://schemas.microsoft.com/office/drawing/2017/decorative" val="1"/>
+                <adec:decorative xmlns:adec="http://schemas.microsoft.com/office/drawing/2017/decorative" xmlns="" val="1"/>
               </a:ext>
             </a:extLst>
           </p:cNvPr>
@@ -23798,7 +28133,7 @@
           <p:nvPr>
             <p:extLst>
               <p:ext uri="{386F3935-93C4-4BCD-93E2-E3B085C9AB24}">
-                <p16:designElem xmlns="" xmlns:p16="http://schemas.microsoft.com/office/powerpoint/2015/main" val="1"/>
+                <p16:designElem xmlns:p16="http://schemas.microsoft.com/office/powerpoint/2015/main" xmlns="" val="1"/>
               </p:ext>
             </p:extLst>
           </p:nvPr>
@@ -23843,7 +28178,7 @@
           <p:cNvPr id="4" name="TextBox 3">
             <a:extLst>
               <a:ext uri="{FF2B5EF4-FFF2-40B4-BE49-F238E27FC236}">
-                <a16:creationId xmlns="" xmlns:a16="http://schemas.microsoft.com/office/drawing/2014/main" id="{30020392-F303-67F0-405C-11AE084015F8}"/>
+                <a16:creationId xmlns:a16="http://schemas.microsoft.com/office/drawing/2014/main" xmlns="" id="{30020392-F303-67F0-405C-11AE084015F8}"/>
               </a:ext>
             </a:extLst>
           </p:cNvPr>
@@ -23879,7 +28214,7 @@
           <p:cNvPr id="10" name="TextBox 9">
             <a:extLst>
               <a:ext uri="{FF2B5EF4-FFF2-40B4-BE49-F238E27FC236}">
-                <a16:creationId xmlns="" xmlns:a16="http://schemas.microsoft.com/office/drawing/2014/main" id="{1452AAD4-1816-338F-C8E8-F26ABB6661E3}"/>
+                <a16:creationId xmlns:a16="http://schemas.microsoft.com/office/drawing/2014/main" xmlns="" id="{1452AAD4-1816-338F-C8E8-F26ABB6661E3}"/>
               </a:ext>
             </a:extLst>
           </p:cNvPr>
@@ -23914,904 +28249,6 @@
     <p:extLst>
       <p:ext uri="{BB962C8B-B14F-4D97-AF65-F5344CB8AC3E}">
         <p14:creationId xmlns:p14="http://schemas.microsoft.com/office/powerpoint/2010/main" val="2050907355"/>
-      </p:ext>
-    </p:extLst>
-  </p:cSld>
-  <p:clrMapOvr>
-    <a:masterClrMapping/>
-  </p:clrMapOvr>
-</p:sld>
-</file>
-
-<file path=ppt/slides/slide9.xml><?xml version="1.0" encoding="utf-8"?>
-<p:sld xmlns:a="http://schemas.openxmlformats.org/drawingml/2006/main" xmlns:r="http://schemas.openxmlformats.org/officeDocument/2006/relationships" xmlns:p="http://schemas.openxmlformats.org/presentationml/2006/main">
-  <p:cSld>
-    <p:spTree>
-      <p:nvGrpSpPr>
-        <p:cNvPr id="1" name=""/>
-        <p:cNvGrpSpPr/>
-        <p:nvPr/>
-      </p:nvGrpSpPr>
-      <p:grpSpPr>
-        <a:xfrm>
-          <a:off x="0" y="0"/>
-          <a:ext cx="0" cy="0"/>
-          <a:chOff x="0" y="0"/>
-          <a:chExt cx="0" cy="0"/>
-        </a:xfrm>
-      </p:grpSpPr>
-      <p:sp useBgFill="1">
-        <p:nvSpPr>
-          <p:cNvPr id="10" name="Rectangle 9">
-            <a:extLst>
-              <a:ext uri="{FF2B5EF4-FFF2-40B4-BE49-F238E27FC236}">
-                <a16:creationId xmlns="" xmlns:a16="http://schemas.microsoft.com/office/drawing/2014/main" id="{A65AC7D1-EAA9-48F5-B509-60A7F50BF703}"/>
-              </a:ext>
-              <a:ext uri="{C183D7F6-B498-43B3-948B-1728B52AA6E4}">
-                <adec:decorative xmlns="" xmlns:adec="http://schemas.microsoft.com/office/drawing/2017/decorative" val="1"/>
-              </a:ext>
-            </a:extLst>
-          </p:cNvPr>
-          <p:cNvSpPr>
-            <a:spLocks noGrp="1" noRot="1" noChangeAspect="1" noMove="1" noResize="1" noEditPoints="1" noAdjustHandles="1" noChangeArrowheads="1" noChangeShapeType="1" noTextEdit="1"/>
-          </p:cNvSpPr>
-          <p:nvPr>
-            <p:extLst>
-              <p:ext uri="{386F3935-93C4-4BCD-93E2-E3B085C9AB24}">
-                <p16:designElem xmlns="" xmlns:p16="http://schemas.microsoft.com/office/powerpoint/2015/main" val="1"/>
-              </p:ext>
-            </p:extLst>
-          </p:nvPr>
-        </p:nvSpPr>
-        <p:spPr>
-          <a:xfrm>
-            <a:off x="0" y="0"/>
-            <a:ext cx="12192000" cy="6858000"/>
-          </a:xfrm>
-          <a:prstGeom prst="rect">
-            <a:avLst/>
-          </a:prstGeom>
-          <a:ln>
-            <a:noFill/>
-          </a:ln>
-        </p:spPr>
-        <p:style>
-          <a:lnRef idx="2">
-            <a:schemeClr val="accent1">
-              <a:shade val="50000"/>
-            </a:schemeClr>
-          </a:lnRef>
-          <a:fillRef idx="1">
-            <a:schemeClr val="accent1"/>
-          </a:fillRef>
-          <a:effectRef idx="0">
-            <a:schemeClr val="accent1"/>
-          </a:effectRef>
-          <a:fontRef idx="minor">
-            <a:schemeClr val="lt1"/>
-          </a:fontRef>
-        </p:style>
-        <p:txBody>
-          <a:bodyPr rtlCol="0" anchor="ctr"/>
-          <a:lstStyle/>
-          <a:p>
-            <a:pPr algn="ctr"/>
-            <a:endParaRPr lang="en-US" dirty="0"/>
-          </a:p>
-        </p:txBody>
-      </p:sp>
-      <p:sp useBgFill="1">
-        <p:nvSpPr>
-          <p:cNvPr id="12" name="Rectangle 11">
-            <a:extLst>
-              <a:ext uri="{FF2B5EF4-FFF2-40B4-BE49-F238E27FC236}">
-                <a16:creationId xmlns="" xmlns:a16="http://schemas.microsoft.com/office/drawing/2014/main" id="{D6320AF9-619A-4175-865B-5663E1AEF4C5}"/>
-              </a:ext>
-              <a:ext uri="{C183D7F6-B498-43B3-948B-1728B52AA6E4}">
-                <adec:decorative xmlns="" xmlns:adec="http://schemas.microsoft.com/office/drawing/2017/decorative" val="1"/>
-              </a:ext>
-            </a:extLst>
-          </p:cNvPr>
-          <p:cNvSpPr>
-            <a:spLocks noGrp="1" noRot="1" noChangeAspect="1" noMove="1" noResize="1" noEditPoints="1" noAdjustHandles="1" noChangeArrowheads="1" noChangeShapeType="1" noTextEdit="1"/>
-          </p:cNvSpPr>
-          <p:nvPr>
-            <p:extLst>
-              <p:ext uri="{386F3935-93C4-4BCD-93E2-E3B085C9AB24}">
-                <p16:designElem xmlns="" xmlns:p16="http://schemas.microsoft.com/office/powerpoint/2015/main" val="1"/>
-              </p:ext>
-            </p:extLst>
-          </p:nvPr>
-        </p:nvSpPr>
-        <p:spPr>
-          <a:xfrm>
-            <a:off x="0" y="0"/>
-            <a:ext cx="12192000" cy="6858000"/>
-          </a:xfrm>
-          <a:prstGeom prst="rect">
-            <a:avLst/>
-          </a:prstGeom>
-          <a:ln>
-            <a:noFill/>
-          </a:ln>
-        </p:spPr>
-        <p:style>
-          <a:lnRef idx="2">
-            <a:schemeClr val="accent1">
-              <a:shade val="50000"/>
-            </a:schemeClr>
-          </a:lnRef>
-          <a:fillRef idx="1">
-            <a:schemeClr val="accent1"/>
-          </a:fillRef>
-          <a:effectRef idx="0">
-            <a:schemeClr val="accent1"/>
-          </a:effectRef>
-          <a:fontRef idx="minor">
-            <a:schemeClr val="lt1"/>
-          </a:fontRef>
-        </p:style>
-        <p:txBody>
-          <a:bodyPr rtlCol="0" anchor="ctr"/>
-          <a:lstStyle/>
-          <a:p>
-            <a:pPr algn="ctr"/>
-            <a:endParaRPr lang="en-US" dirty="0"/>
-          </a:p>
-        </p:txBody>
-      </p:sp>
-      <p:cxnSp>
-        <p:nvCxnSpPr>
-          <p:cNvPr id="14" name="Straight Connector 13">
-            <a:extLst>
-              <a:ext uri="{FF2B5EF4-FFF2-40B4-BE49-F238E27FC236}">
-                <a16:creationId xmlns="" xmlns:a16="http://schemas.microsoft.com/office/drawing/2014/main" id="{063B6EC6-D752-4EE7-908B-F8F19E8C7FEA}"/>
-              </a:ext>
-              <a:ext uri="{C183D7F6-B498-43B3-948B-1728B52AA6E4}">
-                <adec:decorative xmlns="" xmlns:adec="http://schemas.microsoft.com/office/drawing/2017/decorative" val="1"/>
-              </a:ext>
-            </a:extLst>
-          </p:cNvPr>
-          <p:cNvCxnSpPr>
-            <a:cxnSpLocks noGrp="1" noRot="1" noChangeAspect="1" noMove="1" noResize="1" noEditPoints="1" noAdjustHandles="1" noChangeArrowheads="1" noChangeShapeType="1"/>
-          </p:cNvCxnSpPr>
-          <p:nvPr>
-            <p:extLst>
-              <p:ext uri="{386F3935-93C4-4BCD-93E2-E3B085C9AB24}">
-                <p16:designElem xmlns="" xmlns:p16="http://schemas.microsoft.com/office/powerpoint/2015/main" val="1"/>
-              </p:ext>
-            </p:extLst>
-          </p:nvPr>
-        </p:nvCxnSpPr>
-        <p:spPr>
-          <a:xfrm>
-            <a:off x="5111313" y="0"/>
-            <a:ext cx="1219200" cy="6858000"/>
-          </a:xfrm>
-          <a:prstGeom prst="line">
-            <a:avLst/>
-          </a:prstGeom>
-          <a:ln w="9525">
-            <a:solidFill>
-              <a:schemeClr val="accent1">
-                <a:lumMod val="75000"/>
-              </a:schemeClr>
-            </a:solidFill>
-          </a:ln>
-        </p:spPr>
-        <p:style>
-          <a:lnRef idx="2">
-            <a:schemeClr val="accent1"/>
-          </a:lnRef>
-          <a:fillRef idx="0">
-            <a:schemeClr val="accent1"/>
-          </a:fillRef>
-          <a:effectRef idx="1">
-            <a:schemeClr val="accent1"/>
-          </a:effectRef>
-          <a:fontRef idx="minor">
-            <a:schemeClr val="tx1"/>
-          </a:fontRef>
-        </p:style>
-      </p:cxnSp>
-      <p:cxnSp>
-        <p:nvCxnSpPr>
-          <p:cNvPr id="16" name="Straight Connector 15">
-            <a:extLst>
-              <a:ext uri="{FF2B5EF4-FFF2-40B4-BE49-F238E27FC236}">
-                <a16:creationId xmlns="" xmlns:a16="http://schemas.microsoft.com/office/drawing/2014/main" id="{EFECD4E8-AD3E-4228-82A2-9461958EA94D}"/>
-              </a:ext>
-              <a:ext uri="{C183D7F6-B498-43B3-948B-1728B52AA6E4}">
-                <adec:decorative xmlns="" xmlns:adec="http://schemas.microsoft.com/office/drawing/2017/decorative" val="1"/>
-              </a:ext>
-            </a:extLst>
-          </p:cNvPr>
-          <p:cNvCxnSpPr>
-            <a:cxnSpLocks noGrp="1" noRot="1" noChangeAspect="1" noMove="1" noResize="1" noEditPoints="1" noAdjustHandles="1" noChangeArrowheads="1" noChangeShapeType="1"/>
-          </p:cNvCxnSpPr>
-          <p:nvPr>
-            <p:extLst>
-              <p:ext uri="{386F3935-93C4-4BCD-93E2-E3B085C9AB24}">
-                <p16:designElem xmlns="" xmlns:p16="http://schemas.microsoft.com/office/powerpoint/2015/main" val="1"/>
-              </p:ext>
-            </p:extLst>
-          </p:nvPr>
-        </p:nvCxnSpPr>
-        <p:spPr>
-          <a:xfrm flipH="1">
-            <a:off x="3290979" y="3681413"/>
-            <a:ext cx="4763558" cy="3176587"/>
-          </a:xfrm>
-          <a:prstGeom prst="line">
-            <a:avLst/>
-          </a:prstGeom>
-          <a:ln w="9525">
-            <a:solidFill>
-              <a:schemeClr val="tx1">
-                <a:lumMod val="50000"/>
-                <a:lumOff val="50000"/>
-                <a:alpha val="80000"/>
-              </a:schemeClr>
-            </a:solidFill>
-          </a:ln>
-        </p:spPr>
-        <p:style>
-          <a:lnRef idx="2">
-            <a:schemeClr val="accent1"/>
-          </a:lnRef>
-          <a:fillRef idx="0">
-            <a:schemeClr val="accent1"/>
-          </a:fillRef>
-          <a:effectRef idx="1">
-            <a:schemeClr val="accent1"/>
-          </a:effectRef>
-          <a:fontRef idx="minor">
-            <a:schemeClr val="tx1"/>
-          </a:fontRef>
-        </p:style>
-      </p:cxnSp>
-      <p:sp>
-        <p:nvSpPr>
-          <p:cNvPr id="18" name="Rectangle 23">
-            <a:extLst>
-              <a:ext uri="{FF2B5EF4-FFF2-40B4-BE49-F238E27FC236}">
-                <a16:creationId xmlns="" xmlns:a16="http://schemas.microsoft.com/office/drawing/2014/main" id="{7E018740-5C2B-4A41-AC1A-7E68D1EC1954}"/>
-              </a:ext>
-              <a:ext uri="{C183D7F6-B498-43B3-948B-1728B52AA6E4}">
-                <adec:decorative xmlns="" xmlns:adec="http://schemas.microsoft.com/office/drawing/2017/decorative" val="1"/>
-              </a:ext>
-            </a:extLst>
-          </p:cNvPr>
-          <p:cNvSpPr>
-            <a:spLocks noGrp="1" noRot="1" noChangeAspect="1" noMove="1" noResize="1" noEditPoints="1" noAdjustHandles="1" noChangeArrowheads="1" noChangeShapeType="1" noTextEdit="1"/>
-          </p:cNvSpPr>
-          <p:nvPr>
-            <p:extLst>
-              <p:ext uri="{386F3935-93C4-4BCD-93E2-E3B085C9AB24}">
-                <p16:designElem xmlns="" xmlns:p16="http://schemas.microsoft.com/office/powerpoint/2015/main" val="1"/>
-              </p:ext>
-            </p:extLst>
-          </p:nvPr>
-        </p:nvSpPr>
-        <p:spPr>
-          <a:xfrm>
-            <a:off x="4482568" y="-8467"/>
-            <a:ext cx="3007349" cy="6866467"/>
-          </a:xfrm>
-          <a:custGeom>
-            <a:avLst/>
-            <a:gdLst/>
-            <a:ahLst/>
-            <a:cxnLst/>
-            <a:rect l="l" t="t" r="r" b="b"/>
-            <a:pathLst>
-              <a:path w="3007349" h="6866467">
-                <a:moveTo>
-                  <a:pt x="2045532" y="0"/>
-                </a:moveTo>
-                <a:lnTo>
-                  <a:pt x="3007349" y="0"/>
-                </a:lnTo>
-                <a:lnTo>
-                  <a:pt x="3007349" y="6866467"/>
-                </a:lnTo>
-                <a:lnTo>
-                  <a:pt x="0" y="6866467"/>
-                </a:lnTo>
-                <a:lnTo>
-                  <a:pt x="2045532" y="0"/>
-                </a:lnTo>
-                <a:close/>
-              </a:path>
-            </a:pathLst>
-          </a:custGeom>
-          <a:solidFill>
-            <a:schemeClr val="accent1">
-              <a:alpha val="30000"/>
-            </a:schemeClr>
-          </a:solidFill>
-          <a:ln>
-            <a:noFill/>
-          </a:ln>
-          <a:effectLst/>
-        </p:spPr>
-        <p:style>
-          <a:lnRef idx="1">
-            <a:schemeClr val="accent1"/>
-          </a:lnRef>
-          <a:fillRef idx="3">
-            <a:schemeClr val="accent1"/>
-          </a:fillRef>
-          <a:effectRef idx="2">
-            <a:schemeClr val="accent1"/>
-          </a:effectRef>
-          <a:fontRef idx="minor">
-            <a:schemeClr val="lt1"/>
-          </a:fontRef>
-        </p:style>
-      </p:sp>
-      <p:sp>
-        <p:nvSpPr>
-          <p:cNvPr id="20" name="Rectangle 25">
-            <a:extLst>
-              <a:ext uri="{FF2B5EF4-FFF2-40B4-BE49-F238E27FC236}">
-                <a16:creationId xmlns="" xmlns:a16="http://schemas.microsoft.com/office/drawing/2014/main" id="{166F75A4-C475-4941-8EE2-B80A06A2C1BB}"/>
-              </a:ext>
-              <a:ext uri="{C183D7F6-B498-43B3-948B-1728B52AA6E4}">
-                <adec:decorative xmlns="" xmlns:adec="http://schemas.microsoft.com/office/drawing/2017/decorative" val="1"/>
-              </a:ext>
-            </a:extLst>
-          </p:cNvPr>
-          <p:cNvSpPr>
-            <a:spLocks noGrp="1" noRot="1" noChangeAspect="1" noMove="1" noResize="1" noEditPoints="1" noAdjustHandles="1" noChangeArrowheads="1" noChangeShapeType="1" noTextEdit="1"/>
-          </p:cNvSpPr>
-          <p:nvPr>
-            <p:extLst>
-              <p:ext uri="{386F3935-93C4-4BCD-93E2-E3B085C9AB24}">
-                <p16:designElem xmlns="" xmlns:p16="http://schemas.microsoft.com/office/powerpoint/2015/main" val="1"/>
-              </p:ext>
-            </p:extLst>
-          </p:nvPr>
-        </p:nvSpPr>
-        <p:spPr>
-          <a:xfrm>
-            <a:off x="4904534" y="-8467"/>
-            <a:ext cx="2588558" cy="6866467"/>
-          </a:xfrm>
-          <a:custGeom>
-            <a:avLst/>
-            <a:gdLst/>
-            <a:ahLst/>
-            <a:cxnLst/>
-            <a:rect l="l" t="t" r="r" b="b"/>
-            <a:pathLst>
-              <a:path w="2573311" h="6866467">
-                <a:moveTo>
-                  <a:pt x="0" y="0"/>
-                </a:moveTo>
-                <a:lnTo>
-                  <a:pt x="2573311" y="0"/>
-                </a:lnTo>
-                <a:lnTo>
-                  <a:pt x="2573311" y="6866467"/>
-                </a:lnTo>
-                <a:lnTo>
-                  <a:pt x="1202336" y="6866467"/>
-                </a:lnTo>
-                <a:lnTo>
-                  <a:pt x="0" y="0"/>
-                </a:lnTo>
-                <a:close/>
-              </a:path>
-            </a:pathLst>
-          </a:custGeom>
-          <a:solidFill>
-            <a:schemeClr val="accent1">
-              <a:alpha val="20000"/>
-            </a:schemeClr>
-          </a:solidFill>
-          <a:ln>
-            <a:noFill/>
-          </a:ln>
-          <a:effectLst/>
-        </p:spPr>
-        <p:style>
-          <a:lnRef idx="1">
-            <a:schemeClr val="accent1"/>
-          </a:lnRef>
-          <a:fillRef idx="3">
-            <a:schemeClr val="accent1"/>
-          </a:fillRef>
-          <a:effectRef idx="2">
-            <a:schemeClr val="accent1"/>
-          </a:effectRef>
-          <a:fontRef idx="minor">
-            <a:schemeClr val="lt1"/>
-          </a:fontRef>
-        </p:style>
-      </p:sp>
-      <p:sp>
-        <p:nvSpPr>
-          <p:cNvPr id="22" name="Isosceles Triangle 21">
-            <a:extLst>
-              <a:ext uri="{FF2B5EF4-FFF2-40B4-BE49-F238E27FC236}">
-                <a16:creationId xmlns="" xmlns:a16="http://schemas.microsoft.com/office/drawing/2014/main" id="{A032553A-72E8-4B0D-8405-FF9771C9AF05}"/>
-              </a:ext>
-              <a:ext uri="{C183D7F6-B498-43B3-948B-1728B52AA6E4}">
-                <adec:decorative xmlns="" xmlns:adec="http://schemas.microsoft.com/office/drawing/2017/decorative" val="1"/>
-              </a:ext>
-            </a:extLst>
-          </p:cNvPr>
-          <p:cNvSpPr>
-            <a:spLocks noGrp="1" noRot="1" noChangeAspect="1" noMove="1" noResize="1" noEditPoints="1" noAdjustHandles="1" noChangeArrowheads="1" noChangeShapeType="1" noTextEdit="1"/>
-          </p:cNvSpPr>
-          <p:nvPr>
-            <p:extLst>
-              <p:ext uri="{386F3935-93C4-4BCD-93E2-E3B085C9AB24}">
-                <p16:designElem xmlns="" xmlns:p16="http://schemas.microsoft.com/office/powerpoint/2015/main" val="1"/>
-              </p:ext>
-            </p:extLst>
-          </p:nvPr>
-        </p:nvSpPr>
-        <p:spPr>
-          <a:xfrm>
-            <a:off x="4233425" y="3048000"/>
-            <a:ext cx="3259667" cy="3810000"/>
-          </a:xfrm>
-          <a:prstGeom prst="triangle">
-            <a:avLst>
-              <a:gd name="adj" fmla="val 100000"/>
-            </a:avLst>
-          </a:prstGeom>
-          <a:solidFill>
-            <a:schemeClr val="accent2">
-              <a:alpha val="72000"/>
-            </a:schemeClr>
-          </a:solidFill>
-          <a:ln>
-            <a:noFill/>
-          </a:ln>
-          <a:effectLst/>
-        </p:spPr>
-        <p:style>
-          <a:lnRef idx="1">
-            <a:schemeClr val="accent1"/>
-          </a:lnRef>
-          <a:fillRef idx="3">
-            <a:schemeClr val="accent1"/>
-          </a:fillRef>
-          <a:effectRef idx="2">
-            <a:schemeClr val="accent1"/>
-          </a:effectRef>
-          <a:fontRef idx="minor">
-            <a:schemeClr val="lt1"/>
-          </a:fontRef>
-        </p:style>
-      </p:sp>
-      <p:sp>
-        <p:nvSpPr>
-          <p:cNvPr id="24" name="Rectangle 27">
-            <a:extLst>
-              <a:ext uri="{FF2B5EF4-FFF2-40B4-BE49-F238E27FC236}">
-                <a16:creationId xmlns="" xmlns:a16="http://schemas.microsoft.com/office/drawing/2014/main" id="{765800AC-C3B9-498E-87BC-29FAE4C76B21}"/>
-              </a:ext>
-              <a:ext uri="{C183D7F6-B498-43B3-948B-1728B52AA6E4}">
-                <adec:decorative xmlns="" xmlns:adec="http://schemas.microsoft.com/office/drawing/2017/decorative" val="1"/>
-              </a:ext>
-            </a:extLst>
-          </p:cNvPr>
-          <p:cNvSpPr>
-            <a:spLocks noGrp="1" noRot="1" noChangeAspect="1" noMove="1" noResize="1" noEditPoints="1" noAdjustHandles="1" noChangeArrowheads="1" noChangeShapeType="1" noTextEdit="1"/>
-          </p:cNvSpPr>
-          <p:nvPr>
-            <p:extLst>
-              <p:ext uri="{386F3935-93C4-4BCD-93E2-E3B085C9AB24}">
-                <p16:designElem xmlns="" xmlns:p16="http://schemas.microsoft.com/office/powerpoint/2015/main" val="1"/>
-              </p:ext>
-            </p:extLst>
-          </p:nvPr>
-        </p:nvSpPr>
-        <p:spPr>
-          <a:xfrm>
-            <a:off x="4635592" y="-8467"/>
-            <a:ext cx="2854326" cy="6866467"/>
-          </a:xfrm>
-          <a:custGeom>
-            <a:avLst/>
-            <a:gdLst/>
-            <a:ahLst/>
-            <a:cxnLst/>
-            <a:rect l="l" t="t" r="r" b="b"/>
-            <a:pathLst>
-              <a:path w="2858013" h="6866467">
-                <a:moveTo>
-                  <a:pt x="0" y="0"/>
-                </a:moveTo>
-                <a:lnTo>
-                  <a:pt x="2858013" y="0"/>
-                </a:lnTo>
-                <a:lnTo>
-                  <a:pt x="2858013" y="6866467"/>
-                </a:lnTo>
-                <a:lnTo>
-                  <a:pt x="2473942" y="6866467"/>
-                </a:lnTo>
-                <a:lnTo>
-                  <a:pt x="0" y="0"/>
-                </a:lnTo>
-                <a:close/>
-              </a:path>
-            </a:pathLst>
-          </a:custGeom>
-          <a:solidFill>
-            <a:schemeClr val="accent2">
-              <a:lumMod val="75000"/>
-              <a:alpha val="70000"/>
-            </a:schemeClr>
-          </a:solidFill>
-          <a:ln>
-            <a:noFill/>
-          </a:ln>
-          <a:effectLst/>
-        </p:spPr>
-        <p:style>
-          <a:lnRef idx="1">
-            <a:schemeClr val="accent1"/>
-          </a:lnRef>
-          <a:fillRef idx="3">
-            <a:schemeClr val="accent1"/>
-          </a:fillRef>
-          <a:effectRef idx="2">
-            <a:schemeClr val="accent1"/>
-          </a:effectRef>
-          <a:fontRef idx="minor">
-            <a:schemeClr val="lt1"/>
-          </a:fontRef>
-        </p:style>
-      </p:sp>
-      <p:sp>
-        <p:nvSpPr>
-          <p:cNvPr id="26" name="Isosceles Triangle 25">
-            <a:extLst>
-              <a:ext uri="{FF2B5EF4-FFF2-40B4-BE49-F238E27FC236}">
-                <a16:creationId xmlns="" xmlns:a16="http://schemas.microsoft.com/office/drawing/2014/main" id="{1F9D6ACB-2FF4-49F9-978A-E0D5327FC635}"/>
-              </a:ext>
-              <a:ext uri="{C183D7F6-B498-43B3-948B-1728B52AA6E4}">
-                <adec:decorative xmlns="" xmlns:adec="http://schemas.microsoft.com/office/drawing/2017/decorative" val="1"/>
-              </a:ext>
-            </a:extLst>
-          </p:cNvPr>
-          <p:cNvSpPr>
-            <a:spLocks noGrp="1" noRot="1" noChangeAspect="1" noMove="1" noResize="1" noEditPoints="1" noAdjustHandles="1" noChangeArrowheads="1" noChangeShapeType="1" noTextEdit="1"/>
-          </p:cNvSpPr>
-          <p:nvPr>
-            <p:extLst>
-              <p:ext uri="{386F3935-93C4-4BCD-93E2-E3B085C9AB24}">
-                <p16:designElem xmlns="" xmlns:p16="http://schemas.microsoft.com/office/powerpoint/2015/main" val="1"/>
-              </p:ext>
-            </p:extLst>
-          </p:nvPr>
-        </p:nvSpPr>
-        <p:spPr>
-          <a:xfrm>
-            <a:off x="5672758" y="3589867"/>
-            <a:ext cx="1817159" cy="3268133"/>
-          </a:xfrm>
-          <a:prstGeom prst="triangle">
-            <a:avLst>
-              <a:gd name="adj" fmla="val 100000"/>
-            </a:avLst>
-          </a:prstGeom>
-          <a:solidFill>
-            <a:schemeClr val="accent1">
-              <a:alpha val="80000"/>
-            </a:schemeClr>
-          </a:solidFill>
-          <a:ln>
-            <a:noFill/>
-          </a:ln>
-          <a:effectLst/>
-        </p:spPr>
-        <p:style>
-          <a:lnRef idx="1">
-            <a:schemeClr val="accent1"/>
-          </a:lnRef>
-          <a:fillRef idx="3">
-            <a:schemeClr val="accent1"/>
-          </a:fillRef>
-          <a:effectRef idx="2">
-            <a:schemeClr val="accent1"/>
-          </a:effectRef>
-          <a:fontRef idx="minor">
-            <a:schemeClr val="lt1"/>
-          </a:fontRef>
-        </p:style>
-      </p:sp>
-      <p:sp>
-        <p:nvSpPr>
-          <p:cNvPr id="28" name="Freeform: Shape 27">
-            <a:extLst>
-              <a:ext uri="{FF2B5EF4-FFF2-40B4-BE49-F238E27FC236}">
-                <a16:creationId xmlns="" xmlns:a16="http://schemas.microsoft.com/office/drawing/2014/main" id="{A5EC319D-0FEA-4B95-A3EA-01E35672C95B}"/>
-              </a:ext>
-              <a:ext uri="{C183D7F6-B498-43B3-948B-1728B52AA6E4}">
-                <adec:decorative xmlns="" xmlns:adec="http://schemas.microsoft.com/office/drawing/2017/decorative" val="1"/>
-              </a:ext>
-            </a:extLst>
-          </p:cNvPr>
-          <p:cNvSpPr>
-            <a:spLocks noGrp="1" noRot="1" noChangeAspect="1" noMove="1" noResize="1" noEditPoints="1" noAdjustHandles="1" noChangeArrowheads="1" noChangeShapeType="1" noTextEdit="1"/>
-          </p:cNvSpPr>
-          <p:nvPr>
-            <p:extLst>
-              <p:ext uri="{386F3935-93C4-4BCD-93E2-E3B085C9AB24}">
-                <p16:designElem xmlns="" xmlns:p16="http://schemas.microsoft.com/office/powerpoint/2015/main" val="1"/>
-              </p:ext>
-            </p:extLst>
-          </p:nvPr>
-        </p:nvSpPr>
-        <p:spPr>
-          <a:xfrm>
-            <a:off x="6197631" y="-8467"/>
-            <a:ext cx="5994369" cy="6866467"/>
-          </a:xfrm>
-          <a:custGeom>
-            <a:avLst/>
-            <a:gdLst>
-              <a:gd name="connsiteX0" fmla="*/ 0 w 5994369"/>
-              <a:gd name="connsiteY0" fmla="*/ 0 h 6866467"/>
-              <a:gd name="connsiteX1" fmla="*/ 1249825 w 5994369"/>
-              <a:gd name="connsiteY1" fmla="*/ 0 h 6866467"/>
-              <a:gd name="connsiteX2" fmla="*/ 1249825 w 5994369"/>
-              <a:gd name="connsiteY2" fmla="*/ 8467 h 6866467"/>
-              <a:gd name="connsiteX3" fmla="*/ 5994369 w 5994369"/>
-              <a:gd name="connsiteY3" fmla="*/ 8467 h 6866467"/>
-              <a:gd name="connsiteX4" fmla="*/ 5994369 w 5994369"/>
-              <a:gd name="connsiteY4" fmla="*/ 6866467 h 6866467"/>
-              <a:gd name="connsiteX5" fmla="*/ 1249825 w 5994369"/>
-              <a:gd name="connsiteY5" fmla="*/ 6866467 h 6866467"/>
-              <a:gd name="connsiteX6" fmla="*/ 1109382 w 5994369"/>
-              <a:gd name="connsiteY6" fmla="*/ 6866467 h 6866467"/>
-            </a:gdLst>
-            <a:ahLst/>
-            <a:cxnLst>
-              <a:cxn ang="0">
-                <a:pos x="connsiteX0" y="connsiteY0"/>
-              </a:cxn>
-              <a:cxn ang="0">
-                <a:pos x="connsiteX1" y="connsiteY1"/>
-              </a:cxn>
-              <a:cxn ang="0">
-                <a:pos x="connsiteX2" y="connsiteY2"/>
-              </a:cxn>
-              <a:cxn ang="0">
-                <a:pos x="connsiteX3" y="connsiteY3"/>
-              </a:cxn>
-              <a:cxn ang="0">
-                <a:pos x="connsiteX4" y="connsiteY4"/>
-              </a:cxn>
-              <a:cxn ang="0">
-                <a:pos x="connsiteX5" y="connsiteY5"/>
-              </a:cxn>
-              <a:cxn ang="0">
-                <a:pos x="connsiteX6" y="connsiteY6"/>
-              </a:cxn>
-            </a:cxnLst>
-            <a:rect l="l" t="t" r="r" b="b"/>
-            <a:pathLst>
-              <a:path w="5994369" h="6866467">
-                <a:moveTo>
-                  <a:pt x="0" y="0"/>
-                </a:moveTo>
-                <a:lnTo>
-                  <a:pt x="1249825" y="0"/>
-                </a:lnTo>
-                <a:lnTo>
-                  <a:pt x="1249825" y="8467"/>
-                </a:lnTo>
-                <a:lnTo>
-                  <a:pt x="5994369" y="8467"/>
-                </a:lnTo>
-                <a:lnTo>
-                  <a:pt x="5994369" y="6866467"/>
-                </a:lnTo>
-                <a:lnTo>
-                  <a:pt x="1249825" y="6866467"/>
-                </a:lnTo>
-                <a:lnTo>
-                  <a:pt x="1109382" y="6866467"/>
-                </a:lnTo>
-                <a:close/>
-              </a:path>
-            </a:pathLst>
-          </a:custGeom>
-          <a:solidFill>
-            <a:schemeClr val="accent2">
-              <a:lumMod val="75000"/>
-            </a:schemeClr>
-          </a:solidFill>
-          <a:ln>
-            <a:noFill/>
-          </a:ln>
-        </p:spPr>
-        <p:style>
-          <a:lnRef idx="2">
-            <a:schemeClr val="accent1">
-              <a:shade val="50000"/>
-            </a:schemeClr>
-          </a:lnRef>
-          <a:fillRef idx="1">
-            <a:schemeClr val="accent1"/>
-          </a:fillRef>
-          <a:effectRef idx="0">
-            <a:schemeClr val="accent1"/>
-          </a:effectRef>
-          <a:fontRef idx="minor">
-            <a:schemeClr val="lt1"/>
-          </a:fontRef>
-        </p:style>
-        <p:txBody>
-          <a:bodyPr wrap="square" rtlCol="0" anchor="ctr">
-            <a:noAutofit/>
-          </a:bodyPr>
-          <a:lstStyle/>
-          <a:p>
-            <a:pPr algn="ctr"/>
-            <a:endParaRPr lang="en-US" dirty="0"/>
-          </a:p>
-        </p:txBody>
-      </p:sp>
-      <p:sp>
-        <p:nvSpPr>
-          <p:cNvPr id="2" name="Title 1">
-            <a:extLst>
-              <a:ext uri="{FF2B5EF4-FFF2-40B4-BE49-F238E27FC236}">
-                <a16:creationId xmlns="" xmlns:a16="http://schemas.microsoft.com/office/drawing/2014/main" id="{4C0B267E-B809-543C-737C-5C92CA386D5F}"/>
-              </a:ext>
-            </a:extLst>
-          </p:cNvPr>
-          <p:cNvSpPr>
-            <a:spLocks noGrp="1"/>
-          </p:cNvSpPr>
-          <p:nvPr>
-            <p:ph type="title"/>
-          </p:nvPr>
-        </p:nvSpPr>
-        <p:spPr>
-          <a:xfrm>
-            <a:off x="7181723" y="163902"/>
-            <a:ext cx="2442650" cy="890636"/>
-          </a:xfrm>
-        </p:spPr>
-        <p:txBody>
-          <a:bodyPr vert="horz" lIns="91440" tIns="45720" rIns="91440" bIns="45720" rtlCol="0" anchor="ctr">
-            <a:normAutofit fontScale="90000"/>
-          </a:bodyPr>
-          <a:lstStyle/>
-          <a:p>
-            <a:r>
-              <a:rPr lang="en-US" sz="4000" dirty="0">
-                <a:solidFill>
-                  <a:srgbClr val="FFFFFF"/>
-                </a:solidFill>
-              </a:rPr>
-              <a:t>Docker </a:t>
-            </a:r>
-            <a:r>
-              <a:rPr lang="en-US" sz="2800" dirty="0">
-                <a:solidFill>
-                  <a:srgbClr val="FFFFFF"/>
-                </a:solidFill>
-              </a:rPr>
-              <a:t>                            </a:t>
-            </a:r>
-          </a:p>
-        </p:txBody>
-      </p:sp>
-      <p:pic>
-        <p:nvPicPr>
-          <p:cNvPr id="4" name="Picture 4">
-            <a:extLst>
-              <a:ext uri="{FF2B5EF4-FFF2-40B4-BE49-F238E27FC236}">
-                <a16:creationId xmlns="" xmlns:a16="http://schemas.microsoft.com/office/drawing/2014/main" id="{B7519BB8-E40F-6DAA-6387-C9E5FB68AB0D}"/>
-              </a:ext>
-            </a:extLst>
-          </p:cNvPr>
-          <p:cNvPicPr>
-            <a:picLocks noGrp="1" noChangeAspect="1"/>
-          </p:cNvPicPr>
-          <p:nvPr>
-            <p:ph idx="1"/>
-          </p:nvPr>
-        </p:nvPicPr>
-        <p:blipFill rotWithShape="1">
-          <a:blip r:embed="rId2"/>
-          <a:srcRect l="7793" r="13540"/>
-          <a:stretch/>
-        </p:blipFill>
-        <p:spPr>
-          <a:xfrm>
-            <a:off x="872324" y="1168399"/>
-            <a:ext cx="3626627" cy="4610101"/>
-          </a:xfrm>
-          <a:prstGeom prst="rect">
-            <a:avLst/>
-          </a:prstGeom>
-        </p:spPr>
-      </p:pic>
-      <p:sp>
-        <p:nvSpPr>
-          <p:cNvPr id="5" name="TextBox 4">
-            <a:extLst>
-              <a:ext uri="{FF2B5EF4-FFF2-40B4-BE49-F238E27FC236}">
-                <a16:creationId xmlns="" xmlns:a16="http://schemas.microsoft.com/office/drawing/2014/main" id="{A3BDF329-5B60-35F2-63BF-037E6CABD0D6}"/>
-              </a:ext>
-            </a:extLst>
-          </p:cNvPr>
-          <p:cNvSpPr txBox="1"/>
-          <p:nvPr/>
-        </p:nvSpPr>
-        <p:spPr>
-          <a:xfrm>
-            <a:off x="6517019" y="929080"/>
-            <a:ext cx="5476271" cy="5661447"/>
-          </a:xfrm>
-          <a:prstGeom prst="rect">
-            <a:avLst/>
-          </a:prstGeom>
-        </p:spPr>
-        <p:txBody>
-          <a:bodyPr rot="0" spcFirstLastPara="0" vertOverflow="overflow" horzOverflow="overflow" vert="horz" lIns="91440" tIns="45720" rIns="91440" bIns="45720" numCol="1" spcCol="0" rtlCol="0" fromWordArt="0" anchor="t" anchorCtr="0" forceAA="0" compatLnSpc="1">
-            <a:prstTxWarp prst="textNoShape">
-              <a:avLst/>
-            </a:prstTxWarp>
-            <a:noAutofit/>
-          </a:bodyPr>
-          <a:lstStyle/>
-          <a:p>
-            <a:pPr>
-              <a:spcBef>
-                <a:spcPts val="1000"/>
-              </a:spcBef>
-              <a:buClr>
-                <a:schemeClr val="accent1"/>
-              </a:buClr>
-              <a:buSzPct val="80000"/>
-              <a:buFont typeface="Wingdings 3" charset="2"/>
-              <a:buChar char=""/>
-            </a:pPr>
-            <a:r>
-              <a:rPr lang="en-US" sz="2800" dirty="0">
-                <a:solidFill>
-                  <a:srgbClr val="FFFFFF"/>
-                </a:solidFill>
-              </a:rPr>
-              <a:t>Docker is a software platform that allows you to build, test, and deploy applications quickly. Docker packages software into standardized units called </a:t>
-            </a:r>
-            <a:r>
-              <a:rPr lang="en-US" sz="2800" dirty="0">
-                <a:solidFill>
-                  <a:srgbClr val="FFFFFF"/>
-                </a:solidFill>
-                <a:hlinkClick r:id="rId3"/>
-              </a:rPr>
-              <a:t>containers</a:t>
-            </a:r>
-            <a:r>
-              <a:rPr lang="en-US" sz="2800" dirty="0">
-                <a:solidFill>
-                  <a:srgbClr val="FFFFFF"/>
-                </a:solidFill>
-              </a:rPr>
-              <a:t> that have everything the software needs to run including libraries, system tools, code, and runtime. Using Docker, you can quickly deploy and scale applications into any environment and know your code will run.</a:t>
-            </a:r>
-          </a:p>
-        </p:txBody>
-      </p:sp>
-    </p:spTree>
-    <p:extLst>
-      <p:ext uri="{BB962C8B-B14F-4D97-AF65-F5344CB8AC3E}">
-        <p14:creationId xmlns:p14="http://schemas.microsoft.com/office/powerpoint/2010/main" val="3726490816"/>
       </p:ext>
     </p:extLst>
   </p:cSld>
